--- a/Intro_to_bayesian/bayesian_stats_with_stan_and_brms.pptx
+++ b/Intro_to_bayesian/bayesian_stats_with_stan_and_brms.pptx
@@ -5,7 +5,7 @@
     <p:sldMasterId id="2147483648" r:id="rId1"/>
   </p:sldMasterIdLst>
   <p:notesMasterIdLst>
-    <p:notesMasterId r:id="rId13"/>
+    <p:notesMasterId r:id="rId23"/>
   </p:notesMasterIdLst>
   <p:sldIdLst>
     <p:sldId id="256" r:id="rId2"/>
@@ -19,6 +19,16 @@
     <p:sldId id="257" r:id="rId10"/>
     <p:sldId id="258" r:id="rId11"/>
     <p:sldId id="259" r:id="rId12"/>
+    <p:sldId id="267" r:id="rId13"/>
+    <p:sldId id="268" r:id="rId14"/>
+    <p:sldId id="269" r:id="rId15"/>
+    <p:sldId id="270" r:id="rId16"/>
+    <p:sldId id="271" r:id="rId17"/>
+    <p:sldId id="273" r:id="rId18"/>
+    <p:sldId id="272" r:id="rId19"/>
+    <p:sldId id="274" r:id="rId20"/>
+    <p:sldId id="275" r:id="rId21"/>
+    <p:sldId id="276" r:id="rId22"/>
   </p:sldIdLst>
   <p:sldSz cx="12192000" cy="6858000"/>
   <p:notesSz cx="6858000" cy="9144000"/>
@@ -207,7 +217,7 @@
           <a:p>
             <a:fld id="{10206B14-C106-4050-83BE-9A8C8E3A5B74}" type="datetimeFigureOut">
               <a:rPr lang="en-CA" smtClean="0"/>
-              <a:t>2020-12-05</a:t>
+              <a:t>2020-12-06</a:t>
             </a:fld>
             <a:endParaRPr lang="en-CA"/>
           </a:p>
@@ -624,7 +634,7 @@
           <a:p>
             <a:fld id="{E36824C5-7D88-455F-9FDA-5633A04D0815}" type="datetimeFigureOut">
               <a:rPr lang="en-CA" smtClean="0"/>
-              <a:t>2020-12-05</a:t>
+              <a:t>2020-12-06</a:t>
             </a:fld>
             <a:endParaRPr lang="en-CA"/>
           </a:p>
@@ -824,7 +834,7 @@
           <a:p>
             <a:fld id="{E36824C5-7D88-455F-9FDA-5633A04D0815}" type="datetimeFigureOut">
               <a:rPr lang="en-CA" smtClean="0"/>
-              <a:t>2020-12-05</a:t>
+              <a:t>2020-12-06</a:t>
             </a:fld>
             <a:endParaRPr lang="en-CA"/>
           </a:p>
@@ -1034,7 +1044,7 @@
           <a:p>
             <a:fld id="{E36824C5-7D88-455F-9FDA-5633A04D0815}" type="datetimeFigureOut">
               <a:rPr lang="en-CA" smtClean="0"/>
-              <a:t>2020-12-05</a:t>
+              <a:t>2020-12-06</a:t>
             </a:fld>
             <a:endParaRPr lang="en-CA"/>
           </a:p>
@@ -1234,7 +1244,7 @@
           <a:p>
             <a:fld id="{E36824C5-7D88-455F-9FDA-5633A04D0815}" type="datetimeFigureOut">
               <a:rPr lang="en-CA" smtClean="0"/>
-              <a:t>2020-12-05</a:t>
+              <a:t>2020-12-06</a:t>
             </a:fld>
             <a:endParaRPr lang="en-CA"/>
           </a:p>
@@ -1510,7 +1520,7 @@
           <a:p>
             <a:fld id="{E36824C5-7D88-455F-9FDA-5633A04D0815}" type="datetimeFigureOut">
               <a:rPr lang="en-CA" smtClean="0"/>
-              <a:t>2020-12-05</a:t>
+              <a:t>2020-12-06</a:t>
             </a:fld>
             <a:endParaRPr lang="en-CA"/>
           </a:p>
@@ -1778,7 +1788,7 @@
           <a:p>
             <a:fld id="{E36824C5-7D88-455F-9FDA-5633A04D0815}" type="datetimeFigureOut">
               <a:rPr lang="en-CA" smtClean="0"/>
-              <a:t>2020-12-05</a:t>
+              <a:t>2020-12-06</a:t>
             </a:fld>
             <a:endParaRPr lang="en-CA"/>
           </a:p>
@@ -2193,7 +2203,7 @@
           <a:p>
             <a:fld id="{E36824C5-7D88-455F-9FDA-5633A04D0815}" type="datetimeFigureOut">
               <a:rPr lang="en-CA" smtClean="0"/>
-              <a:t>2020-12-05</a:t>
+              <a:t>2020-12-06</a:t>
             </a:fld>
             <a:endParaRPr lang="en-CA"/>
           </a:p>
@@ -2335,7 +2345,7 @@
           <a:p>
             <a:fld id="{E36824C5-7D88-455F-9FDA-5633A04D0815}" type="datetimeFigureOut">
               <a:rPr lang="en-CA" smtClean="0"/>
-              <a:t>2020-12-05</a:t>
+              <a:t>2020-12-06</a:t>
             </a:fld>
             <a:endParaRPr lang="en-CA"/>
           </a:p>
@@ -2448,7 +2458,7 @@
           <a:p>
             <a:fld id="{E36824C5-7D88-455F-9FDA-5633A04D0815}" type="datetimeFigureOut">
               <a:rPr lang="en-CA" smtClean="0"/>
-              <a:t>2020-12-05</a:t>
+              <a:t>2020-12-06</a:t>
             </a:fld>
             <a:endParaRPr lang="en-CA"/>
           </a:p>
@@ -2761,7 +2771,7 @@
           <a:p>
             <a:fld id="{E36824C5-7D88-455F-9FDA-5633A04D0815}" type="datetimeFigureOut">
               <a:rPr lang="en-CA" smtClean="0"/>
-              <a:t>2020-12-05</a:t>
+              <a:t>2020-12-06</a:t>
             </a:fld>
             <a:endParaRPr lang="en-CA"/>
           </a:p>
@@ -3050,7 +3060,7 @@
           <a:p>
             <a:fld id="{E36824C5-7D88-455F-9FDA-5633A04D0815}" type="datetimeFigureOut">
               <a:rPr lang="en-CA" smtClean="0"/>
-              <a:t>2020-12-05</a:t>
+              <a:t>2020-12-06</a:t>
             </a:fld>
             <a:endParaRPr lang="en-CA"/>
           </a:p>
@@ -3293,7 +3303,7 @@
           <a:p>
             <a:fld id="{E36824C5-7D88-455F-9FDA-5633A04D0815}" type="datetimeFigureOut">
               <a:rPr lang="en-CA" smtClean="0"/>
-              <a:t>2020-12-05</a:t>
+              <a:t>2020-12-06</a:t>
             </a:fld>
             <a:endParaRPr lang="en-CA"/>
           </a:p>
@@ -6398,8 +6408,8 @@
           </a:p>
         </p:txBody>
       </p:sp>
-      <mc:AlternateContent xmlns:mc="http://schemas.openxmlformats.org/markup-compatibility/2006" xmlns:a14="http://schemas.microsoft.com/office/drawing/2010/main">
-        <mc:Choice Requires="a14">
+      <mc:AlternateContent xmlns:mc="http://schemas.openxmlformats.org/markup-compatibility/2006">
+        <mc:Choice xmlns:a14="http://schemas.microsoft.com/office/drawing/2010/main" Requires="a14">
           <p:sp>
             <p:nvSpPr>
               <p:cNvPr id="3" name="Content Placeholder 2">
@@ -6685,7 +6695,7 @@
                 </a14:m>
                 <a:r>
                   <a:rPr lang="en-US" b="1" dirty="0"/>
-                  <a:t> of after observing </a:t>
+                  <a:t> after observing </a:t>
                 </a:r>
                 <a14:m>
                   <m:oMath xmlns:m="http://schemas.openxmlformats.org/officeDocument/2006/math">
@@ -6706,7 +6716,7 @@
             </p:txBody>
           </p:sp>
         </mc:Choice>
-        <mc:Fallback xmlns="">
+        <mc:Fallback>
           <p:sp>
             <p:nvSpPr>
               <p:cNvPr id="3" name="Content Placeholder 2">
@@ -6998,6 +7008,7457 @@
 </p:sld>
 </file>
 
+<file path=ppt/slides/slide12.xml><?xml version="1.0" encoding="utf-8"?>
+<p:sld xmlns:a="http://schemas.openxmlformats.org/drawingml/2006/main" xmlns:r="http://schemas.openxmlformats.org/officeDocument/2006/relationships" xmlns:p="http://schemas.openxmlformats.org/presentationml/2006/main">
+  <p:cSld>
+    <p:spTree>
+      <p:nvGrpSpPr>
+        <p:cNvPr id="1" name=""/>
+        <p:cNvGrpSpPr/>
+        <p:nvPr/>
+      </p:nvGrpSpPr>
+      <p:grpSpPr>
+        <a:xfrm>
+          <a:off x="0" y="0"/>
+          <a:ext cx="0" cy="0"/>
+          <a:chOff x="0" y="0"/>
+          <a:chExt cx="0" cy="0"/>
+        </a:xfrm>
+      </p:grpSpPr>
+      <p:sp>
+        <p:nvSpPr>
+          <p:cNvPr id="3" name="Content Placeholder 2">
+            <a:extLst>
+              <a:ext uri="{FF2B5EF4-FFF2-40B4-BE49-F238E27FC236}">
+                <a16:creationId xmlns:a16="http://schemas.microsoft.com/office/drawing/2014/main" id="{18C9346A-A6A3-4D00-9F48-2AD1F711B5C7}"/>
+              </a:ext>
+            </a:extLst>
+          </p:cNvPr>
+          <p:cNvSpPr>
+            <a:spLocks noGrp="1"/>
+          </p:cNvSpPr>
+          <p:nvPr>
+            <p:ph idx="1"/>
+          </p:nvPr>
+        </p:nvSpPr>
+        <p:spPr>
+          <a:xfrm>
+            <a:off x="2626828" y="6379725"/>
+            <a:ext cx="6380284" cy="618637"/>
+          </a:xfrm>
+        </p:spPr>
+        <p:txBody>
+          <a:bodyPr/>
+          <a:lstStyle/>
+          <a:p>
+            <a:pPr marL="0" indent="0">
+              <a:buNone/>
+            </a:pPr>
+            <a:r>
+              <a:rPr lang="en-CA" dirty="0">
+                <a:hlinkClick r:id="rId2"/>
+              </a:rPr>
+              <a:t>https://mc-stan.org/users/interfaces/rstan</a:t>
+            </a:r>
+            <a:r>
+              <a:rPr lang="en-CA" dirty="0"/>
+              <a:t> </a:t>
+            </a:r>
+          </a:p>
+        </p:txBody>
+      </p:sp>
+      <p:sp>
+        <p:nvSpPr>
+          <p:cNvPr id="4" name="Title 1">
+            <a:extLst>
+              <a:ext uri="{FF2B5EF4-FFF2-40B4-BE49-F238E27FC236}">
+                <a16:creationId xmlns:a16="http://schemas.microsoft.com/office/drawing/2014/main" id="{268A3BD2-85CB-4537-9074-79F4FBF22520}"/>
+              </a:ext>
+            </a:extLst>
+          </p:cNvPr>
+          <p:cNvSpPr txBox="1">
+            <a:spLocks/>
+          </p:cNvSpPr>
+          <p:nvPr/>
+        </p:nvSpPr>
+        <p:spPr>
+          <a:xfrm>
+            <a:off x="0" y="158923"/>
+            <a:ext cx="12192000" cy="789796"/>
+          </a:xfrm>
+          <a:prstGeom prst="rect">
+            <a:avLst/>
+          </a:prstGeom>
+          <a:solidFill>
+            <a:schemeClr val="accent1"/>
+          </a:solidFill>
+        </p:spPr>
+        <p:txBody>
+          <a:bodyPr vert="horz" lIns="91440" tIns="45720" rIns="91440" bIns="45720" rtlCol="0" anchor="ctr">
+            <a:normAutofit/>
+          </a:bodyPr>
+          <a:lstStyle>
+            <a:lvl1pPr algn="l" defTabSz="914400" rtl="0" eaLnBrk="1" latinLnBrk="0" hangingPunct="1">
+              <a:lnSpc>
+                <a:spcPct val="90000"/>
+              </a:lnSpc>
+              <a:spcBef>
+                <a:spcPct val="0"/>
+              </a:spcBef>
+              <a:buNone/>
+              <a:defRPr sz="4400" kern="1200">
+                <a:solidFill>
+                  <a:schemeClr val="tx1"/>
+                </a:solidFill>
+                <a:latin typeface="+mj-lt"/>
+                <a:ea typeface="+mj-ea"/>
+                <a:cs typeface="+mj-cs"/>
+              </a:defRPr>
+            </a:lvl1pPr>
+          </a:lstStyle>
+          <a:p>
+            <a:r>
+              <a:rPr lang="fr-CA" dirty="0">
+                <a:solidFill>
+                  <a:schemeClr val="bg1"/>
+                </a:solidFill>
+                <a:latin typeface="Courier New" panose="02070309020205020404" pitchFamily="49" charset="0"/>
+                <a:cs typeface="Courier New" panose="02070309020205020404" pitchFamily="49" charset="0"/>
+              </a:rPr>
+              <a:t>Stan</a:t>
+            </a:r>
+            <a:r>
+              <a:rPr lang="fr-CA" dirty="0">
+                <a:solidFill>
+                  <a:schemeClr val="bg1"/>
+                </a:solidFill>
+                <a:cs typeface="Courier New" panose="02070309020205020404" pitchFamily="49" charset="0"/>
+              </a:rPr>
+              <a:t>… </a:t>
+            </a:r>
+            <a:r>
+              <a:rPr lang="fr-CA" dirty="0" err="1">
+                <a:solidFill>
+                  <a:schemeClr val="bg1"/>
+                </a:solidFill>
+                <a:cs typeface="Courier New" panose="02070309020205020404" pitchFamily="49" charset="0"/>
+              </a:rPr>
+              <a:t>who</a:t>
+            </a:r>
+            <a:r>
+              <a:rPr lang="fr-CA" dirty="0">
+                <a:solidFill>
+                  <a:schemeClr val="bg1"/>
+                </a:solidFill>
+                <a:cs typeface="Courier New" panose="02070309020205020404" pitchFamily="49" charset="0"/>
+              </a:rPr>
+              <a:t>?</a:t>
+            </a:r>
+            <a:endParaRPr lang="en-CA" dirty="0">
+              <a:solidFill>
+                <a:schemeClr val="bg1"/>
+              </a:solidFill>
+            </a:endParaRPr>
+          </a:p>
+        </p:txBody>
+      </p:sp>
+      <p:pic>
+        <p:nvPicPr>
+          <p:cNvPr id="6" name="Picture 5">
+            <a:extLst>
+              <a:ext uri="{FF2B5EF4-FFF2-40B4-BE49-F238E27FC236}">
+                <a16:creationId xmlns:a16="http://schemas.microsoft.com/office/drawing/2014/main" id="{7EF21BE7-E148-4CF0-AD28-6A779BFB37B2}"/>
+              </a:ext>
+            </a:extLst>
+          </p:cNvPr>
+          <p:cNvPicPr>
+            <a:picLocks noChangeAspect="1"/>
+          </p:cNvPicPr>
+          <p:nvPr/>
+        </p:nvPicPr>
+        <p:blipFill>
+          <a:blip r:embed="rId3"/>
+          <a:stretch>
+            <a:fillRect/>
+          </a:stretch>
+        </p:blipFill>
+        <p:spPr>
+          <a:xfrm>
+            <a:off x="2463564" y="1138810"/>
+            <a:ext cx="6706813" cy="5360143"/>
+          </a:xfrm>
+          <a:prstGeom prst="rect">
+            <a:avLst/>
+          </a:prstGeom>
+        </p:spPr>
+      </p:pic>
+    </p:spTree>
+    <p:extLst>
+      <p:ext uri="{BB962C8B-B14F-4D97-AF65-F5344CB8AC3E}">
+        <p14:creationId xmlns:p14="http://schemas.microsoft.com/office/powerpoint/2010/main" val="847155182"/>
+      </p:ext>
+    </p:extLst>
+  </p:cSld>
+  <p:clrMapOvr>
+    <a:masterClrMapping/>
+  </p:clrMapOvr>
+</p:sld>
+</file>
+
+<file path=ppt/slides/slide13.xml><?xml version="1.0" encoding="utf-8"?>
+<p:sld xmlns:a="http://schemas.openxmlformats.org/drawingml/2006/main" xmlns:r="http://schemas.openxmlformats.org/officeDocument/2006/relationships" xmlns:p="http://schemas.openxmlformats.org/presentationml/2006/main">
+  <p:cSld>
+    <p:spTree>
+      <p:nvGrpSpPr>
+        <p:cNvPr id="1" name=""/>
+        <p:cNvGrpSpPr/>
+        <p:nvPr/>
+      </p:nvGrpSpPr>
+      <p:grpSpPr>
+        <a:xfrm>
+          <a:off x="0" y="0"/>
+          <a:ext cx="0" cy="0"/>
+          <a:chOff x="0" y="0"/>
+          <a:chExt cx="0" cy="0"/>
+        </a:xfrm>
+      </p:grpSpPr>
+      <p:pic>
+        <p:nvPicPr>
+          <p:cNvPr id="5" name="Picture 4">
+            <a:extLst>
+              <a:ext uri="{FF2B5EF4-FFF2-40B4-BE49-F238E27FC236}">
+                <a16:creationId xmlns:a16="http://schemas.microsoft.com/office/drawing/2014/main" id="{42E7AADC-90D6-4A4E-A9C6-87B1FD134E1A}"/>
+              </a:ext>
+            </a:extLst>
+          </p:cNvPr>
+          <p:cNvPicPr>
+            <a:picLocks noChangeAspect="1"/>
+          </p:cNvPicPr>
+          <p:nvPr/>
+        </p:nvPicPr>
+        <p:blipFill rotWithShape="1">
+          <a:blip r:embed="rId2"/>
+          <a:srcRect r="66611" b="40513"/>
+          <a:stretch/>
+        </p:blipFill>
+        <p:spPr>
+          <a:xfrm>
+            <a:off x="3270738" y="1142999"/>
+            <a:ext cx="5336931" cy="5348459"/>
+          </a:xfrm>
+          <a:prstGeom prst="rect">
+            <a:avLst/>
+          </a:prstGeom>
+        </p:spPr>
+      </p:pic>
+      <p:sp>
+        <p:nvSpPr>
+          <p:cNvPr id="6" name="Title 1">
+            <a:extLst>
+              <a:ext uri="{FF2B5EF4-FFF2-40B4-BE49-F238E27FC236}">
+                <a16:creationId xmlns:a16="http://schemas.microsoft.com/office/drawing/2014/main" id="{3B0538D6-8C93-4C69-BCA9-1015B84F2D1D}"/>
+              </a:ext>
+            </a:extLst>
+          </p:cNvPr>
+          <p:cNvSpPr txBox="1">
+            <a:spLocks/>
+          </p:cNvSpPr>
+          <p:nvPr/>
+        </p:nvSpPr>
+        <p:spPr>
+          <a:xfrm>
+            <a:off x="0" y="158923"/>
+            <a:ext cx="12192000" cy="789796"/>
+          </a:xfrm>
+          <a:prstGeom prst="rect">
+            <a:avLst/>
+          </a:prstGeom>
+          <a:solidFill>
+            <a:schemeClr val="accent1"/>
+          </a:solidFill>
+        </p:spPr>
+        <p:txBody>
+          <a:bodyPr vert="horz" lIns="91440" tIns="45720" rIns="91440" bIns="45720" rtlCol="0" anchor="ctr">
+            <a:normAutofit/>
+          </a:bodyPr>
+          <a:lstStyle>
+            <a:lvl1pPr algn="l" defTabSz="914400" rtl="0" eaLnBrk="1" latinLnBrk="0" hangingPunct="1">
+              <a:lnSpc>
+                <a:spcPct val="90000"/>
+              </a:lnSpc>
+              <a:spcBef>
+                <a:spcPct val="0"/>
+              </a:spcBef>
+              <a:buNone/>
+              <a:defRPr sz="4400" kern="1200">
+                <a:solidFill>
+                  <a:schemeClr val="tx1"/>
+                </a:solidFill>
+                <a:latin typeface="+mj-lt"/>
+                <a:ea typeface="+mj-ea"/>
+                <a:cs typeface="+mj-cs"/>
+              </a:defRPr>
+            </a:lvl1pPr>
+          </a:lstStyle>
+          <a:p>
+            <a:r>
+              <a:rPr lang="fr-CA" dirty="0">
+                <a:solidFill>
+                  <a:schemeClr val="bg1"/>
+                </a:solidFill>
+                <a:cs typeface="Courier New" panose="02070309020205020404" pitchFamily="49" charset="0"/>
+              </a:rPr>
+              <a:t>To open a new </a:t>
+            </a:r>
+            <a:r>
+              <a:rPr lang="fr-CA" dirty="0">
+                <a:solidFill>
+                  <a:schemeClr val="bg1"/>
+                </a:solidFill>
+                <a:latin typeface="Courier New" panose="02070309020205020404" pitchFamily="49" charset="0"/>
+                <a:cs typeface="Courier New" panose="02070309020205020404" pitchFamily="49" charset="0"/>
+              </a:rPr>
+              <a:t>Stan</a:t>
+            </a:r>
+            <a:r>
+              <a:rPr lang="fr-CA" dirty="0">
+                <a:solidFill>
+                  <a:schemeClr val="bg1"/>
+                </a:solidFill>
+                <a:cs typeface="Courier New" panose="02070309020205020404" pitchFamily="49" charset="0"/>
+              </a:rPr>
+              <a:t> file</a:t>
+            </a:r>
+            <a:endParaRPr lang="en-CA" dirty="0">
+              <a:solidFill>
+                <a:schemeClr val="bg1"/>
+              </a:solidFill>
+            </a:endParaRPr>
+          </a:p>
+        </p:txBody>
+      </p:sp>
+    </p:spTree>
+    <p:extLst>
+      <p:ext uri="{BB962C8B-B14F-4D97-AF65-F5344CB8AC3E}">
+        <p14:creationId xmlns:p14="http://schemas.microsoft.com/office/powerpoint/2010/main" val="372840105"/>
+      </p:ext>
+    </p:extLst>
+  </p:cSld>
+  <p:clrMapOvr>
+    <a:masterClrMapping/>
+  </p:clrMapOvr>
+</p:sld>
+</file>
+
+<file path=ppt/slides/slide14.xml><?xml version="1.0" encoding="utf-8"?>
+<p:sld xmlns:a="http://schemas.openxmlformats.org/drawingml/2006/main" xmlns:r="http://schemas.openxmlformats.org/officeDocument/2006/relationships" xmlns:p="http://schemas.openxmlformats.org/presentationml/2006/main">
+  <p:cSld>
+    <p:spTree>
+      <p:nvGrpSpPr>
+        <p:cNvPr id="1" name=""/>
+        <p:cNvGrpSpPr/>
+        <p:nvPr/>
+      </p:nvGrpSpPr>
+      <p:grpSpPr>
+        <a:xfrm>
+          <a:off x="0" y="0"/>
+          <a:ext cx="0" cy="0"/>
+          <a:chOff x="0" y="0"/>
+          <a:chExt cx="0" cy="0"/>
+        </a:xfrm>
+      </p:grpSpPr>
+      <p:pic>
+        <p:nvPicPr>
+          <p:cNvPr id="5" name="Picture 4">
+            <a:extLst>
+              <a:ext uri="{FF2B5EF4-FFF2-40B4-BE49-F238E27FC236}">
+                <a16:creationId xmlns:a16="http://schemas.microsoft.com/office/drawing/2014/main" id="{70F46D68-0052-4595-AB93-F716A78A0527}"/>
+              </a:ext>
+            </a:extLst>
+          </p:cNvPr>
+          <p:cNvPicPr>
+            <a:picLocks noChangeAspect="1"/>
+          </p:cNvPicPr>
+          <p:nvPr/>
+        </p:nvPicPr>
+        <p:blipFill>
+          <a:blip r:embed="rId2"/>
+          <a:stretch>
+            <a:fillRect/>
+          </a:stretch>
+        </p:blipFill>
+        <p:spPr>
+          <a:xfrm>
+            <a:off x="927904" y="1201828"/>
+            <a:ext cx="6256562" cy="5235394"/>
+          </a:xfrm>
+          <a:prstGeom prst="rect">
+            <a:avLst/>
+          </a:prstGeom>
+        </p:spPr>
+      </p:pic>
+      <p:sp>
+        <p:nvSpPr>
+          <p:cNvPr id="6" name="Title 1">
+            <a:extLst>
+              <a:ext uri="{FF2B5EF4-FFF2-40B4-BE49-F238E27FC236}">
+                <a16:creationId xmlns:a16="http://schemas.microsoft.com/office/drawing/2014/main" id="{E0CC7268-B169-4635-8B20-ABAFD06A68B6}"/>
+              </a:ext>
+            </a:extLst>
+          </p:cNvPr>
+          <p:cNvSpPr txBox="1">
+            <a:spLocks/>
+          </p:cNvSpPr>
+          <p:nvPr/>
+        </p:nvSpPr>
+        <p:spPr>
+          <a:xfrm>
+            <a:off x="0" y="158923"/>
+            <a:ext cx="12192000" cy="789796"/>
+          </a:xfrm>
+          <a:prstGeom prst="rect">
+            <a:avLst/>
+          </a:prstGeom>
+          <a:solidFill>
+            <a:schemeClr val="accent1"/>
+          </a:solidFill>
+        </p:spPr>
+        <p:txBody>
+          <a:bodyPr vert="horz" lIns="91440" tIns="45720" rIns="91440" bIns="45720" rtlCol="0" anchor="ctr">
+            <a:normAutofit/>
+          </a:bodyPr>
+          <a:lstStyle>
+            <a:lvl1pPr algn="l" defTabSz="914400" rtl="0" eaLnBrk="1" latinLnBrk="0" hangingPunct="1">
+              <a:lnSpc>
+                <a:spcPct val="90000"/>
+              </a:lnSpc>
+              <a:spcBef>
+                <a:spcPct val="0"/>
+              </a:spcBef>
+              <a:buNone/>
+              <a:defRPr sz="4400" kern="1200">
+                <a:solidFill>
+                  <a:schemeClr val="tx1"/>
+                </a:solidFill>
+                <a:latin typeface="+mj-lt"/>
+                <a:ea typeface="+mj-ea"/>
+                <a:cs typeface="+mj-cs"/>
+              </a:defRPr>
+            </a:lvl1pPr>
+          </a:lstStyle>
+          <a:p>
+            <a:r>
+              <a:rPr lang="fr-CA" dirty="0" err="1">
+                <a:solidFill>
+                  <a:schemeClr val="bg1"/>
+                </a:solidFill>
+                <a:cs typeface="Courier New" panose="02070309020205020404" pitchFamily="49" charset="0"/>
+              </a:rPr>
+              <a:t>Empty</a:t>
+            </a:r>
+            <a:r>
+              <a:rPr lang="fr-CA" dirty="0">
+                <a:solidFill>
+                  <a:schemeClr val="bg1"/>
+                </a:solidFill>
+                <a:cs typeface="Courier New" panose="02070309020205020404" pitchFamily="49" charset="0"/>
+              </a:rPr>
+              <a:t> </a:t>
+            </a:r>
+            <a:r>
+              <a:rPr lang="fr-CA" dirty="0">
+                <a:solidFill>
+                  <a:schemeClr val="bg1"/>
+                </a:solidFill>
+                <a:latin typeface="Courier New" panose="02070309020205020404" pitchFamily="49" charset="0"/>
+                <a:cs typeface="Courier New" panose="02070309020205020404" pitchFamily="49" charset="0"/>
+              </a:rPr>
+              <a:t>Stan</a:t>
+            </a:r>
+            <a:r>
+              <a:rPr lang="fr-CA" dirty="0">
+                <a:solidFill>
+                  <a:schemeClr val="bg1"/>
+                </a:solidFill>
+                <a:cs typeface="Courier New" panose="02070309020205020404" pitchFamily="49" charset="0"/>
+              </a:rPr>
+              <a:t> file</a:t>
+            </a:r>
+            <a:endParaRPr lang="en-CA" dirty="0">
+              <a:solidFill>
+                <a:schemeClr val="bg1"/>
+              </a:solidFill>
+            </a:endParaRPr>
+          </a:p>
+        </p:txBody>
+      </p:sp>
+      <p:sp>
+        <p:nvSpPr>
+          <p:cNvPr id="7" name="Right Bracket 6">
+            <a:extLst>
+              <a:ext uri="{FF2B5EF4-FFF2-40B4-BE49-F238E27FC236}">
+                <a16:creationId xmlns:a16="http://schemas.microsoft.com/office/drawing/2014/main" id="{94BF6FCB-78B9-4DB8-8117-7E4DC55666F9}"/>
+              </a:ext>
+            </a:extLst>
+          </p:cNvPr>
+          <p:cNvSpPr/>
+          <p:nvPr/>
+        </p:nvSpPr>
+        <p:spPr>
+          <a:xfrm>
+            <a:off x="6392008" y="2145323"/>
+            <a:ext cx="254977" cy="562708"/>
+          </a:xfrm>
+          <a:prstGeom prst="rightBracket">
+            <a:avLst/>
+          </a:prstGeom>
+        </p:spPr>
+        <p:style>
+          <a:lnRef idx="3">
+            <a:schemeClr val="accent5"/>
+          </a:lnRef>
+          <a:fillRef idx="0">
+            <a:schemeClr val="accent5"/>
+          </a:fillRef>
+          <a:effectRef idx="2">
+            <a:schemeClr val="accent5"/>
+          </a:effectRef>
+          <a:fontRef idx="minor">
+            <a:schemeClr val="tx1"/>
+          </a:fontRef>
+        </p:style>
+        <p:txBody>
+          <a:bodyPr rtlCol="0" anchor="ctr"/>
+          <a:lstStyle/>
+          <a:p>
+            <a:pPr algn="ctr"/>
+            <a:endParaRPr lang="en-CA"/>
+          </a:p>
+        </p:txBody>
+      </p:sp>
+      <p:sp>
+        <p:nvSpPr>
+          <p:cNvPr id="8" name="Right Bracket 7">
+            <a:extLst>
+              <a:ext uri="{FF2B5EF4-FFF2-40B4-BE49-F238E27FC236}">
+                <a16:creationId xmlns:a16="http://schemas.microsoft.com/office/drawing/2014/main" id="{DB8299D9-4852-4FDC-AF5E-6B567B81013B}"/>
+              </a:ext>
+            </a:extLst>
+          </p:cNvPr>
+          <p:cNvSpPr/>
+          <p:nvPr/>
+        </p:nvSpPr>
+        <p:spPr>
+          <a:xfrm>
+            <a:off x="5164016" y="2866292"/>
+            <a:ext cx="260838" cy="677008"/>
+          </a:xfrm>
+          <a:prstGeom prst="rightBracket">
+            <a:avLst/>
+          </a:prstGeom>
+        </p:spPr>
+        <p:style>
+          <a:lnRef idx="3">
+            <a:schemeClr val="accent5"/>
+          </a:lnRef>
+          <a:fillRef idx="0">
+            <a:schemeClr val="accent5"/>
+          </a:fillRef>
+          <a:effectRef idx="2">
+            <a:schemeClr val="accent5"/>
+          </a:effectRef>
+          <a:fontRef idx="minor">
+            <a:schemeClr val="tx1"/>
+          </a:fontRef>
+        </p:style>
+        <p:txBody>
+          <a:bodyPr rtlCol="0" anchor="ctr"/>
+          <a:lstStyle/>
+          <a:p>
+            <a:pPr algn="ctr"/>
+            <a:endParaRPr lang="en-CA"/>
+          </a:p>
+        </p:txBody>
+      </p:sp>
+      <p:sp>
+        <p:nvSpPr>
+          <p:cNvPr id="9" name="Right Bracket 8">
+            <a:extLst>
+              <a:ext uri="{FF2B5EF4-FFF2-40B4-BE49-F238E27FC236}">
+                <a16:creationId xmlns:a16="http://schemas.microsoft.com/office/drawing/2014/main" id="{EB4F80D5-9D0A-4EF2-BDD9-1DEFB8A16745}"/>
+              </a:ext>
+            </a:extLst>
+          </p:cNvPr>
+          <p:cNvSpPr/>
+          <p:nvPr/>
+        </p:nvSpPr>
+        <p:spPr>
+          <a:xfrm>
+            <a:off x="5164016" y="3722077"/>
+            <a:ext cx="260838" cy="814754"/>
+          </a:xfrm>
+          <a:prstGeom prst="rightBracket">
+            <a:avLst/>
+          </a:prstGeom>
+        </p:spPr>
+        <p:style>
+          <a:lnRef idx="3">
+            <a:schemeClr val="accent5"/>
+          </a:lnRef>
+          <a:fillRef idx="0">
+            <a:schemeClr val="accent5"/>
+          </a:fillRef>
+          <a:effectRef idx="2">
+            <a:schemeClr val="accent5"/>
+          </a:effectRef>
+          <a:fontRef idx="minor">
+            <a:schemeClr val="tx1"/>
+          </a:fontRef>
+        </p:style>
+        <p:txBody>
+          <a:bodyPr rtlCol="0" anchor="ctr"/>
+          <a:lstStyle/>
+          <a:p>
+            <a:pPr algn="ctr"/>
+            <a:endParaRPr lang="en-CA"/>
+          </a:p>
+        </p:txBody>
+      </p:sp>
+      <p:sp>
+        <p:nvSpPr>
+          <p:cNvPr id="10" name="Right Bracket 9">
+            <a:extLst>
+              <a:ext uri="{FF2B5EF4-FFF2-40B4-BE49-F238E27FC236}">
+                <a16:creationId xmlns:a16="http://schemas.microsoft.com/office/drawing/2014/main" id="{C482A768-9B04-4D57-B4EA-834FF2817109}"/>
+              </a:ext>
+            </a:extLst>
+          </p:cNvPr>
+          <p:cNvSpPr/>
+          <p:nvPr/>
+        </p:nvSpPr>
+        <p:spPr>
+          <a:xfrm>
+            <a:off x="5164016" y="4789939"/>
+            <a:ext cx="260838" cy="1004191"/>
+          </a:xfrm>
+          <a:prstGeom prst="rightBracket">
+            <a:avLst/>
+          </a:prstGeom>
+        </p:spPr>
+        <p:style>
+          <a:lnRef idx="3">
+            <a:schemeClr val="accent5"/>
+          </a:lnRef>
+          <a:fillRef idx="0">
+            <a:schemeClr val="accent5"/>
+          </a:fillRef>
+          <a:effectRef idx="2">
+            <a:schemeClr val="accent5"/>
+          </a:effectRef>
+          <a:fontRef idx="minor">
+            <a:schemeClr val="tx1"/>
+          </a:fontRef>
+        </p:style>
+        <p:txBody>
+          <a:bodyPr rtlCol="0" anchor="ctr"/>
+          <a:lstStyle/>
+          <a:p>
+            <a:pPr algn="ctr"/>
+            <a:endParaRPr lang="en-CA"/>
+          </a:p>
+        </p:txBody>
+      </p:sp>
+      <p:sp>
+        <p:nvSpPr>
+          <p:cNvPr id="11" name="Content Placeholder 2">
+            <a:extLst>
+              <a:ext uri="{FF2B5EF4-FFF2-40B4-BE49-F238E27FC236}">
+                <a16:creationId xmlns:a16="http://schemas.microsoft.com/office/drawing/2014/main" id="{368C0195-9DE7-46FD-82D2-C0869B2FC991}"/>
+              </a:ext>
+            </a:extLst>
+          </p:cNvPr>
+          <p:cNvSpPr>
+            <a:spLocks noGrp="1"/>
+          </p:cNvSpPr>
+          <p:nvPr>
+            <p:ph idx="1"/>
+          </p:nvPr>
+        </p:nvSpPr>
+        <p:spPr>
+          <a:xfrm>
+            <a:off x="7184464" y="2936233"/>
+            <a:ext cx="2625969" cy="537125"/>
+          </a:xfrm>
+        </p:spPr>
+        <p:txBody>
+          <a:bodyPr>
+            <a:normAutofit/>
+          </a:bodyPr>
+          <a:lstStyle/>
+          <a:p>
+            <a:pPr marL="0" indent="0">
+              <a:buNone/>
+            </a:pPr>
+            <a:r>
+              <a:rPr lang="en-US" dirty="0"/>
+              <a:t>Define your data</a:t>
+            </a:r>
+          </a:p>
+        </p:txBody>
+      </p:sp>
+      <p:sp>
+        <p:nvSpPr>
+          <p:cNvPr id="12" name="Content Placeholder 2">
+            <a:extLst>
+              <a:ext uri="{FF2B5EF4-FFF2-40B4-BE49-F238E27FC236}">
+                <a16:creationId xmlns:a16="http://schemas.microsoft.com/office/drawing/2014/main" id="{417EAC78-3EE1-47FA-955C-765E849C43CC}"/>
+              </a:ext>
+            </a:extLst>
+          </p:cNvPr>
+          <p:cNvSpPr txBox="1">
+            <a:spLocks/>
+          </p:cNvSpPr>
+          <p:nvPr/>
+        </p:nvSpPr>
+        <p:spPr>
+          <a:xfrm>
+            <a:off x="7184465" y="3860891"/>
+            <a:ext cx="3630073" cy="537125"/>
+          </a:xfrm>
+          <a:prstGeom prst="rect">
+            <a:avLst/>
+          </a:prstGeom>
+        </p:spPr>
+        <p:txBody>
+          <a:bodyPr vert="horz" lIns="91440" tIns="45720" rIns="91440" bIns="45720" rtlCol="0">
+            <a:normAutofit/>
+          </a:bodyPr>
+          <a:lstStyle>
+            <a:lvl1pPr marL="228600" indent="-228600" algn="l" defTabSz="914400" rtl="0" eaLnBrk="1" latinLnBrk="0" hangingPunct="1">
+              <a:lnSpc>
+                <a:spcPct val="90000"/>
+              </a:lnSpc>
+              <a:spcBef>
+                <a:spcPts val="1000"/>
+              </a:spcBef>
+              <a:buFont typeface="Arial" panose="020B0604020202020204" pitchFamily="34" charset="0"/>
+              <a:buChar char="•"/>
+              <a:defRPr sz="2800" kern="1200">
+                <a:solidFill>
+                  <a:schemeClr val="tx1"/>
+                </a:solidFill>
+                <a:latin typeface="+mn-lt"/>
+                <a:ea typeface="+mn-ea"/>
+                <a:cs typeface="+mn-cs"/>
+              </a:defRPr>
+            </a:lvl1pPr>
+            <a:lvl2pPr marL="685800" indent="-228600" algn="l" defTabSz="914400" rtl="0" eaLnBrk="1" latinLnBrk="0" hangingPunct="1">
+              <a:lnSpc>
+                <a:spcPct val="90000"/>
+              </a:lnSpc>
+              <a:spcBef>
+                <a:spcPts val="500"/>
+              </a:spcBef>
+              <a:buFont typeface="Arial" panose="020B0604020202020204" pitchFamily="34" charset="0"/>
+              <a:buChar char="•"/>
+              <a:defRPr sz="2400" kern="1200">
+                <a:solidFill>
+                  <a:schemeClr val="tx1"/>
+                </a:solidFill>
+                <a:latin typeface="+mn-lt"/>
+                <a:ea typeface="+mn-ea"/>
+                <a:cs typeface="+mn-cs"/>
+              </a:defRPr>
+            </a:lvl2pPr>
+            <a:lvl3pPr marL="1143000" indent="-228600" algn="l" defTabSz="914400" rtl="0" eaLnBrk="1" latinLnBrk="0" hangingPunct="1">
+              <a:lnSpc>
+                <a:spcPct val="90000"/>
+              </a:lnSpc>
+              <a:spcBef>
+                <a:spcPts val="500"/>
+              </a:spcBef>
+              <a:buFont typeface="Arial" panose="020B0604020202020204" pitchFamily="34" charset="0"/>
+              <a:buChar char="•"/>
+              <a:defRPr sz="2000" kern="1200">
+                <a:solidFill>
+                  <a:schemeClr val="tx1"/>
+                </a:solidFill>
+                <a:latin typeface="+mn-lt"/>
+                <a:ea typeface="+mn-ea"/>
+                <a:cs typeface="+mn-cs"/>
+              </a:defRPr>
+            </a:lvl3pPr>
+            <a:lvl4pPr marL="1600200" indent="-228600" algn="l" defTabSz="914400" rtl="0" eaLnBrk="1" latinLnBrk="0" hangingPunct="1">
+              <a:lnSpc>
+                <a:spcPct val="90000"/>
+              </a:lnSpc>
+              <a:spcBef>
+                <a:spcPts val="500"/>
+              </a:spcBef>
+              <a:buFont typeface="Arial" panose="020B0604020202020204" pitchFamily="34" charset="0"/>
+              <a:buChar char="•"/>
+              <a:defRPr sz="1800" kern="1200">
+                <a:solidFill>
+                  <a:schemeClr val="tx1"/>
+                </a:solidFill>
+                <a:latin typeface="+mn-lt"/>
+                <a:ea typeface="+mn-ea"/>
+                <a:cs typeface="+mn-cs"/>
+              </a:defRPr>
+            </a:lvl4pPr>
+            <a:lvl5pPr marL="2057400" indent="-228600" algn="l" defTabSz="914400" rtl="0" eaLnBrk="1" latinLnBrk="0" hangingPunct="1">
+              <a:lnSpc>
+                <a:spcPct val="90000"/>
+              </a:lnSpc>
+              <a:spcBef>
+                <a:spcPts val="500"/>
+              </a:spcBef>
+              <a:buFont typeface="Arial" panose="020B0604020202020204" pitchFamily="34" charset="0"/>
+              <a:buChar char="•"/>
+              <a:defRPr sz="1800" kern="1200">
+                <a:solidFill>
+                  <a:schemeClr val="tx1"/>
+                </a:solidFill>
+                <a:latin typeface="+mn-lt"/>
+                <a:ea typeface="+mn-ea"/>
+                <a:cs typeface="+mn-cs"/>
+              </a:defRPr>
+            </a:lvl5pPr>
+            <a:lvl6pPr marL="2514600" indent="-228600" algn="l" defTabSz="914400" rtl="0" eaLnBrk="1" latinLnBrk="0" hangingPunct="1">
+              <a:lnSpc>
+                <a:spcPct val="90000"/>
+              </a:lnSpc>
+              <a:spcBef>
+                <a:spcPts val="500"/>
+              </a:spcBef>
+              <a:buFont typeface="Arial" panose="020B0604020202020204" pitchFamily="34" charset="0"/>
+              <a:buChar char="•"/>
+              <a:defRPr sz="1800" kern="1200">
+                <a:solidFill>
+                  <a:schemeClr val="tx1"/>
+                </a:solidFill>
+                <a:latin typeface="+mn-lt"/>
+                <a:ea typeface="+mn-ea"/>
+                <a:cs typeface="+mn-cs"/>
+              </a:defRPr>
+            </a:lvl6pPr>
+            <a:lvl7pPr marL="2971800" indent="-228600" algn="l" defTabSz="914400" rtl="0" eaLnBrk="1" latinLnBrk="0" hangingPunct="1">
+              <a:lnSpc>
+                <a:spcPct val="90000"/>
+              </a:lnSpc>
+              <a:spcBef>
+                <a:spcPts val="500"/>
+              </a:spcBef>
+              <a:buFont typeface="Arial" panose="020B0604020202020204" pitchFamily="34" charset="0"/>
+              <a:buChar char="•"/>
+              <a:defRPr sz="1800" kern="1200">
+                <a:solidFill>
+                  <a:schemeClr val="tx1"/>
+                </a:solidFill>
+                <a:latin typeface="+mn-lt"/>
+                <a:ea typeface="+mn-ea"/>
+                <a:cs typeface="+mn-cs"/>
+              </a:defRPr>
+            </a:lvl7pPr>
+            <a:lvl8pPr marL="3429000" indent="-228600" algn="l" defTabSz="914400" rtl="0" eaLnBrk="1" latinLnBrk="0" hangingPunct="1">
+              <a:lnSpc>
+                <a:spcPct val="90000"/>
+              </a:lnSpc>
+              <a:spcBef>
+                <a:spcPts val="500"/>
+              </a:spcBef>
+              <a:buFont typeface="Arial" panose="020B0604020202020204" pitchFamily="34" charset="0"/>
+              <a:buChar char="•"/>
+              <a:defRPr sz="1800" kern="1200">
+                <a:solidFill>
+                  <a:schemeClr val="tx1"/>
+                </a:solidFill>
+                <a:latin typeface="+mn-lt"/>
+                <a:ea typeface="+mn-ea"/>
+                <a:cs typeface="+mn-cs"/>
+              </a:defRPr>
+            </a:lvl8pPr>
+            <a:lvl9pPr marL="3886200" indent="-228600" algn="l" defTabSz="914400" rtl="0" eaLnBrk="1" latinLnBrk="0" hangingPunct="1">
+              <a:lnSpc>
+                <a:spcPct val="90000"/>
+              </a:lnSpc>
+              <a:spcBef>
+                <a:spcPts val="500"/>
+              </a:spcBef>
+              <a:buFont typeface="Arial" panose="020B0604020202020204" pitchFamily="34" charset="0"/>
+              <a:buChar char="•"/>
+              <a:defRPr sz="1800" kern="1200">
+                <a:solidFill>
+                  <a:schemeClr val="tx1"/>
+                </a:solidFill>
+                <a:latin typeface="+mn-lt"/>
+                <a:ea typeface="+mn-ea"/>
+                <a:cs typeface="+mn-cs"/>
+              </a:defRPr>
+            </a:lvl9pPr>
+          </a:lstStyle>
+          <a:p>
+            <a:pPr marL="0" indent="0">
+              <a:buFont typeface="Arial" panose="020B0604020202020204" pitchFamily="34" charset="0"/>
+              <a:buNone/>
+            </a:pPr>
+            <a:r>
+              <a:rPr lang="en-US" dirty="0"/>
+              <a:t>Define your parameters</a:t>
+            </a:r>
+          </a:p>
+        </p:txBody>
+      </p:sp>
+      <p:sp>
+        <p:nvSpPr>
+          <p:cNvPr id="13" name="Content Placeholder 2">
+            <a:extLst>
+              <a:ext uri="{FF2B5EF4-FFF2-40B4-BE49-F238E27FC236}">
+                <a16:creationId xmlns:a16="http://schemas.microsoft.com/office/drawing/2014/main" id="{CDBFE9B2-76D3-45C1-89D6-9B9A68526685}"/>
+              </a:ext>
+            </a:extLst>
+          </p:cNvPr>
+          <p:cNvSpPr txBox="1">
+            <a:spLocks/>
+          </p:cNvSpPr>
+          <p:nvPr/>
+        </p:nvSpPr>
+        <p:spPr>
+          <a:xfrm>
+            <a:off x="7184464" y="5023471"/>
+            <a:ext cx="3630073" cy="537125"/>
+          </a:xfrm>
+          <a:prstGeom prst="rect">
+            <a:avLst/>
+          </a:prstGeom>
+        </p:spPr>
+        <p:txBody>
+          <a:bodyPr vert="horz" lIns="91440" tIns="45720" rIns="91440" bIns="45720" rtlCol="0">
+            <a:normAutofit/>
+          </a:bodyPr>
+          <a:lstStyle>
+            <a:lvl1pPr marL="228600" indent="-228600" algn="l" defTabSz="914400" rtl="0" eaLnBrk="1" latinLnBrk="0" hangingPunct="1">
+              <a:lnSpc>
+                <a:spcPct val="90000"/>
+              </a:lnSpc>
+              <a:spcBef>
+                <a:spcPts val="1000"/>
+              </a:spcBef>
+              <a:buFont typeface="Arial" panose="020B0604020202020204" pitchFamily="34" charset="0"/>
+              <a:buChar char="•"/>
+              <a:defRPr sz="2800" kern="1200">
+                <a:solidFill>
+                  <a:schemeClr val="tx1"/>
+                </a:solidFill>
+                <a:latin typeface="+mn-lt"/>
+                <a:ea typeface="+mn-ea"/>
+                <a:cs typeface="+mn-cs"/>
+              </a:defRPr>
+            </a:lvl1pPr>
+            <a:lvl2pPr marL="685800" indent="-228600" algn="l" defTabSz="914400" rtl="0" eaLnBrk="1" latinLnBrk="0" hangingPunct="1">
+              <a:lnSpc>
+                <a:spcPct val="90000"/>
+              </a:lnSpc>
+              <a:spcBef>
+                <a:spcPts val="500"/>
+              </a:spcBef>
+              <a:buFont typeface="Arial" panose="020B0604020202020204" pitchFamily="34" charset="0"/>
+              <a:buChar char="•"/>
+              <a:defRPr sz="2400" kern="1200">
+                <a:solidFill>
+                  <a:schemeClr val="tx1"/>
+                </a:solidFill>
+                <a:latin typeface="+mn-lt"/>
+                <a:ea typeface="+mn-ea"/>
+                <a:cs typeface="+mn-cs"/>
+              </a:defRPr>
+            </a:lvl2pPr>
+            <a:lvl3pPr marL="1143000" indent="-228600" algn="l" defTabSz="914400" rtl="0" eaLnBrk="1" latinLnBrk="0" hangingPunct="1">
+              <a:lnSpc>
+                <a:spcPct val="90000"/>
+              </a:lnSpc>
+              <a:spcBef>
+                <a:spcPts val="500"/>
+              </a:spcBef>
+              <a:buFont typeface="Arial" panose="020B0604020202020204" pitchFamily="34" charset="0"/>
+              <a:buChar char="•"/>
+              <a:defRPr sz="2000" kern="1200">
+                <a:solidFill>
+                  <a:schemeClr val="tx1"/>
+                </a:solidFill>
+                <a:latin typeface="+mn-lt"/>
+                <a:ea typeface="+mn-ea"/>
+                <a:cs typeface="+mn-cs"/>
+              </a:defRPr>
+            </a:lvl3pPr>
+            <a:lvl4pPr marL="1600200" indent="-228600" algn="l" defTabSz="914400" rtl="0" eaLnBrk="1" latinLnBrk="0" hangingPunct="1">
+              <a:lnSpc>
+                <a:spcPct val="90000"/>
+              </a:lnSpc>
+              <a:spcBef>
+                <a:spcPts val="500"/>
+              </a:spcBef>
+              <a:buFont typeface="Arial" panose="020B0604020202020204" pitchFamily="34" charset="0"/>
+              <a:buChar char="•"/>
+              <a:defRPr sz="1800" kern="1200">
+                <a:solidFill>
+                  <a:schemeClr val="tx1"/>
+                </a:solidFill>
+                <a:latin typeface="+mn-lt"/>
+                <a:ea typeface="+mn-ea"/>
+                <a:cs typeface="+mn-cs"/>
+              </a:defRPr>
+            </a:lvl4pPr>
+            <a:lvl5pPr marL="2057400" indent="-228600" algn="l" defTabSz="914400" rtl="0" eaLnBrk="1" latinLnBrk="0" hangingPunct="1">
+              <a:lnSpc>
+                <a:spcPct val="90000"/>
+              </a:lnSpc>
+              <a:spcBef>
+                <a:spcPts val="500"/>
+              </a:spcBef>
+              <a:buFont typeface="Arial" panose="020B0604020202020204" pitchFamily="34" charset="0"/>
+              <a:buChar char="•"/>
+              <a:defRPr sz="1800" kern="1200">
+                <a:solidFill>
+                  <a:schemeClr val="tx1"/>
+                </a:solidFill>
+                <a:latin typeface="+mn-lt"/>
+                <a:ea typeface="+mn-ea"/>
+                <a:cs typeface="+mn-cs"/>
+              </a:defRPr>
+            </a:lvl5pPr>
+            <a:lvl6pPr marL="2514600" indent="-228600" algn="l" defTabSz="914400" rtl="0" eaLnBrk="1" latinLnBrk="0" hangingPunct="1">
+              <a:lnSpc>
+                <a:spcPct val="90000"/>
+              </a:lnSpc>
+              <a:spcBef>
+                <a:spcPts val="500"/>
+              </a:spcBef>
+              <a:buFont typeface="Arial" panose="020B0604020202020204" pitchFamily="34" charset="0"/>
+              <a:buChar char="•"/>
+              <a:defRPr sz="1800" kern="1200">
+                <a:solidFill>
+                  <a:schemeClr val="tx1"/>
+                </a:solidFill>
+                <a:latin typeface="+mn-lt"/>
+                <a:ea typeface="+mn-ea"/>
+                <a:cs typeface="+mn-cs"/>
+              </a:defRPr>
+            </a:lvl6pPr>
+            <a:lvl7pPr marL="2971800" indent="-228600" algn="l" defTabSz="914400" rtl="0" eaLnBrk="1" latinLnBrk="0" hangingPunct="1">
+              <a:lnSpc>
+                <a:spcPct val="90000"/>
+              </a:lnSpc>
+              <a:spcBef>
+                <a:spcPts val="500"/>
+              </a:spcBef>
+              <a:buFont typeface="Arial" panose="020B0604020202020204" pitchFamily="34" charset="0"/>
+              <a:buChar char="•"/>
+              <a:defRPr sz="1800" kern="1200">
+                <a:solidFill>
+                  <a:schemeClr val="tx1"/>
+                </a:solidFill>
+                <a:latin typeface="+mn-lt"/>
+                <a:ea typeface="+mn-ea"/>
+                <a:cs typeface="+mn-cs"/>
+              </a:defRPr>
+            </a:lvl7pPr>
+            <a:lvl8pPr marL="3429000" indent="-228600" algn="l" defTabSz="914400" rtl="0" eaLnBrk="1" latinLnBrk="0" hangingPunct="1">
+              <a:lnSpc>
+                <a:spcPct val="90000"/>
+              </a:lnSpc>
+              <a:spcBef>
+                <a:spcPts val="500"/>
+              </a:spcBef>
+              <a:buFont typeface="Arial" panose="020B0604020202020204" pitchFamily="34" charset="0"/>
+              <a:buChar char="•"/>
+              <a:defRPr sz="1800" kern="1200">
+                <a:solidFill>
+                  <a:schemeClr val="tx1"/>
+                </a:solidFill>
+                <a:latin typeface="+mn-lt"/>
+                <a:ea typeface="+mn-ea"/>
+                <a:cs typeface="+mn-cs"/>
+              </a:defRPr>
+            </a:lvl8pPr>
+            <a:lvl9pPr marL="3886200" indent="-228600" algn="l" defTabSz="914400" rtl="0" eaLnBrk="1" latinLnBrk="0" hangingPunct="1">
+              <a:lnSpc>
+                <a:spcPct val="90000"/>
+              </a:lnSpc>
+              <a:spcBef>
+                <a:spcPts val="500"/>
+              </a:spcBef>
+              <a:buFont typeface="Arial" panose="020B0604020202020204" pitchFamily="34" charset="0"/>
+              <a:buChar char="•"/>
+              <a:defRPr sz="1800" kern="1200">
+                <a:solidFill>
+                  <a:schemeClr val="tx1"/>
+                </a:solidFill>
+                <a:latin typeface="+mn-lt"/>
+                <a:ea typeface="+mn-ea"/>
+                <a:cs typeface="+mn-cs"/>
+              </a:defRPr>
+            </a:lvl9pPr>
+          </a:lstStyle>
+          <a:p>
+            <a:pPr marL="0" indent="0">
+              <a:buFont typeface="Arial" panose="020B0604020202020204" pitchFamily="34" charset="0"/>
+              <a:buNone/>
+            </a:pPr>
+            <a:r>
+              <a:rPr lang="en-US" dirty="0"/>
+              <a:t>Define your model</a:t>
+            </a:r>
+          </a:p>
+        </p:txBody>
+      </p:sp>
+      <p:sp>
+        <p:nvSpPr>
+          <p:cNvPr id="14" name="Content Placeholder 2">
+            <a:extLst>
+              <a:ext uri="{FF2B5EF4-FFF2-40B4-BE49-F238E27FC236}">
+                <a16:creationId xmlns:a16="http://schemas.microsoft.com/office/drawing/2014/main" id="{EB7EA1DB-2CF1-499A-A61C-21CB4028C9DC}"/>
+              </a:ext>
+            </a:extLst>
+          </p:cNvPr>
+          <p:cNvSpPr txBox="1">
+            <a:spLocks/>
+          </p:cNvSpPr>
+          <p:nvPr/>
+        </p:nvSpPr>
+        <p:spPr>
+          <a:xfrm>
+            <a:off x="7184464" y="2104055"/>
+            <a:ext cx="5007537" cy="705623"/>
+          </a:xfrm>
+          <a:prstGeom prst="rect">
+            <a:avLst/>
+          </a:prstGeom>
+        </p:spPr>
+        <p:txBody>
+          <a:bodyPr vert="horz" lIns="91440" tIns="45720" rIns="91440" bIns="45720" rtlCol="0">
+            <a:normAutofit fontScale="92500" lnSpcReduction="20000"/>
+          </a:bodyPr>
+          <a:lstStyle>
+            <a:lvl1pPr marL="228600" indent="-228600" algn="l" defTabSz="914400" rtl="0" eaLnBrk="1" latinLnBrk="0" hangingPunct="1">
+              <a:lnSpc>
+                <a:spcPct val="90000"/>
+              </a:lnSpc>
+              <a:spcBef>
+                <a:spcPts val="1000"/>
+              </a:spcBef>
+              <a:buFont typeface="Arial" panose="020B0604020202020204" pitchFamily="34" charset="0"/>
+              <a:buChar char="•"/>
+              <a:defRPr sz="2800" kern="1200">
+                <a:solidFill>
+                  <a:schemeClr val="tx1"/>
+                </a:solidFill>
+                <a:latin typeface="+mn-lt"/>
+                <a:ea typeface="+mn-ea"/>
+                <a:cs typeface="+mn-cs"/>
+              </a:defRPr>
+            </a:lvl1pPr>
+            <a:lvl2pPr marL="685800" indent="-228600" algn="l" defTabSz="914400" rtl="0" eaLnBrk="1" latinLnBrk="0" hangingPunct="1">
+              <a:lnSpc>
+                <a:spcPct val="90000"/>
+              </a:lnSpc>
+              <a:spcBef>
+                <a:spcPts val="500"/>
+              </a:spcBef>
+              <a:buFont typeface="Arial" panose="020B0604020202020204" pitchFamily="34" charset="0"/>
+              <a:buChar char="•"/>
+              <a:defRPr sz="2400" kern="1200">
+                <a:solidFill>
+                  <a:schemeClr val="tx1"/>
+                </a:solidFill>
+                <a:latin typeface="+mn-lt"/>
+                <a:ea typeface="+mn-ea"/>
+                <a:cs typeface="+mn-cs"/>
+              </a:defRPr>
+            </a:lvl2pPr>
+            <a:lvl3pPr marL="1143000" indent="-228600" algn="l" defTabSz="914400" rtl="0" eaLnBrk="1" latinLnBrk="0" hangingPunct="1">
+              <a:lnSpc>
+                <a:spcPct val="90000"/>
+              </a:lnSpc>
+              <a:spcBef>
+                <a:spcPts val="500"/>
+              </a:spcBef>
+              <a:buFont typeface="Arial" panose="020B0604020202020204" pitchFamily="34" charset="0"/>
+              <a:buChar char="•"/>
+              <a:defRPr sz="2000" kern="1200">
+                <a:solidFill>
+                  <a:schemeClr val="tx1"/>
+                </a:solidFill>
+                <a:latin typeface="+mn-lt"/>
+                <a:ea typeface="+mn-ea"/>
+                <a:cs typeface="+mn-cs"/>
+              </a:defRPr>
+            </a:lvl3pPr>
+            <a:lvl4pPr marL="1600200" indent="-228600" algn="l" defTabSz="914400" rtl="0" eaLnBrk="1" latinLnBrk="0" hangingPunct="1">
+              <a:lnSpc>
+                <a:spcPct val="90000"/>
+              </a:lnSpc>
+              <a:spcBef>
+                <a:spcPts val="500"/>
+              </a:spcBef>
+              <a:buFont typeface="Arial" panose="020B0604020202020204" pitchFamily="34" charset="0"/>
+              <a:buChar char="•"/>
+              <a:defRPr sz="1800" kern="1200">
+                <a:solidFill>
+                  <a:schemeClr val="tx1"/>
+                </a:solidFill>
+                <a:latin typeface="+mn-lt"/>
+                <a:ea typeface="+mn-ea"/>
+                <a:cs typeface="+mn-cs"/>
+              </a:defRPr>
+            </a:lvl4pPr>
+            <a:lvl5pPr marL="2057400" indent="-228600" algn="l" defTabSz="914400" rtl="0" eaLnBrk="1" latinLnBrk="0" hangingPunct="1">
+              <a:lnSpc>
+                <a:spcPct val="90000"/>
+              </a:lnSpc>
+              <a:spcBef>
+                <a:spcPts val="500"/>
+              </a:spcBef>
+              <a:buFont typeface="Arial" panose="020B0604020202020204" pitchFamily="34" charset="0"/>
+              <a:buChar char="•"/>
+              <a:defRPr sz="1800" kern="1200">
+                <a:solidFill>
+                  <a:schemeClr val="tx1"/>
+                </a:solidFill>
+                <a:latin typeface="+mn-lt"/>
+                <a:ea typeface="+mn-ea"/>
+                <a:cs typeface="+mn-cs"/>
+              </a:defRPr>
+            </a:lvl5pPr>
+            <a:lvl6pPr marL="2514600" indent="-228600" algn="l" defTabSz="914400" rtl="0" eaLnBrk="1" latinLnBrk="0" hangingPunct="1">
+              <a:lnSpc>
+                <a:spcPct val="90000"/>
+              </a:lnSpc>
+              <a:spcBef>
+                <a:spcPts val="500"/>
+              </a:spcBef>
+              <a:buFont typeface="Arial" panose="020B0604020202020204" pitchFamily="34" charset="0"/>
+              <a:buChar char="•"/>
+              <a:defRPr sz="1800" kern="1200">
+                <a:solidFill>
+                  <a:schemeClr val="tx1"/>
+                </a:solidFill>
+                <a:latin typeface="+mn-lt"/>
+                <a:ea typeface="+mn-ea"/>
+                <a:cs typeface="+mn-cs"/>
+              </a:defRPr>
+            </a:lvl6pPr>
+            <a:lvl7pPr marL="2971800" indent="-228600" algn="l" defTabSz="914400" rtl="0" eaLnBrk="1" latinLnBrk="0" hangingPunct="1">
+              <a:lnSpc>
+                <a:spcPct val="90000"/>
+              </a:lnSpc>
+              <a:spcBef>
+                <a:spcPts val="500"/>
+              </a:spcBef>
+              <a:buFont typeface="Arial" panose="020B0604020202020204" pitchFamily="34" charset="0"/>
+              <a:buChar char="•"/>
+              <a:defRPr sz="1800" kern="1200">
+                <a:solidFill>
+                  <a:schemeClr val="tx1"/>
+                </a:solidFill>
+                <a:latin typeface="+mn-lt"/>
+                <a:ea typeface="+mn-ea"/>
+                <a:cs typeface="+mn-cs"/>
+              </a:defRPr>
+            </a:lvl7pPr>
+            <a:lvl8pPr marL="3429000" indent="-228600" algn="l" defTabSz="914400" rtl="0" eaLnBrk="1" latinLnBrk="0" hangingPunct="1">
+              <a:lnSpc>
+                <a:spcPct val="90000"/>
+              </a:lnSpc>
+              <a:spcBef>
+                <a:spcPts val="500"/>
+              </a:spcBef>
+              <a:buFont typeface="Arial" panose="020B0604020202020204" pitchFamily="34" charset="0"/>
+              <a:buChar char="•"/>
+              <a:defRPr sz="1800" kern="1200">
+                <a:solidFill>
+                  <a:schemeClr val="tx1"/>
+                </a:solidFill>
+                <a:latin typeface="+mn-lt"/>
+                <a:ea typeface="+mn-ea"/>
+                <a:cs typeface="+mn-cs"/>
+              </a:defRPr>
+            </a:lvl8pPr>
+            <a:lvl9pPr marL="3886200" indent="-228600" algn="l" defTabSz="914400" rtl="0" eaLnBrk="1" latinLnBrk="0" hangingPunct="1">
+              <a:lnSpc>
+                <a:spcPct val="90000"/>
+              </a:lnSpc>
+              <a:spcBef>
+                <a:spcPts val="500"/>
+              </a:spcBef>
+              <a:buFont typeface="Arial" panose="020B0604020202020204" pitchFamily="34" charset="0"/>
+              <a:buChar char="•"/>
+              <a:defRPr sz="1800" kern="1200">
+                <a:solidFill>
+                  <a:schemeClr val="tx1"/>
+                </a:solidFill>
+                <a:latin typeface="+mn-lt"/>
+                <a:ea typeface="+mn-ea"/>
+                <a:cs typeface="+mn-cs"/>
+              </a:defRPr>
+            </a:lvl9pPr>
+          </a:lstStyle>
+          <a:p>
+            <a:pPr marL="0" indent="0">
+              <a:buFont typeface="Arial" panose="020B0604020202020204" pitchFamily="34" charset="0"/>
+              <a:buNone/>
+            </a:pPr>
+            <a:r>
+              <a:rPr lang="en-US" dirty="0"/>
+              <a:t>Where to </a:t>
+            </a:r>
+            <a:r>
+              <a:rPr lang="en-US" dirty="0" err="1"/>
+              <a:t>clic</a:t>
+            </a:r>
+            <a:r>
+              <a:rPr lang="en-US" dirty="0"/>
+              <a:t> if you have trouble coding in Stan</a:t>
+            </a:r>
+          </a:p>
+        </p:txBody>
+      </p:sp>
+      <p:cxnSp>
+        <p:nvCxnSpPr>
+          <p:cNvPr id="16" name="Straight Arrow Connector 15">
+            <a:extLst>
+              <a:ext uri="{FF2B5EF4-FFF2-40B4-BE49-F238E27FC236}">
+                <a16:creationId xmlns:a16="http://schemas.microsoft.com/office/drawing/2014/main" id="{074AE63C-A2D8-4065-827C-E882192A65C0}"/>
+              </a:ext>
+            </a:extLst>
+          </p:cNvPr>
+          <p:cNvCxnSpPr>
+            <a:cxnSpLocks/>
+          </p:cNvCxnSpPr>
+          <p:nvPr/>
+        </p:nvCxnSpPr>
+        <p:spPr>
+          <a:xfrm flipH="1">
+            <a:off x="1679331" y="1279282"/>
+            <a:ext cx="5679831" cy="0"/>
+          </a:xfrm>
+          <a:prstGeom prst="straightConnector1">
+            <a:avLst/>
+          </a:prstGeom>
+          <a:ln>
+            <a:tailEnd type="triangle"/>
+          </a:ln>
+        </p:spPr>
+        <p:style>
+          <a:lnRef idx="3">
+            <a:schemeClr val="accent5"/>
+          </a:lnRef>
+          <a:fillRef idx="0">
+            <a:schemeClr val="accent5"/>
+          </a:fillRef>
+          <a:effectRef idx="2">
+            <a:schemeClr val="accent5"/>
+          </a:effectRef>
+          <a:fontRef idx="minor">
+            <a:schemeClr val="tx1"/>
+          </a:fontRef>
+        </p:style>
+      </p:cxnSp>
+      <p:sp>
+        <p:nvSpPr>
+          <p:cNvPr id="19" name="Content Placeholder 2">
+            <a:extLst>
+              <a:ext uri="{FF2B5EF4-FFF2-40B4-BE49-F238E27FC236}">
+                <a16:creationId xmlns:a16="http://schemas.microsoft.com/office/drawing/2014/main" id="{136C0A1F-7167-48B0-A7BE-B1A2660ED4C8}"/>
+              </a:ext>
+            </a:extLst>
+          </p:cNvPr>
+          <p:cNvSpPr txBox="1">
+            <a:spLocks/>
+          </p:cNvSpPr>
+          <p:nvPr/>
+        </p:nvSpPr>
+        <p:spPr>
+          <a:xfrm>
+            <a:off x="7359162" y="948719"/>
+            <a:ext cx="4832838" cy="1051213"/>
+          </a:xfrm>
+          <a:prstGeom prst="rect">
+            <a:avLst/>
+          </a:prstGeom>
+        </p:spPr>
+        <p:txBody>
+          <a:bodyPr vert="horz" lIns="91440" tIns="45720" rIns="91440" bIns="45720" rtlCol="0">
+            <a:normAutofit fontScale="92500" lnSpcReduction="10000"/>
+          </a:bodyPr>
+          <a:lstStyle>
+            <a:lvl1pPr marL="228600" indent="-228600" algn="l" defTabSz="914400" rtl="0" eaLnBrk="1" latinLnBrk="0" hangingPunct="1">
+              <a:lnSpc>
+                <a:spcPct val="90000"/>
+              </a:lnSpc>
+              <a:spcBef>
+                <a:spcPts val="1000"/>
+              </a:spcBef>
+              <a:buFont typeface="Arial" panose="020B0604020202020204" pitchFamily="34" charset="0"/>
+              <a:buChar char="•"/>
+              <a:defRPr sz="2800" kern="1200">
+                <a:solidFill>
+                  <a:schemeClr val="tx1"/>
+                </a:solidFill>
+                <a:latin typeface="+mn-lt"/>
+                <a:ea typeface="+mn-ea"/>
+                <a:cs typeface="+mn-cs"/>
+              </a:defRPr>
+            </a:lvl1pPr>
+            <a:lvl2pPr marL="685800" indent="-228600" algn="l" defTabSz="914400" rtl="0" eaLnBrk="1" latinLnBrk="0" hangingPunct="1">
+              <a:lnSpc>
+                <a:spcPct val="90000"/>
+              </a:lnSpc>
+              <a:spcBef>
+                <a:spcPts val="500"/>
+              </a:spcBef>
+              <a:buFont typeface="Arial" panose="020B0604020202020204" pitchFamily="34" charset="0"/>
+              <a:buChar char="•"/>
+              <a:defRPr sz="2400" kern="1200">
+                <a:solidFill>
+                  <a:schemeClr val="tx1"/>
+                </a:solidFill>
+                <a:latin typeface="+mn-lt"/>
+                <a:ea typeface="+mn-ea"/>
+                <a:cs typeface="+mn-cs"/>
+              </a:defRPr>
+            </a:lvl2pPr>
+            <a:lvl3pPr marL="1143000" indent="-228600" algn="l" defTabSz="914400" rtl="0" eaLnBrk="1" latinLnBrk="0" hangingPunct="1">
+              <a:lnSpc>
+                <a:spcPct val="90000"/>
+              </a:lnSpc>
+              <a:spcBef>
+                <a:spcPts val="500"/>
+              </a:spcBef>
+              <a:buFont typeface="Arial" panose="020B0604020202020204" pitchFamily="34" charset="0"/>
+              <a:buChar char="•"/>
+              <a:defRPr sz="2000" kern="1200">
+                <a:solidFill>
+                  <a:schemeClr val="tx1"/>
+                </a:solidFill>
+                <a:latin typeface="+mn-lt"/>
+                <a:ea typeface="+mn-ea"/>
+                <a:cs typeface="+mn-cs"/>
+              </a:defRPr>
+            </a:lvl3pPr>
+            <a:lvl4pPr marL="1600200" indent="-228600" algn="l" defTabSz="914400" rtl="0" eaLnBrk="1" latinLnBrk="0" hangingPunct="1">
+              <a:lnSpc>
+                <a:spcPct val="90000"/>
+              </a:lnSpc>
+              <a:spcBef>
+                <a:spcPts val="500"/>
+              </a:spcBef>
+              <a:buFont typeface="Arial" panose="020B0604020202020204" pitchFamily="34" charset="0"/>
+              <a:buChar char="•"/>
+              <a:defRPr sz="1800" kern="1200">
+                <a:solidFill>
+                  <a:schemeClr val="tx1"/>
+                </a:solidFill>
+                <a:latin typeface="+mn-lt"/>
+                <a:ea typeface="+mn-ea"/>
+                <a:cs typeface="+mn-cs"/>
+              </a:defRPr>
+            </a:lvl4pPr>
+            <a:lvl5pPr marL="2057400" indent="-228600" algn="l" defTabSz="914400" rtl="0" eaLnBrk="1" latinLnBrk="0" hangingPunct="1">
+              <a:lnSpc>
+                <a:spcPct val="90000"/>
+              </a:lnSpc>
+              <a:spcBef>
+                <a:spcPts val="500"/>
+              </a:spcBef>
+              <a:buFont typeface="Arial" panose="020B0604020202020204" pitchFamily="34" charset="0"/>
+              <a:buChar char="•"/>
+              <a:defRPr sz="1800" kern="1200">
+                <a:solidFill>
+                  <a:schemeClr val="tx1"/>
+                </a:solidFill>
+                <a:latin typeface="+mn-lt"/>
+                <a:ea typeface="+mn-ea"/>
+                <a:cs typeface="+mn-cs"/>
+              </a:defRPr>
+            </a:lvl5pPr>
+            <a:lvl6pPr marL="2514600" indent="-228600" algn="l" defTabSz="914400" rtl="0" eaLnBrk="1" latinLnBrk="0" hangingPunct="1">
+              <a:lnSpc>
+                <a:spcPct val="90000"/>
+              </a:lnSpc>
+              <a:spcBef>
+                <a:spcPts val="500"/>
+              </a:spcBef>
+              <a:buFont typeface="Arial" panose="020B0604020202020204" pitchFamily="34" charset="0"/>
+              <a:buChar char="•"/>
+              <a:defRPr sz="1800" kern="1200">
+                <a:solidFill>
+                  <a:schemeClr val="tx1"/>
+                </a:solidFill>
+                <a:latin typeface="+mn-lt"/>
+                <a:ea typeface="+mn-ea"/>
+                <a:cs typeface="+mn-cs"/>
+              </a:defRPr>
+            </a:lvl6pPr>
+            <a:lvl7pPr marL="2971800" indent="-228600" algn="l" defTabSz="914400" rtl="0" eaLnBrk="1" latinLnBrk="0" hangingPunct="1">
+              <a:lnSpc>
+                <a:spcPct val="90000"/>
+              </a:lnSpc>
+              <a:spcBef>
+                <a:spcPts val="500"/>
+              </a:spcBef>
+              <a:buFont typeface="Arial" panose="020B0604020202020204" pitchFamily="34" charset="0"/>
+              <a:buChar char="•"/>
+              <a:defRPr sz="1800" kern="1200">
+                <a:solidFill>
+                  <a:schemeClr val="tx1"/>
+                </a:solidFill>
+                <a:latin typeface="+mn-lt"/>
+                <a:ea typeface="+mn-ea"/>
+                <a:cs typeface="+mn-cs"/>
+              </a:defRPr>
+            </a:lvl7pPr>
+            <a:lvl8pPr marL="3429000" indent="-228600" algn="l" defTabSz="914400" rtl="0" eaLnBrk="1" latinLnBrk="0" hangingPunct="1">
+              <a:lnSpc>
+                <a:spcPct val="90000"/>
+              </a:lnSpc>
+              <a:spcBef>
+                <a:spcPts val="500"/>
+              </a:spcBef>
+              <a:buFont typeface="Arial" panose="020B0604020202020204" pitchFamily="34" charset="0"/>
+              <a:buChar char="•"/>
+              <a:defRPr sz="1800" kern="1200">
+                <a:solidFill>
+                  <a:schemeClr val="tx1"/>
+                </a:solidFill>
+                <a:latin typeface="+mn-lt"/>
+                <a:ea typeface="+mn-ea"/>
+                <a:cs typeface="+mn-cs"/>
+              </a:defRPr>
+            </a:lvl8pPr>
+            <a:lvl9pPr marL="3886200" indent="-228600" algn="l" defTabSz="914400" rtl="0" eaLnBrk="1" latinLnBrk="0" hangingPunct="1">
+              <a:lnSpc>
+                <a:spcPct val="90000"/>
+              </a:lnSpc>
+              <a:spcBef>
+                <a:spcPts val="500"/>
+              </a:spcBef>
+              <a:buFont typeface="Arial" panose="020B0604020202020204" pitchFamily="34" charset="0"/>
+              <a:buChar char="•"/>
+              <a:defRPr sz="1800" kern="1200">
+                <a:solidFill>
+                  <a:schemeClr val="tx1"/>
+                </a:solidFill>
+                <a:latin typeface="+mn-lt"/>
+                <a:ea typeface="+mn-ea"/>
+                <a:cs typeface="+mn-cs"/>
+              </a:defRPr>
+            </a:lvl9pPr>
+          </a:lstStyle>
+          <a:p>
+            <a:pPr marL="0" indent="0">
+              <a:buFont typeface="Arial" panose="020B0604020202020204" pitchFamily="34" charset="0"/>
+              <a:buNone/>
+            </a:pPr>
+            <a:r>
+              <a:rPr lang="en-US" dirty="0"/>
+              <a:t>Use two forward slashes instead of a pound when you want to write text and not code</a:t>
+            </a:r>
+          </a:p>
+        </p:txBody>
+      </p:sp>
+    </p:spTree>
+    <p:extLst>
+      <p:ext uri="{BB962C8B-B14F-4D97-AF65-F5344CB8AC3E}">
+        <p14:creationId xmlns:p14="http://schemas.microsoft.com/office/powerpoint/2010/main" val="1157394130"/>
+      </p:ext>
+    </p:extLst>
+  </p:cSld>
+  <p:clrMapOvr>
+    <a:masterClrMapping/>
+  </p:clrMapOvr>
+  <p:timing>
+    <p:tnLst>
+      <p:par>
+        <p:cTn id="1" dur="indefinite" restart="never" nodeType="tmRoot">
+          <p:childTnLst>
+            <p:seq concurrent="1" nextAc="seek">
+              <p:cTn id="2" dur="indefinite" nodeType="mainSeq">
+                <p:childTnLst>
+                  <p:par>
+                    <p:cTn id="3" fill="hold">
+                      <p:stCondLst>
+                        <p:cond delay="indefinite"/>
+                      </p:stCondLst>
+                      <p:childTnLst>
+                        <p:par>
+                          <p:cTn id="4" fill="hold">
+                            <p:stCondLst>
+                              <p:cond delay="0"/>
+                            </p:stCondLst>
+                            <p:childTnLst>
+                              <p:par>
+                                <p:cTn id="5" presetID="1" presetClass="entr" presetSubtype="0" fill="hold" grpId="0" nodeType="clickEffect">
+                                  <p:stCondLst>
+                                    <p:cond delay="0"/>
+                                  </p:stCondLst>
+                                  <p:childTnLst>
+                                    <p:set>
+                                      <p:cBhvr>
+                                        <p:cTn id="6" dur="1" fill="hold">
+                                          <p:stCondLst>
+                                            <p:cond delay="0"/>
+                                          </p:stCondLst>
+                                        </p:cTn>
+                                        <p:tgtEl>
+                                          <p:spTgt spid="11">
+                                            <p:txEl>
+                                              <p:pRg st="0" end="0"/>
+                                            </p:txEl>
+                                          </p:spTgt>
+                                        </p:tgtEl>
+                                        <p:attrNameLst>
+                                          <p:attrName>style.visibility</p:attrName>
+                                        </p:attrNameLst>
+                                      </p:cBhvr>
+                                      <p:to>
+                                        <p:strVal val="visible"/>
+                                      </p:to>
+                                    </p:set>
+                                  </p:childTnLst>
+                                </p:cTn>
+                              </p:par>
+                              <p:par>
+                                <p:cTn id="7" presetID="1" presetClass="entr" presetSubtype="0" fill="hold" grpId="0" nodeType="withEffect">
+                                  <p:stCondLst>
+                                    <p:cond delay="0"/>
+                                  </p:stCondLst>
+                                  <p:childTnLst>
+                                    <p:set>
+                                      <p:cBhvr>
+                                        <p:cTn id="8" dur="1" fill="hold">
+                                          <p:stCondLst>
+                                            <p:cond delay="0"/>
+                                          </p:stCondLst>
+                                        </p:cTn>
+                                        <p:tgtEl>
+                                          <p:spTgt spid="8"/>
+                                        </p:tgtEl>
+                                        <p:attrNameLst>
+                                          <p:attrName>style.visibility</p:attrName>
+                                        </p:attrNameLst>
+                                      </p:cBhvr>
+                                      <p:to>
+                                        <p:strVal val="visible"/>
+                                      </p:to>
+                                    </p:set>
+                                  </p:childTnLst>
+                                </p:cTn>
+                              </p:par>
+                            </p:childTnLst>
+                          </p:cTn>
+                        </p:par>
+                      </p:childTnLst>
+                    </p:cTn>
+                  </p:par>
+                  <p:par>
+                    <p:cTn id="9" fill="hold">
+                      <p:stCondLst>
+                        <p:cond delay="indefinite"/>
+                      </p:stCondLst>
+                      <p:childTnLst>
+                        <p:par>
+                          <p:cTn id="10" fill="hold">
+                            <p:stCondLst>
+                              <p:cond delay="0"/>
+                            </p:stCondLst>
+                            <p:childTnLst>
+                              <p:par>
+                                <p:cTn id="11" presetID="1" presetClass="entr" presetSubtype="0" fill="hold" grpId="0" nodeType="clickEffect">
+                                  <p:stCondLst>
+                                    <p:cond delay="0"/>
+                                  </p:stCondLst>
+                                  <p:childTnLst>
+                                    <p:set>
+                                      <p:cBhvr>
+                                        <p:cTn id="12" dur="1" fill="hold">
+                                          <p:stCondLst>
+                                            <p:cond delay="0"/>
+                                          </p:stCondLst>
+                                        </p:cTn>
+                                        <p:tgtEl>
+                                          <p:spTgt spid="12"/>
+                                        </p:tgtEl>
+                                        <p:attrNameLst>
+                                          <p:attrName>style.visibility</p:attrName>
+                                        </p:attrNameLst>
+                                      </p:cBhvr>
+                                      <p:to>
+                                        <p:strVal val="visible"/>
+                                      </p:to>
+                                    </p:set>
+                                  </p:childTnLst>
+                                </p:cTn>
+                              </p:par>
+                              <p:par>
+                                <p:cTn id="13" presetID="1" presetClass="entr" presetSubtype="0" fill="hold" grpId="0" nodeType="withEffect">
+                                  <p:stCondLst>
+                                    <p:cond delay="0"/>
+                                  </p:stCondLst>
+                                  <p:childTnLst>
+                                    <p:set>
+                                      <p:cBhvr>
+                                        <p:cTn id="14" dur="1" fill="hold">
+                                          <p:stCondLst>
+                                            <p:cond delay="0"/>
+                                          </p:stCondLst>
+                                        </p:cTn>
+                                        <p:tgtEl>
+                                          <p:spTgt spid="9"/>
+                                        </p:tgtEl>
+                                        <p:attrNameLst>
+                                          <p:attrName>style.visibility</p:attrName>
+                                        </p:attrNameLst>
+                                      </p:cBhvr>
+                                      <p:to>
+                                        <p:strVal val="visible"/>
+                                      </p:to>
+                                    </p:set>
+                                  </p:childTnLst>
+                                </p:cTn>
+                              </p:par>
+                            </p:childTnLst>
+                          </p:cTn>
+                        </p:par>
+                      </p:childTnLst>
+                    </p:cTn>
+                  </p:par>
+                  <p:par>
+                    <p:cTn id="15" fill="hold">
+                      <p:stCondLst>
+                        <p:cond delay="indefinite"/>
+                      </p:stCondLst>
+                      <p:childTnLst>
+                        <p:par>
+                          <p:cTn id="16" fill="hold">
+                            <p:stCondLst>
+                              <p:cond delay="0"/>
+                            </p:stCondLst>
+                            <p:childTnLst>
+                              <p:par>
+                                <p:cTn id="17" presetID="1" presetClass="entr" presetSubtype="0" fill="hold" grpId="0" nodeType="clickEffect">
+                                  <p:stCondLst>
+                                    <p:cond delay="0"/>
+                                  </p:stCondLst>
+                                  <p:childTnLst>
+                                    <p:set>
+                                      <p:cBhvr>
+                                        <p:cTn id="18" dur="1" fill="hold">
+                                          <p:stCondLst>
+                                            <p:cond delay="0"/>
+                                          </p:stCondLst>
+                                        </p:cTn>
+                                        <p:tgtEl>
+                                          <p:spTgt spid="13"/>
+                                        </p:tgtEl>
+                                        <p:attrNameLst>
+                                          <p:attrName>style.visibility</p:attrName>
+                                        </p:attrNameLst>
+                                      </p:cBhvr>
+                                      <p:to>
+                                        <p:strVal val="visible"/>
+                                      </p:to>
+                                    </p:set>
+                                  </p:childTnLst>
+                                </p:cTn>
+                              </p:par>
+                              <p:par>
+                                <p:cTn id="19" presetID="1" presetClass="entr" presetSubtype="0" fill="hold" grpId="0" nodeType="withEffect">
+                                  <p:stCondLst>
+                                    <p:cond delay="0"/>
+                                  </p:stCondLst>
+                                  <p:childTnLst>
+                                    <p:set>
+                                      <p:cBhvr>
+                                        <p:cTn id="20" dur="1" fill="hold">
+                                          <p:stCondLst>
+                                            <p:cond delay="0"/>
+                                          </p:stCondLst>
+                                        </p:cTn>
+                                        <p:tgtEl>
+                                          <p:spTgt spid="10"/>
+                                        </p:tgtEl>
+                                        <p:attrNameLst>
+                                          <p:attrName>style.visibility</p:attrName>
+                                        </p:attrNameLst>
+                                      </p:cBhvr>
+                                      <p:to>
+                                        <p:strVal val="visible"/>
+                                      </p:to>
+                                    </p:set>
+                                  </p:childTnLst>
+                                </p:cTn>
+                              </p:par>
+                            </p:childTnLst>
+                          </p:cTn>
+                        </p:par>
+                      </p:childTnLst>
+                    </p:cTn>
+                  </p:par>
+                  <p:par>
+                    <p:cTn id="21" fill="hold">
+                      <p:stCondLst>
+                        <p:cond delay="indefinite"/>
+                      </p:stCondLst>
+                      <p:childTnLst>
+                        <p:par>
+                          <p:cTn id="22" fill="hold">
+                            <p:stCondLst>
+                              <p:cond delay="0"/>
+                            </p:stCondLst>
+                            <p:childTnLst>
+                              <p:par>
+                                <p:cTn id="23" presetID="1" presetClass="entr" presetSubtype="0" fill="hold" grpId="0" nodeType="clickEffect">
+                                  <p:stCondLst>
+                                    <p:cond delay="0"/>
+                                  </p:stCondLst>
+                                  <p:childTnLst>
+                                    <p:set>
+                                      <p:cBhvr>
+                                        <p:cTn id="24" dur="1" fill="hold">
+                                          <p:stCondLst>
+                                            <p:cond delay="0"/>
+                                          </p:stCondLst>
+                                        </p:cTn>
+                                        <p:tgtEl>
+                                          <p:spTgt spid="14"/>
+                                        </p:tgtEl>
+                                        <p:attrNameLst>
+                                          <p:attrName>style.visibility</p:attrName>
+                                        </p:attrNameLst>
+                                      </p:cBhvr>
+                                      <p:to>
+                                        <p:strVal val="visible"/>
+                                      </p:to>
+                                    </p:set>
+                                  </p:childTnLst>
+                                </p:cTn>
+                              </p:par>
+                              <p:par>
+                                <p:cTn id="25" presetID="1" presetClass="entr" presetSubtype="0" fill="hold" grpId="0" nodeType="withEffect">
+                                  <p:stCondLst>
+                                    <p:cond delay="0"/>
+                                  </p:stCondLst>
+                                  <p:childTnLst>
+                                    <p:set>
+                                      <p:cBhvr>
+                                        <p:cTn id="26" dur="1" fill="hold">
+                                          <p:stCondLst>
+                                            <p:cond delay="0"/>
+                                          </p:stCondLst>
+                                        </p:cTn>
+                                        <p:tgtEl>
+                                          <p:spTgt spid="7"/>
+                                        </p:tgtEl>
+                                        <p:attrNameLst>
+                                          <p:attrName>style.visibility</p:attrName>
+                                        </p:attrNameLst>
+                                      </p:cBhvr>
+                                      <p:to>
+                                        <p:strVal val="visible"/>
+                                      </p:to>
+                                    </p:set>
+                                  </p:childTnLst>
+                                </p:cTn>
+                              </p:par>
+                            </p:childTnLst>
+                          </p:cTn>
+                        </p:par>
+                      </p:childTnLst>
+                    </p:cTn>
+                  </p:par>
+                  <p:par>
+                    <p:cTn id="27" fill="hold">
+                      <p:stCondLst>
+                        <p:cond delay="indefinite"/>
+                      </p:stCondLst>
+                      <p:childTnLst>
+                        <p:par>
+                          <p:cTn id="28" fill="hold">
+                            <p:stCondLst>
+                              <p:cond delay="0"/>
+                            </p:stCondLst>
+                            <p:childTnLst>
+                              <p:par>
+                                <p:cTn id="29" presetID="1" presetClass="entr" presetSubtype="0" fill="hold" grpId="0" nodeType="clickEffect">
+                                  <p:stCondLst>
+                                    <p:cond delay="0"/>
+                                  </p:stCondLst>
+                                  <p:childTnLst>
+                                    <p:set>
+                                      <p:cBhvr>
+                                        <p:cTn id="30" dur="1" fill="hold">
+                                          <p:stCondLst>
+                                            <p:cond delay="0"/>
+                                          </p:stCondLst>
+                                        </p:cTn>
+                                        <p:tgtEl>
+                                          <p:spTgt spid="19"/>
+                                        </p:tgtEl>
+                                        <p:attrNameLst>
+                                          <p:attrName>style.visibility</p:attrName>
+                                        </p:attrNameLst>
+                                      </p:cBhvr>
+                                      <p:to>
+                                        <p:strVal val="visible"/>
+                                      </p:to>
+                                    </p:set>
+                                  </p:childTnLst>
+                                </p:cTn>
+                              </p:par>
+                              <p:par>
+                                <p:cTn id="31" presetID="1" presetClass="entr" presetSubtype="0" fill="hold" nodeType="withEffect">
+                                  <p:stCondLst>
+                                    <p:cond delay="0"/>
+                                  </p:stCondLst>
+                                  <p:childTnLst>
+                                    <p:set>
+                                      <p:cBhvr>
+                                        <p:cTn id="32" dur="1" fill="hold">
+                                          <p:stCondLst>
+                                            <p:cond delay="0"/>
+                                          </p:stCondLst>
+                                        </p:cTn>
+                                        <p:tgtEl>
+                                          <p:spTgt spid="16"/>
+                                        </p:tgtEl>
+                                        <p:attrNameLst>
+                                          <p:attrName>style.visibility</p:attrName>
+                                        </p:attrNameLst>
+                                      </p:cBhvr>
+                                      <p:to>
+                                        <p:strVal val="visible"/>
+                                      </p:to>
+                                    </p:set>
+                                  </p:childTnLst>
+                                </p:cTn>
+                              </p:par>
+                            </p:childTnLst>
+                          </p:cTn>
+                        </p:par>
+                      </p:childTnLst>
+                    </p:cTn>
+                  </p:par>
+                </p:childTnLst>
+              </p:cTn>
+              <p:prevCondLst>
+                <p:cond evt="onPrev" delay="0">
+                  <p:tgtEl>
+                    <p:sldTgt/>
+                  </p:tgtEl>
+                </p:cond>
+              </p:prevCondLst>
+              <p:nextCondLst>
+                <p:cond evt="onNext" delay="0">
+                  <p:tgtEl>
+                    <p:sldTgt/>
+                  </p:tgtEl>
+                </p:cond>
+              </p:nextCondLst>
+            </p:seq>
+          </p:childTnLst>
+        </p:cTn>
+      </p:par>
+    </p:tnLst>
+    <p:bldLst>
+      <p:bldP spid="7" grpId="0" animBg="1"/>
+      <p:bldP spid="8" grpId="0" animBg="1"/>
+      <p:bldP spid="9" grpId="0" animBg="1"/>
+      <p:bldP spid="10" grpId="0" animBg="1"/>
+      <p:bldP spid="11" grpId="0" build="p"/>
+      <p:bldP spid="12" grpId="0"/>
+      <p:bldP spid="13" grpId="0"/>
+      <p:bldP spid="14" grpId="0"/>
+      <p:bldP spid="19" grpId="0"/>
+    </p:bldLst>
+  </p:timing>
+</p:sld>
+</file>
+
+<file path=ppt/slides/slide15.xml><?xml version="1.0" encoding="utf-8"?>
+<p:sld xmlns:a="http://schemas.openxmlformats.org/drawingml/2006/main" xmlns:r="http://schemas.openxmlformats.org/officeDocument/2006/relationships" xmlns:p="http://schemas.openxmlformats.org/presentationml/2006/main">
+  <p:cSld>
+    <p:spTree>
+      <p:nvGrpSpPr>
+        <p:cNvPr id="1" name=""/>
+        <p:cNvGrpSpPr/>
+        <p:nvPr/>
+      </p:nvGrpSpPr>
+      <p:grpSpPr>
+        <a:xfrm>
+          <a:off x="0" y="0"/>
+          <a:ext cx="0" cy="0"/>
+          <a:chOff x="0" y="0"/>
+          <a:chExt cx="0" cy="0"/>
+        </a:xfrm>
+      </p:grpSpPr>
+      <p:sp>
+        <p:nvSpPr>
+          <p:cNvPr id="4" name="Title 1">
+            <a:extLst>
+              <a:ext uri="{FF2B5EF4-FFF2-40B4-BE49-F238E27FC236}">
+                <a16:creationId xmlns:a16="http://schemas.microsoft.com/office/drawing/2014/main" id="{D00CEB46-90BC-437B-8132-9CD5DB6B0B83}"/>
+              </a:ext>
+            </a:extLst>
+          </p:cNvPr>
+          <p:cNvSpPr txBox="1">
+            <a:spLocks/>
+          </p:cNvSpPr>
+          <p:nvPr/>
+        </p:nvSpPr>
+        <p:spPr>
+          <a:xfrm>
+            <a:off x="0" y="158923"/>
+            <a:ext cx="12192000" cy="789796"/>
+          </a:xfrm>
+          <a:prstGeom prst="rect">
+            <a:avLst/>
+          </a:prstGeom>
+          <a:solidFill>
+            <a:schemeClr val="accent1"/>
+          </a:solidFill>
+        </p:spPr>
+        <p:txBody>
+          <a:bodyPr vert="horz" lIns="91440" tIns="45720" rIns="91440" bIns="45720" rtlCol="0" anchor="ctr">
+            <a:normAutofit/>
+          </a:bodyPr>
+          <a:lstStyle>
+            <a:lvl1pPr algn="l" defTabSz="914400" rtl="0" eaLnBrk="1" latinLnBrk="0" hangingPunct="1">
+              <a:lnSpc>
+                <a:spcPct val="90000"/>
+              </a:lnSpc>
+              <a:spcBef>
+                <a:spcPct val="0"/>
+              </a:spcBef>
+              <a:buNone/>
+              <a:defRPr sz="4400" kern="1200">
+                <a:solidFill>
+                  <a:schemeClr val="tx1"/>
+                </a:solidFill>
+                <a:latin typeface="+mj-lt"/>
+                <a:ea typeface="+mj-ea"/>
+                <a:cs typeface="+mj-cs"/>
+              </a:defRPr>
+            </a:lvl1pPr>
+          </a:lstStyle>
+          <a:p>
+            <a:r>
+              <a:rPr lang="fr-CA" dirty="0">
+                <a:solidFill>
+                  <a:schemeClr val="bg1"/>
+                </a:solidFill>
+                <a:cs typeface="Courier New" panose="02070309020205020404" pitchFamily="49" charset="0"/>
+              </a:rPr>
+              <a:t>Our data : BTdata.txt</a:t>
+            </a:r>
+            <a:endParaRPr lang="en-CA" dirty="0">
+              <a:solidFill>
+                <a:schemeClr val="bg1"/>
+              </a:solidFill>
+            </a:endParaRPr>
+          </a:p>
+        </p:txBody>
+      </p:sp>
+      <p:pic>
+        <p:nvPicPr>
+          <p:cNvPr id="6" name="Picture 5">
+            <a:extLst>
+              <a:ext uri="{FF2B5EF4-FFF2-40B4-BE49-F238E27FC236}">
+                <a16:creationId xmlns:a16="http://schemas.microsoft.com/office/drawing/2014/main" id="{EE5043F2-6A2E-4D40-9FEE-9D8030921320}"/>
+              </a:ext>
+            </a:extLst>
+          </p:cNvPr>
+          <p:cNvPicPr>
+            <a:picLocks noChangeAspect="1"/>
+          </p:cNvPicPr>
+          <p:nvPr/>
+        </p:nvPicPr>
+        <p:blipFill rotWithShape="1">
+          <a:blip r:embed="rId2"/>
+          <a:srcRect r="21340"/>
+          <a:stretch/>
+        </p:blipFill>
+        <p:spPr>
+          <a:xfrm>
+            <a:off x="2455386" y="2870070"/>
+            <a:ext cx="7281228" cy="3563937"/>
+          </a:xfrm>
+          <a:prstGeom prst="rect">
+            <a:avLst/>
+          </a:prstGeom>
+        </p:spPr>
+      </p:pic>
+      <p:cxnSp>
+        <p:nvCxnSpPr>
+          <p:cNvPr id="7" name="Straight Arrow Connector 6">
+            <a:extLst>
+              <a:ext uri="{FF2B5EF4-FFF2-40B4-BE49-F238E27FC236}">
+                <a16:creationId xmlns:a16="http://schemas.microsoft.com/office/drawing/2014/main" id="{CAA5B5BE-46E0-40B0-A821-79ED8EB0B403}"/>
+              </a:ext>
+            </a:extLst>
+          </p:cNvPr>
+          <p:cNvCxnSpPr>
+            <a:cxnSpLocks/>
+          </p:cNvCxnSpPr>
+          <p:nvPr/>
+        </p:nvCxnSpPr>
+        <p:spPr>
+          <a:xfrm>
+            <a:off x="2995191" y="2124778"/>
+            <a:ext cx="351693" cy="826477"/>
+          </a:xfrm>
+          <a:prstGeom prst="straightConnector1">
+            <a:avLst/>
+          </a:prstGeom>
+          <a:ln>
+            <a:tailEnd type="triangle"/>
+          </a:ln>
+        </p:spPr>
+        <p:style>
+          <a:lnRef idx="3">
+            <a:schemeClr val="accent5"/>
+          </a:lnRef>
+          <a:fillRef idx="0">
+            <a:schemeClr val="accent5"/>
+          </a:fillRef>
+          <a:effectRef idx="2">
+            <a:schemeClr val="accent5"/>
+          </a:effectRef>
+          <a:fontRef idx="minor">
+            <a:schemeClr val="tx1"/>
+          </a:fontRef>
+        </p:style>
+      </p:cxnSp>
+      <p:sp>
+        <p:nvSpPr>
+          <p:cNvPr id="10" name="Content Placeholder 2">
+            <a:extLst>
+              <a:ext uri="{FF2B5EF4-FFF2-40B4-BE49-F238E27FC236}">
+                <a16:creationId xmlns:a16="http://schemas.microsoft.com/office/drawing/2014/main" id="{BCC064A5-6E6C-451A-A454-A54BD7EB407E}"/>
+              </a:ext>
+            </a:extLst>
+          </p:cNvPr>
+          <p:cNvSpPr txBox="1">
+            <a:spLocks/>
+          </p:cNvSpPr>
+          <p:nvPr/>
+        </p:nvSpPr>
+        <p:spPr>
+          <a:xfrm>
+            <a:off x="1669620" y="1657509"/>
+            <a:ext cx="2166730" cy="537125"/>
+          </a:xfrm>
+          <a:prstGeom prst="rect">
+            <a:avLst/>
+          </a:prstGeom>
+        </p:spPr>
+        <p:txBody>
+          <a:bodyPr vert="horz" lIns="91440" tIns="45720" rIns="91440" bIns="45720" rtlCol="0">
+            <a:normAutofit/>
+          </a:bodyPr>
+          <a:lstStyle>
+            <a:lvl1pPr marL="228600" indent="-228600" algn="l" defTabSz="914400" rtl="0" eaLnBrk="1" latinLnBrk="0" hangingPunct="1">
+              <a:lnSpc>
+                <a:spcPct val="90000"/>
+              </a:lnSpc>
+              <a:spcBef>
+                <a:spcPts val="1000"/>
+              </a:spcBef>
+              <a:buFont typeface="Arial" panose="020B0604020202020204" pitchFamily="34" charset="0"/>
+              <a:buChar char="•"/>
+              <a:defRPr sz="2800" kern="1200">
+                <a:solidFill>
+                  <a:schemeClr val="tx1"/>
+                </a:solidFill>
+                <a:latin typeface="+mn-lt"/>
+                <a:ea typeface="+mn-ea"/>
+                <a:cs typeface="+mn-cs"/>
+              </a:defRPr>
+            </a:lvl1pPr>
+            <a:lvl2pPr marL="685800" indent="-228600" algn="l" defTabSz="914400" rtl="0" eaLnBrk="1" latinLnBrk="0" hangingPunct="1">
+              <a:lnSpc>
+                <a:spcPct val="90000"/>
+              </a:lnSpc>
+              <a:spcBef>
+                <a:spcPts val="500"/>
+              </a:spcBef>
+              <a:buFont typeface="Arial" panose="020B0604020202020204" pitchFamily="34" charset="0"/>
+              <a:buChar char="•"/>
+              <a:defRPr sz="2400" kern="1200">
+                <a:solidFill>
+                  <a:schemeClr val="tx1"/>
+                </a:solidFill>
+                <a:latin typeface="+mn-lt"/>
+                <a:ea typeface="+mn-ea"/>
+                <a:cs typeface="+mn-cs"/>
+              </a:defRPr>
+            </a:lvl2pPr>
+            <a:lvl3pPr marL="1143000" indent="-228600" algn="l" defTabSz="914400" rtl="0" eaLnBrk="1" latinLnBrk="0" hangingPunct="1">
+              <a:lnSpc>
+                <a:spcPct val="90000"/>
+              </a:lnSpc>
+              <a:spcBef>
+                <a:spcPts val="500"/>
+              </a:spcBef>
+              <a:buFont typeface="Arial" panose="020B0604020202020204" pitchFamily="34" charset="0"/>
+              <a:buChar char="•"/>
+              <a:defRPr sz="2000" kern="1200">
+                <a:solidFill>
+                  <a:schemeClr val="tx1"/>
+                </a:solidFill>
+                <a:latin typeface="+mn-lt"/>
+                <a:ea typeface="+mn-ea"/>
+                <a:cs typeface="+mn-cs"/>
+              </a:defRPr>
+            </a:lvl3pPr>
+            <a:lvl4pPr marL="1600200" indent="-228600" algn="l" defTabSz="914400" rtl="0" eaLnBrk="1" latinLnBrk="0" hangingPunct="1">
+              <a:lnSpc>
+                <a:spcPct val="90000"/>
+              </a:lnSpc>
+              <a:spcBef>
+                <a:spcPts val="500"/>
+              </a:spcBef>
+              <a:buFont typeface="Arial" panose="020B0604020202020204" pitchFamily="34" charset="0"/>
+              <a:buChar char="•"/>
+              <a:defRPr sz="1800" kern="1200">
+                <a:solidFill>
+                  <a:schemeClr val="tx1"/>
+                </a:solidFill>
+                <a:latin typeface="+mn-lt"/>
+                <a:ea typeface="+mn-ea"/>
+                <a:cs typeface="+mn-cs"/>
+              </a:defRPr>
+            </a:lvl4pPr>
+            <a:lvl5pPr marL="2057400" indent="-228600" algn="l" defTabSz="914400" rtl="0" eaLnBrk="1" latinLnBrk="0" hangingPunct="1">
+              <a:lnSpc>
+                <a:spcPct val="90000"/>
+              </a:lnSpc>
+              <a:spcBef>
+                <a:spcPts val="500"/>
+              </a:spcBef>
+              <a:buFont typeface="Arial" panose="020B0604020202020204" pitchFamily="34" charset="0"/>
+              <a:buChar char="•"/>
+              <a:defRPr sz="1800" kern="1200">
+                <a:solidFill>
+                  <a:schemeClr val="tx1"/>
+                </a:solidFill>
+                <a:latin typeface="+mn-lt"/>
+                <a:ea typeface="+mn-ea"/>
+                <a:cs typeface="+mn-cs"/>
+              </a:defRPr>
+            </a:lvl5pPr>
+            <a:lvl6pPr marL="2514600" indent="-228600" algn="l" defTabSz="914400" rtl="0" eaLnBrk="1" latinLnBrk="0" hangingPunct="1">
+              <a:lnSpc>
+                <a:spcPct val="90000"/>
+              </a:lnSpc>
+              <a:spcBef>
+                <a:spcPts val="500"/>
+              </a:spcBef>
+              <a:buFont typeface="Arial" panose="020B0604020202020204" pitchFamily="34" charset="0"/>
+              <a:buChar char="•"/>
+              <a:defRPr sz="1800" kern="1200">
+                <a:solidFill>
+                  <a:schemeClr val="tx1"/>
+                </a:solidFill>
+                <a:latin typeface="+mn-lt"/>
+                <a:ea typeface="+mn-ea"/>
+                <a:cs typeface="+mn-cs"/>
+              </a:defRPr>
+            </a:lvl6pPr>
+            <a:lvl7pPr marL="2971800" indent="-228600" algn="l" defTabSz="914400" rtl="0" eaLnBrk="1" latinLnBrk="0" hangingPunct="1">
+              <a:lnSpc>
+                <a:spcPct val="90000"/>
+              </a:lnSpc>
+              <a:spcBef>
+                <a:spcPts val="500"/>
+              </a:spcBef>
+              <a:buFont typeface="Arial" panose="020B0604020202020204" pitchFamily="34" charset="0"/>
+              <a:buChar char="•"/>
+              <a:defRPr sz="1800" kern="1200">
+                <a:solidFill>
+                  <a:schemeClr val="tx1"/>
+                </a:solidFill>
+                <a:latin typeface="+mn-lt"/>
+                <a:ea typeface="+mn-ea"/>
+                <a:cs typeface="+mn-cs"/>
+              </a:defRPr>
+            </a:lvl7pPr>
+            <a:lvl8pPr marL="3429000" indent="-228600" algn="l" defTabSz="914400" rtl="0" eaLnBrk="1" latinLnBrk="0" hangingPunct="1">
+              <a:lnSpc>
+                <a:spcPct val="90000"/>
+              </a:lnSpc>
+              <a:spcBef>
+                <a:spcPts val="500"/>
+              </a:spcBef>
+              <a:buFont typeface="Arial" panose="020B0604020202020204" pitchFamily="34" charset="0"/>
+              <a:buChar char="•"/>
+              <a:defRPr sz="1800" kern="1200">
+                <a:solidFill>
+                  <a:schemeClr val="tx1"/>
+                </a:solidFill>
+                <a:latin typeface="+mn-lt"/>
+                <a:ea typeface="+mn-ea"/>
+                <a:cs typeface="+mn-cs"/>
+              </a:defRPr>
+            </a:lvl8pPr>
+            <a:lvl9pPr marL="3886200" indent="-228600" algn="l" defTabSz="914400" rtl="0" eaLnBrk="1" latinLnBrk="0" hangingPunct="1">
+              <a:lnSpc>
+                <a:spcPct val="90000"/>
+              </a:lnSpc>
+              <a:spcBef>
+                <a:spcPts val="500"/>
+              </a:spcBef>
+              <a:buFont typeface="Arial" panose="020B0604020202020204" pitchFamily="34" charset="0"/>
+              <a:buChar char="•"/>
+              <a:defRPr sz="1800" kern="1200">
+                <a:solidFill>
+                  <a:schemeClr val="tx1"/>
+                </a:solidFill>
+                <a:latin typeface="+mn-lt"/>
+                <a:ea typeface="+mn-ea"/>
+                <a:cs typeface="+mn-cs"/>
+              </a:defRPr>
+            </a:lvl9pPr>
+          </a:lstStyle>
+          <a:p>
+            <a:pPr marL="0" indent="0">
+              <a:buFont typeface="Arial" panose="020B0604020202020204" pitchFamily="34" charset="0"/>
+              <a:buNone/>
+            </a:pPr>
+            <a:r>
+              <a:rPr lang="en-US" dirty="0"/>
+              <a:t>Tarsus length</a:t>
+            </a:r>
+          </a:p>
+        </p:txBody>
+      </p:sp>
+      <p:cxnSp>
+        <p:nvCxnSpPr>
+          <p:cNvPr id="11" name="Straight Arrow Connector 10">
+            <a:extLst>
+              <a:ext uri="{FF2B5EF4-FFF2-40B4-BE49-F238E27FC236}">
+                <a16:creationId xmlns:a16="http://schemas.microsoft.com/office/drawing/2014/main" id="{07B9A154-A9B2-4EEC-B982-31F80B658706}"/>
+              </a:ext>
+            </a:extLst>
+          </p:cNvPr>
+          <p:cNvCxnSpPr>
+            <a:cxnSpLocks/>
+          </p:cNvCxnSpPr>
+          <p:nvPr/>
+        </p:nvCxnSpPr>
+        <p:spPr>
+          <a:xfrm>
+            <a:off x="5161921" y="2454231"/>
+            <a:ext cx="155776" cy="497051"/>
+          </a:xfrm>
+          <a:prstGeom prst="straightConnector1">
+            <a:avLst/>
+          </a:prstGeom>
+          <a:ln>
+            <a:tailEnd type="triangle"/>
+          </a:ln>
+        </p:spPr>
+        <p:style>
+          <a:lnRef idx="3">
+            <a:schemeClr val="accent5"/>
+          </a:lnRef>
+          <a:fillRef idx="0">
+            <a:schemeClr val="accent5"/>
+          </a:fillRef>
+          <a:effectRef idx="2">
+            <a:schemeClr val="accent5"/>
+          </a:effectRef>
+          <a:fontRef idx="minor">
+            <a:schemeClr val="tx1"/>
+          </a:fontRef>
+        </p:style>
+      </p:cxnSp>
+      <p:sp>
+        <p:nvSpPr>
+          <p:cNvPr id="13" name="Content Placeholder 2">
+            <a:extLst>
+              <a:ext uri="{FF2B5EF4-FFF2-40B4-BE49-F238E27FC236}">
+                <a16:creationId xmlns:a16="http://schemas.microsoft.com/office/drawing/2014/main" id="{33069E00-52D5-47C9-9D12-0189C0EE97B1}"/>
+              </a:ext>
+            </a:extLst>
+          </p:cNvPr>
+          <p:cNvSpPr txBox="1">
+            <a:spLocks/>
+          </p:cNvSpPr>
+          <p:nvPr/>
+        </p:nvSpPr>
+        <p:spPr>
+          <a:xfrm>
+            <a:off x="4135001" y="1627754"/>
+            <a:ext cx="1769388" cy="826477"/>
+          </a:xfrm>
+          <a:prstGeom prst="rect">
+            <a:avLst/>
+          </a:prstGeom>
+        </p:spPr>
+        <p:txBody>
+          <a:bodyPr vert="horz" lIns="91440" tIns="45720" rIns="91440" bIns="45720" rtlCol="0">
+            <a:normAutofit lnSpcReduction="10000"/>
+          </a:bodyPr>
+          <a:lstStyle>
+            <a:lvl1pPr marL="228600" indent="-228600" algn="l" defTabSz="914400" rtl="0" eaLnBrk="1" latinLnBrk="0" hangingPunct="1">
+              <a:lnSpc>
+                <a:spcPct val="90000"/>
+              </a:lnSpc>
+              <a:spcBef>
+                <a:spcPts val="1000"/>
+              </a:spcBef>
+              <a:buFont typeface="Arial" panose="020B0604020202020204" pitchFamily="34" charset="0"/>
+              <a:buChar char="•"/>
+              <a:defRPr sz="2800" kern="1200">
+                <a:solidFill>
+                  <a:schemeClr val="tx1"/>
+                </a:solidFill>
+                <a:latin typeface="+mn-lt"/>
+                <a:ea typeface="+mn-ea"/>
+                <a:cs typeface="+mn-cs"/>
+              </a:defRPr>
+            </a:lvl1pPr>
+            <a:lvl2pPr marL="685800" indent="-228600" algn="l" defTabSz="914400" rtl="0" eaLnBrk="1" latinLnBrk="0" hangingPunct="1">
+              <a:lnSpc>
+                <a:spcPct val="90000"/>
+              </a:lnSpc>
+              <a:spcBef>
+                <a:spcPts val="500"/>
+              </a:spcBef>
+              <a:buFont typeface="Arial" panose="020B0604020202020204" pitchFamily="34" charset="0"/>
+              <a:buChar char="•"/>
+              <a:defRPr sz="2400" kern="1200">
+                <a:solidFill>
+                  <a:schemeClr val="tx1"/>
+                </a:solidFill>
+                <a:latin typeface="+mn-lt"/>
+                <a:ea typeface="+mn-ea"/>
+                <a:cs typeface="+mn-cs"/>
+              </a:defRPr>
+            </a:lvl2pPr>
+            <a:lvl3pPr marL="1143000" indent="-228600" algn="l" defTabSz="914400" rtl="0" eaLnBrk="1" latinLnBrk="0" hangingPunct="1">
+              <a:lnSpc>
+                <a:spcPct val="90000"/>
+              </a:lnSpc>
+              <a:spcBef>
+                <a:spcPts val="500"/>
+              </a:spcBef>
+              <a:buFont typeface="Arial" panose="020B0604020202020204" pitchFamily="34" charset="0"/>
+              <a:buChar char="•"/>
+              <a:defRPr sz="2000" kern="1200">
+                <a:solidFill>
+                  <a:schemeClr val="tx1"/>
+                </a:solidFill>
+                <a:latin typeface="+mn-lt"/>
+                <a:ea typeface="+mn-ea"/>
+                <a:cs typeface="+mn-cs"/>
+              </a:defRPr>
+            </a:lvl3pPr>
+            <a:lvl4pPr marL="1600200" indent="-228600" algn="l" defTabSz="914400" rtl="0" eaLnBrk="1" latinLnBrk="0" hangingPunct="1">
+              <a:lnSpc>
+                <a:spcPct val="90000"/>
+              </a:lnSpc>
+              <a:spcBef>
+                <a:spcPts val="500"/>
+              </a:spcBef>
+              <a:buFont typeface="Arial" panose="020B0604020202020204" pitchFamily="34" charset="0"/>
+              <a:buChar char="•"/>
+              <a:defRPr sz="1800" kern="1200">
+                <a:solidFill>
+                  <a:schemeClr val="tx1"/>
+                </a:solidFill>
+                <a:latin typeface="+mn-lt"/>
+                <a:ea typeface="+mn-ea"/>
+                <a:cs typeface="+mn-cs"/>
+              </a:defRPr>
+            </a:lvl4pPr>
+            <a:lvl5pPr marL="2057400" indent="-228600" algn="l" defTabSz="914400" rtl="0" eaLnBrk="1" latinLnBrk="0" hangingPunct="1">
+              <a:lnSpc>
+                <a:spcPct val="90000"/>
+              </a:lnSpc>
+              <a:spcBef>
+                <a:spcPts val="500"/>
+              </a:spcBef>
+              <a:buFont typeface="Arial" panose="020B0604020202020204" pitchFamily="34" charset="0"/>
+              <a:buChar char="•"/>
+              <a:defRPr sz="1800" kern="1200">
+                <a:solidFill>
+                  <a:schemeClr val="tx1"/>
+                </a:solidFill>
+                <a:latin typeface="+mn-lt"/>
+                <a:ea typeface="+mn-ea"/>
+                <a:cs typeface="+mn-cs"/>
+              </a:defRPr>
+            </a:lvl5pPr>
+            <a:lvl6pPr marL="2514600" indent="-228600" algn="l" defTabSz="914400" rtl="0" eaLnBrk="1" latinLnBrk="0" hangingPunct="1">
+              <a:lnSpc>
+                <a:spcPct val="90000"/>
+              </a:lnSpc>
+              <a:spcBef>
+                <a:spcPts val="500"/>
+              </a:spcBef>
+              <a:buFont typeface="Arial" panose="020B0604020202020204" pitchFamily="34" charset="0"/>
+              <a:buChar char="•"/>
+              <a:defRPr sz="1800" kern="1200">
+                <a:solidFill>
+                  <a:schemeClr val="tx1"/>
+                </a:solidFill>
+                <a:latin typeface="+mn-lt"/>
+                <a:ea typeface="+mn-ea"/>
+                <a:cs typeface="+mn-cs"/>
+              </a:defRPr>
+            </a:lvl6pPr>
+            <a:lvl7pPr marL="2971800" indent="-228600" algn="l" defTabSz="914400" rtl="0" eaLnBrk="1" latinLnBrk="0" hangingPunct="1">
+              <a:lnSpc>
+                <a:spcPct val="90000"/>
+              </a:lnSpc>
+              <a:spcBef>
+                <a:spcPts val="500"/>
+              </a:spcBef>
+              <a:buFont typeface="Arial" panose="020B0604020202020204" pitchFamily="34" charset="0"/>
+              <a:buChar char="•"/>
+              <a:defRPr sz="1800" kern="1200">
+                <a:solidFill>
+                  <a:schemeClr val="tx1"/>
+                </a:solidFill>
+                <a:latin typeface="+mn-lt"/>
+                <a:ea typeface="+mn-ea"/>
+                <a:cs typeface="+mn-cs"/>
+              </a:defRPr>
+            </a:lvl7pPr>
+            <a:lvl8pPr marL="3429000" indent="-228600" algn="l" defTabSz="914400" rtl="0" eaLnBrk="1" latinLnBrk="0" hangingPunct="1">
+              <a:lnSpc>
+                <a:spcPct val="90000"/>
+              </a:lnSpc>
+              <a:spcBef>
+                <a:spcPts val="500"/>
+              </a:spcBef>
+              <a:buFont typeface="Arial" panose="020B0604020202020204" pitchFamily="34" charset="0"/>
+              <a:buChar char="•"/>
+              <a:defRPr sz="1800" kern="1200">
+                <a:solidFill>
+                  <a:schemeClr val="tx1"/>
+                </a:solidFill>
+                <a:latin typeface="+mn-lt"/>
+                <a:ea typeface="+mn-ea"/>
+                <a:cs typeface="+mn-cs"/>
+              </a:defRPr>
+            </a:lvl8pPr>
+            <a:lvl9pPr marL="3886200" indent="-228600" algn="l" defTabSz="914400" rtl="0" eaLnBrk="1" latinLnBrk="0" hangingPunct="1">
+              <a:lnSpc>
+                <a:spcPct val="90000"/>
+              </a:lnSpc>
+              <a:spcBef>
+                <a:spcPts val="500"/>
+              </a:spcBef>
+              <a:buFont typeface="Arial" panose="020B0604020202020204" pitchFamily="34" charset="0"/>
+              <a:buChar char="•"/>
+              <a:defRPr sz="1800" kern="1200">
+                <a:solidFill>
+                  <a:schemeClr val="tx1"/>
+                </a:solidFill>
+                <a:latin typeface="+mn-lt"/>
+                <a:ea typeface="+mn-ea"/>
+                <a:cs typeface="+mn-cs"/>
+              </a:defRPr>
+            </a:lvl9pPr>
+          </a:lstStyle>
+          <a:p>
+            <a:pPr marL="0" indent="0" algn="ctr">
+              <a:buFont typeface="Arial" panose="020B0604020202020204" pitchFamily="34" charset="0"/>
+              <a:buNone/>
+            </a:pPr>
+            <a:r>
+              <a:rPr lang="en-US" dirty="0"/>
+              <a:t>Bird ID</a:t>
+            </a:r>
+          </a:p>
+          <a:p>
+            <a:pPr marL="0" indent="0">
+              <a:buFont typeface="Arial" panose="020B0604020202020204" pitchFamily="34" charset="0"/>
+              <a:buNone/>
+            </a:pPr>
+            <a:r>
+              <a:rPr lang="en-US" sz="1800" dirty="0"/>
+              <a:t>One measure/ID</a:t>
+            </a:r>
+          </a:p>
+        </p:txBody>
+      </p:sp>
+      <p:cxnSp>
+        <p:nvCxnSpPr>
+          <p:cNvPr id="15" name="Straight Arrow Connector 14">
+            <a:extLst>
+              <a:ext uri="{FF2B5EF4-FFF2-40B4-BE49-F238E27FC236}">
+                <a16:creationId xmlns:a16="http://schemas.microsoft.com/office/drawing/2014/main" id="{9076DEF9-9317-4A29-808E-CB9D9DA4AD94}"/>
+              </a:ext>
+            </a:extLst>
+          </p:cNvPr>
+          <p:cNvCxnSpPr>
+            <a:cxnSpLocks/>
+          </p:cNvCxnSpPr>
+          <p:nvPr/>
+        </p:nvCxnSpPr>
+        <p:spPr>
+          <a:xfrm flipH="1">
+            <a:off x="6260462" y="2205962"/>
+            <a:ext cx="175507" cy="730243"/>
+          </a:xfrm>
+          <a:prstGeom prst="straightConnector1">
+            <a:avLst/>
+          </a:prstGeom>
+          <a:ln>
+            <a:tailEnd type="triangle"/>
+          </a:ln>
+        </p:spPr>
+        <p:style>
+          <a:lnRef idx="3">
+            <a:schemeClr val="accent5"/>
+          </a:lnRef>
+          <a:fillRef idx="0">
+            <a:schemeClr val="accent5"/>
+          </a:fillRef>
+          <a:effectRef idx="2">
+            <a:schemeClr val="accent5"/>
+          </a:effectRef>
+          <a:fontRef idx="minor">
+            <a:schemeClr val="tx1"/>
+          </a:fontRef>
+        </p:style>
+      </p:cxnSp>
+      <p:sp>
+        <p:nvSpPr>
+          <p:cNvPr id="18" name="Content Placeholder 2">
+            <a:extLst>
+              <a:ext uri="{FF2B5EF4-FFF2-40B4-BE49-F238E27FC236}">
+                <a16:creationId xmlns:a16="http://schemas.microsoft.com/office/drawing/2014/main" id="{64E8D193-D7A2-41E7-83E6-4216FAEC0A21}"/>
+              </a:ext>
+            </a:extLst>
+          </p:cNvPr>
+          <p:cNvSpPr txBox="1">
+            <a:spLocks/>
+          </p:cNvSpPr>
+          <p:nvPr/>
+        </p:nvSpPr>
+        <p:spPr>
+          <a:xfrm>
+            <a:off x="5904389" y="1691722"/>
+            <a:ext cx="1393225" cy="537125"/>
+          </a:xfrm>
+          <a:prstGeom prst="rect">
+            <a:avLst/>
+          </a:prstGeom>
+        </p:spPr>
+        <p:txBody>
+          <a:bodyPr vert="horz" lIns="91440" tIns="45720" rIns="91440" bIns="45720" rtlCol="0">
+            <a:normAutofit/>
+          </a:bodyPr>
+          <a:lstStyle>
+            <a:lvl1pPr marL="228600" indent="-228600" algn="l" defTabSz="914400" rtl="0" eaLnBrk="1" latinLnBrk="0" hangingPunct="1">
+              <a:lnSpc>
+                <a:spcPct val="90000"/>
+              </a:lnSpc>
+              <a:spcBef>
+                <a:spcPts val="1000"/>
+              </a:spcBef>
+              <a:buFont typeface="Arial" panose="020B0604020202020204" pitchFamily="34" charset="0"/>
+              <a:buChar char="•"/>
+              <a:defRPr sz="2800" kern="1200">
+                <a:solidFill>
+                  <a:schemeClr val="tx1"/>
+                </a:solidFill>
+                <a:latin typeface="+mn-lt"/>
+                <a:ea typeface="+mn-ea"/>
+                <a:cs typeface="+mn-cs"/>
+              </a:defRPr>
+            </a:lvl1pPr>
+            <a:lvl2pPr marL="685800" indent="-228600" algn="l" defTabSz="914400" rtl="0" eaLnBrk="1" latinLnBrk="0" hangingPunct="1">
+              <a:lnSpc>
+                <a:spcPct val="90000"/>
+              </a:lnSpc>
+              <a:spcBef>
+                <a:spcPts val="500"/>
+              </a:spcBef>
+              <a:buFont typeface="Arial" panose="020B0604020202020204" pitchFamily="34" charset="0"/>
+              <a:buChar char="•"/>
+              <a:defRPr sz="2400" kern="1200">
+                <a:solidFill>
+                  <a:schemeClr val="tx1"/>
+                </a:solidFill>
+                <a:latin typeface="+mn-lt"/>
+                <a:ea typeface="+mn-ea"/>
+                <a:cs typeface="+mn-cs"/>
+              </a:defRPr>
+            </a:lvl2pPr>
+            <a:lvl3pPr marL="1143000" indent="-228600" algn="l" defTabSz="914400" rtl="0" eaLnBrk="1" latinLnBrk="0" hangingPunct="1">
+              <a:lnSpc>
+                <a:spcPct val="90000"/>
+              </a:lnSpc>
+              <a:spcBef>
+                <a:spcPts val="500"/>
+              </a:spcBef>
+              <a:buFont typeface="Arial" panose="020B0604020202020204" pitchFamily="34" charset="0"/>
+              <a:buChar char="•"/>
+              <a:defRPr sz="2000" kern="1200">
+                <a:solidFill>
+                  <a:schemeClr val="tx1"/>
+                </a:solidFill>
+                <a:latin typeface="+mn-lt"/>
+                <a:ea typeface="+mn-ea"/>
+                <a:cs typeface="+mn-cs"/>
+              </a:defRPr>
+            </a:lvl3pPr>
+            <a:lvl4pPr marL="1600200" indent="-228600" algn="l" defTabSz="914400" rtl="0" eaLnBrk="1" latinLnBrk="0" hangingPunct="1">
+              <a:lnSpc>
+                <a:spcPct val="90000"/>
+              </a:lnSpc>
+              <a:spcBef>
+                <a:spcPts val="500"/>
+              </a:spcBef>
+              <a:buFont typeface="Arial" panose="020B0604020202020204" pitchFamily="34" charset="0"/>
+              <a:buChar char="•"/>
+              <a:defRPr sz="1800" kern="1200">
+                <a:solidFill>
+                  <a:schemeClr val="tx1"/>
+                </a:solidFill>
+                <a:latin typeface="+mn-lt"/>
+                <a:ea typeface="+mn-ea"/>
+                <a:cs typeface="+mn-cs"/>
+              </a:defRPr>
+            </a:lvl4pPr>
+            <a:lvl5pPr marL="2057400" indent="-228600" algn="l" defTabSz="914400" rtl="0" eaLnBrk="1" latinLnBrk="0" hangingPunct="1">
+              <a:lnSpc>
+                <a:spcPct val="90000"/>
+              </a:lnSpc>
+              <a:spcBef>
+                <a:spcPts val="500"/>
+              </a:spcBef>
+              <a:buFont typeface="Arial" panose="020B0604020202020204" pitchFamily="34" charset="0"/>
+              <a:buChar char="•"/>
+              <a:defRPr sz="1800" kern="1200">
+                <a:solidFill>
+                  <a:schemeClr val="tx1"/>
+                </a:solidFill>
+                <a:latin typeface="+mn-lt"/>
+                <a:ea typeface="+mn-ea"/>
+                <a:cs typeface="+mn-cs"/>
+              </a:defRPr>
+            </a:lvl5pPr>
+            <a:lvl6pPr marL="2514600" indent="-228600" algn="l" defTabSz="914400" rtl="0" eaLnBrk="1" latinLnBrk="0" hangingPunct="1">
+              <a:lnSpc>
+                <a:spcPct val="90000"/>
+              </a:lnSpc>
+              <a:spcBef>
+                <a:spcPts val="500"/>
+              </a:spcBef>
+              <a:buFont typeface="Arial" panose="020B0604020202020204" pitchFamily="34" charset="0"/>
+              <a:buChar char="•"/>
+              <a:defRPr sz="1800" kern="1200">
+                <a:solidFill>
+                  <a:schemeClr val="tx1"/>
+                </a:solidFill>
+                <a:latin typeface="+mn-lt"/>
+                <a:ea typeface="+mn-ea"/>
+                <a:cs typeface="+mn-cs"/>
+              </a:defRPr>
+            </a:lvl6pPr>
+            <a:lvl7pPr marL="2971800" indent="-228600" algn="l" defTabSz="914400" rtl="0" eaLnBrk="1" latinLnBrk="0" hangingPunct="1">
+              <a:lnSpc>
+                <a:spcPct val="90000"/>
+              </a:lnSpc>
+              <a:spcBef>
+                <a:spcPts val="500"/>
+              </a:spcBef>
+              <a:buFont typeface="Arial" panose="020B0604020202020204" pitchFamily="34" charset="0"/>
+              <a:buChar char="•"/>
+              <a:defRPr sz="1800" kern="1200">
+                <a:solidFill>
+                  <a:schemeClr val="tx1"/>
+                </a:solidFill>
+                <a:latin typeface="+mn-lt"/>
+                <a:ea typeface="+mn-ea"/>
+                <a:cs typeface="+mn-cs"/>
+              </a:defRPr>
+            </a:lvl7pPr>
+            <a:lvl8pPr marL="3429000" indent="-228600" algn="l" defTabSz="914400" rtl="0" eaLnBrk="1" latinLnBrk="0" hangingPunct="1">
+              <a:lnSpc>
+                <a:spcPct val="90000"/>
+              </a:lnSpc>
+              <a:spcBef>
+                <a:spcPts val="500"/>
+              </a:spcBef>
+              <a:buFont typeface="Arial" panose="020B0604020202020204" pitchFamily="34" charset="0"/>
+              <a:buChar char="•"/>
+              <a:defRPr sz="1800" kern="1200">
+                <a:solidFill>
+                  <a:schemeClr val="tx1"/>
+                </a:solidFill>
+                <a:latin typeface="+mn-lt"/>
+                <a:ea typeface="+mn-ea"/>
+                <a:cs typeface="+mn-cs"/>
+              </a:defRPr>
+            </a:lvl8pPr>
+            <a:lvl9pPr marL="3886200" indent="-228600" algn="l" defTabSz="914400" rtl="0" eaLnBrk="1" latinLnBrk="0" hangingPunct="1">
+              <a:lnSpc>
+                <a:spcPct val="90000"/>
+              </a:lnSpc>
+              <a:spcBef>
+                <a:spcPts val="500"/>
+              </a:spcBef>
+              <a:buFont typeface="Arial" panose="020B0604020202020204" pitchFamily="34" charset="0"/>
+              <a:buChar char="•"/>
+              <a:defRPr sz="1800" kern="1200">
+                <a:solidFill>
+                  <a:schemeClr val="tx1"/>
+                </a:solidFill>
+                <a:latin typeface="+mn-lt"/>
+                <a:ea typeface="+mn-ea"/>
+                <a:cs typeface="+mn-cs"/>
+              </a:defRPr>
+            </a:lvl9pPr>
+          </a:lstStyle>
+          <a:p>
+            <a:pPr marL="0" indent="0">
+              <a:buFont typeface="Arial" panose="020B0604020202020204" pitchFamily="34" charset="0"/>
+              <a:buNone/>
+            </a:pPr>
+            <a:r>
+              <a:rPr lang="en-US" dirty="0"/>
+              <a:t>Mom ID</a:t>
+            </a:r>
+          </a:p>
+        </p:txBody>
+      </p:sp>
+      <p:cxnSp>
+        <p:nvCxnSpPr>
+          <p:cNvPr id="19" name="Straight Arrow Connector 18">
+            <a:extLst>
+              <a:ext uri="{FF2B5EF4-FFF2-40B4-BE49-F238E27FC236}">
+                <a16:creationId xmlns:a16="http://schemas.microsoft.com/office/drawing/2014/main" id="{2A9C821B-7B44-4A53-8BB1-62EA1568C586}"/>
+              </a:ext>
+            </a:extLst>
+          </p:cNvPr>
+          <p:cNvCxnSpPr>
+            <a:cxnSpLocks/>
+          </p:cNvCxnSpPr>
+          <p:nvPr/>
+        </p:nvCxnSpPr>
+        <p:spPr>
+          <a:xfrm>
+            <a:off x="9234909" y="2228847"/>
+            <a:ext cx="1" cy="730243"/>
+          </a:xfrm>
+          <a:prstGeom prst="straightConnector1">
+            <a:avLst/>
+          </a:prstGeom>
+          <a:ln>
+            <a:tailEnd type="triangle"/>
+          </a:ln>
+        </p:spPr>
+        <p:style>
+          <a:lnRef idx="3">
+            <a:schemeClr val="accent5"/>
+          </a:lnRef>
+          <a:fillRef idx="0">
+            <a:schemeClr val="accent5"/>
+          </a:fillRef>
+          <a:effectRef idx="2">
+            <a:schemeClr val="accent5"/>
+          </a:effectRef>
+          <a:fontRef idx="minor">
+            <a:schemeClr val="tx1"/>
+          </a:fontRef>
+        </p:style>
+      </p:cxnSp>
+      <p:sp>
+        <p:nvSpPr>
+          <p:cNvPr id="21" name="Content Placeholder 2">
+            <a:extLst>
+              <a:ext uri="{FF2B5EF4-FFF2-40B4-BE49-F238E27FC236}">
+                <a16:creationId xmlns:a16="http://schemas.microsoft.com/office/drawing/2014/main" id="{3B0B274B-0708-4B72-A516-A4871A858302}"/>
+              </a:ext>
+            </a:extLst>
+          </p:cNvPr>
+          <p:cNvSpPr txBox="1">
+            <a:spLocks/>
+          </p:cNvSpPr>
+          <p:nvPr/>
+        </p:nvSpPr>
+        <p:spPr>
+          <a:xfrm>
+            <a:off x="8614137" y="1726665"/>
+            <a:ext cx="1393225" cy="537125"/>
+          </a:xfrm>
+          <a:prstGeom prst="rect">
+            <a:avLst/>
+          </a:prstGeom>
+        </p:spPr>
+        <p:txBody>
+          <a:bodyPr vert="horz" lIns="91440" tIns="45720" rIns="91440" bIns="45720" rtlCol="0">
+            <a:normAutofit/>
+          </a:bodyPr>
+          <a:lstStyle>
+            <a:lvl1pPr marL="228600" indent="-228600" algn="l" defTabSz="914400" rtl="0" eaLnBrk="1" latinLnBrk="0" hangingPunct="1">
+              <a:lnSpc>
+                <a:spcPct val="90000"/>
+              </a:lnSpc>
+              <a:spcBef>
+                <a:spcPts val="1000"/>
+              </a:spcBef>
+              <a:buFont typeface="Arial" panose="020B0604020202020204" pitchFamily="34" charset="0"/>
+              <a:buChar char="•"/>
+              <a:defRPr sz="2800" kern="1200">
+                <a:solidFill>
+                  <a:schemeClr val="tx1"/>
+                </a:solidFill>
+                <a:latin typeface="+mn-lt"/>
+                <a:ea typeface="+mn-ea"/>
+                <a:cs typeface="+mn-cs"/>
+              </a:defRPr>
+            </a:lvl1pPr>
+            <a:lvl2pPr marL="685800" indent="-228600" algn="l" defTabSz="914400" rtl="0" eaLnBrk="1" latinLnBrk="0" hangingPunct="1">
+              <a:lnSpc>
+                <a:spcPct val="90000"/>
+              </a:lnSpc>
+              <a:spcBef>
+                <a:spcPts val="500"/>
+              </a:spcBef>
+              <a:buFont typeface="Arial" panose="020B0604020202020204" pitchFamily="34" charset="0"/>
+              <a:buChar char="•"/>
+              <a:defRPr sz="2400" kern="1200">
+                <a:solidFill>
+                  <a:schemeClr val="tx1"/>
+                </a:solidFill>
+                <a:latin typeface="+mn-lt"/>
+                <a:ea typeface="+mn-ea"/>
+                <a:cs typeface="+mn-cs"/>
+              </a:defRPr>
+            </a:lvl2pPr>
+            <a:lvl3pPr marL="1143000" indent="-228600" algn="l" defTabSz="914400" rtl="0" eaLnBrk="1" latinLnBrk="0" hangingPunct="1">
+              <a:lnSpc>
+                <a:spcPct val="90000"/>
+              </a:lnSpc>
+              <a:spcBef>
+                <a:spcPts val="500"/>
+              </a:spcBef>
+              <a:buFont typeface="Arial" panose="020B0604020202020204" pitchFamily="34" charset="0"/>
+              <a:buChar char="•"/>
+              <a:defRPr sz="2000" kern="1200">
+                <a:solidFill>
+                  <a:schemeClr val="tx1"/>
+                </a:solidFill>
+                <a:latin typeface="+mn-lt"/>
+                <a:ea typeface="+mn-ea"/>
+                <a:cs typeface="+mn-cs"/>
+              </a:defRPr>
+            </a:lvl3pPr>
+            <a:lvl4pPr marL="1600200" indent="-228600" algn="l" defTabSz="914400" rtl="0" eaLnBrk="1" latinLnBrk="0" hangingPunct="1">
+              <a:lnSpc>
+                <a:spcPct val="90000"/>
+              </a:lnSpc>
+              <a:spcBef>
+                <a:spcPts val="500"/>
+              </a:spcBef>
+              <a:buFont typeface="Arial" panose="020B0604020202020204" pitchFamily="34" charset="0"/>
+              <a:buChar char="•"/>
+              <a:defRPr sz="1800" kern="1200">
+                <a:solidFill>
+                  <a:schemeClr val="tx1"/>
+                </a:solidFill>
+                <a:latin typeface="+mn-lt"/>
+                <a:ea typeface="+mn-ea"/>
+                <a:cs typeface="+mn-cs"/>
+              </a:defRPr>
+            </a:lvl4pPr>
+            <a:lvl5pPr marL="2057400" indent="-228600" algn="l" defTabSz="914400" rtl="0" eaLnBrk="1" latinLnBrk="0" hangingPunct="1">
+              <a:lnSpc>
+                <a:spcPct val="90000"/>
+              </a:lnSpc>
+              <a:spcBef>
+                <a:spcPts val="500"/>
+              </a:spcBef>
+              <a:buFont typeface="Arial" panose="020B0604020202020204" pitchFamily="34" charset="0"/>
+              <a:buChar char="•"/>
+              <a:defRPr sz="1800" kern="1200">
+                <a:solidFill>
+                  <a:schemeClr val="tx1"/>
+                </a:solidFill>
+                <a:latin typeface="+mn-lt"/>
+                <a:ea typeface="+mn-ea"/>
+                <a:cs typeface="+mn-cs"/>
+              </a:defRPr>
+            </a:lvl5pPr>
+            <a:lvl6pPr marL="2514600" indent="-228600" algn="l" defTabSz="914400" rtl="0" eaLnBrk="1" latinLnBrk="0" hangingPunct="1">
+              <a:lnSpc>
+                <a:spcPct val="90000"/>
+              </a:lnSpc>
+              <a:spcBef>
+                <a:spcPts val="500"/>
+              </a:spcBef>
+              <a:buFont typeface="Arial" panose="020B0604020202020204" pitchFamily="34" charset="0"/>
+              <a:buChar char="•"/>
+              <a:defRPr sz="1800" kern="1200">
+                <a:solidFill>
+                  <a:schemeClr val="tx1"/>
+                </a:solidFill>
+                <a:latin typeface="+mn-lt"/>
+                <a:ea typeface="+mn-ea"/>
+                <a:cs typeface="+mn-cs"/>
+              </a:defRPr>
+            </a:lvl6pPr>
+            <a:lvl7pPr marL="2971800" indent="-228600" algn="l" defTabSz="914400" rtl="0" eaLnBrk="1" latinLnBrk="0" hangingPunct="1">
+              <a:lnSpc>
+                <a:spcPct val="90000"/>
+              </a:lnSpc>
+              <a:spcBef>
+                <a:spcPts val="500"/>
+              </a:spcBef>
+              <a:buFont typeface="Arial" panose="020B0604020202020204" pitchFamily="34" charset="0"/>
+              <a:buChar char="•"/>
+              <a:defRPr sz="1800" kern="1200">
+                <a:solidFill>
+                  <a:schemeClr val="tx1"/>
+                </a:solidFill>
+                <a:latin typeface="+mn-lt"/>
+                <a:ea typeface="+mn-ea"/>
+                <a:cs typeface="+mn-cs"/>
+              </a:defRPr>
+            </a:lvl7pPr>
+            <a:lvl8pPr marL="3429000" indent="-228600" algn="l" defTabSz="914400" rtl="0" eaLnBrk="1" latinLnBrk="0" hangingPunct="1">
+              <a:lnSpc>
+                <a:spcPct val="90000"/>
+              </a:lnSpc>
+              <a:spcBef>
+                <a:spcPts val="500"/>
+              </a:spcBef>
+              <a:buFont typeface="Arial" panose="020B0604020202020204" pitchFamily="34" charset="0"/>
+              <a:buChar char="•"/>
+              <a:defRPr sz="1800" kern="1200">
+                <a:solidFill>
+                  <a:schemeClr val="tx1"/>
+                </a:solidFill>
+                <a:latin typeface="+mn-lt"/>
+                <a:ea typeface="+mn-ea"/>
+                <a:cs typeface="+mn-cs"/>
+              </a:defRPr>
+            </a:lvl8pPr>
+            <a:lvl9pPr marL="3886200" indent="-228600" algn="l" defTabSz="914400" rtl="0" eaLnBrk="1" latinLnBrk="0" hangingPunct="1">
+              <a:lnSpc>
+                <a:spcPct val="90000"/>
+              </a:lnSpc>
+              <a:spcBef>
+                <a:spcPts val="500"/>
+              </a:spcBef>
+              <a:buFont typeface="Arial" panose="020B0604020202020204" pitchFamily="34" charset="0"/>
+              <a:buChar char="•"/>
+              <a:defRPr sz="1800" kern="1200">
+                <a:solidFill>
+                  <a:schemeClr val="tx1"/>
+                </a:solidFill>
+                <a:latin typeface="+mn-lt"/>
+                <a:ea typeface="+mn-ea"/>
+                <a:cs typeface="+mn-cs"/>
+              </a:defRPr>
+            </a:lvl9pPr>
+          </a:lstStyle>
+          <a:p>
+            <a:pPr marL="0" indent="0">
+              <a:buFont typeface="Arial" panose="020B0604020202020204" pitchFamily="34" charset="0"/>
+              <a:buNone/>
+            </a:pPr>
+            <a:r>
+              <a:rPr lang="en-US" dirty="0"/>
+              <a:t>Bird sex</a:t>
+            </a:r>
+          </a:p>
+        </p:txBody>
+      </p:sp>
+    </p:spTree>
+    <p:extLst>
+      <p:ext uri="{BB962C8B-B14F-4D97-AF65-F5344CB8AC3E}">
+        <p14:creationId xmlns:p14="http://schemas.microsoft.com/office/powerpoint/2010/main" val="2817806619"/>
+      </p:ext>
+    </p:extLst>
+  </p:cSld>
+  <p:clrMapOvr>
+    <a:masterClrMapping/>
+  </p:clrMapOvr>
+  <p:timing>
+    <p:tnLst>
+      <p:par>
+        <p:cTn id="1" dur="indefinite" restart="never" nodeType="tmRoot">
+          <p:childTnLst>
+            <p:seq concurrent="1" nextAc="seek">
+              <p:cTn id="2" dur="indefinite" nodeType="mainSeq">
+                <p:childTnLst>
+                  <p:par>
+                    <p:cTn id="3" fill="hold">
+                      <p:stCondLst>
+                        <p:cond delay="indefinite"/>
+                        <p:cond evt="onBegin" delay="0">
+                          <p:tn val="2"/>
+                        </p:cond>
+                      </p:stCondLst>
+                      <p:childTnLst>
+                        <p:par>
+                          <p:cTn id="4" fill="hold">
+                            <p:stCondLst>
+                              <p:cond delay="0"/>
+                            </p:stCondLst>
+                            <p:childTnLst>
+                              <p:par>
+                                <p:cTn id="5" presetID="1" presetClass="entr" presetSubtype="0" fill="hold" nodeType="withEffect">
+                                  <p:stCondLst>
+                                    <p:cond delay="0"/>
+                                  </p:stCondLst>
+                                  <p:childTnLst>
+                                    <p:set>
+                                      <p:cBhvr>
+                                        <p:cTn id="6" dur="1" fill="hold">
+                                          <p:stCondLst>
+                                            <p:cond delay="0"/>
+                                          </p:stCondLst>
+                                        </p:cTn>
+                                        <p:tgtEl>
+                                          <p:spTgt spid="7"/>
+                                        </p:tgtEl>
+                                        <p:attrNameLst>
+                                          <p:attrName>style.visibility</p:attrName>
+                                        </p:attrNameLst>
+                                      </p:cBhvr>
+                                      <p:to>
+                                        <p:strVal val="visible"/>
+                                      </p:to>
+                                    </p:set>
+                                  </p:childTnLst>
+                                </p:cTn>
+                              </p:par>
+                            </p:childTnLst>
+                          </p:cTn>
+                        </p:par>
+                      </p:childTnLst>
+                    </p:cTn>
+                  </p:par>
+                  <p:par>
+                    <p:cTn id="7" fill="hold">
+                      <p:stCondLst>
+                        <p:cond delay="indefinite"/>
+                      </p:stCondLst>
+                      <p:childTnLst>
+                        <p:par>
+                          <p:cTn id="8" fill="hold">
+                            <p:stCondLst>
+                              <p:cond delay="0"/>
+                            </p:stCondLst>
+                            <p:childTnLst>
+                              <p:par>
+                                <p:cTn id="9" presetID="1" presetClass="entr" presetSubtype="0" fill="hold" grpId="0" nodeType="clickEffect">
+                                  <p:stCondLst>
+                                    <p:cond delay="0"/>
+                                  </p:stCondLst>
+                                  <p:childTnLst>
+                                    <p:set>
+                                      <p:cBhvr>
+                                        <p:cTn id="10" dur="1" fill="hold">
+                                          <p:stCondLst>
+                                            <p:cond delay="0"/>
+                                          </p:stCondLst>
+                                        </p:cTn>
+                                        <p:tgtEl>
+                                          <p:spTgt spid="10"/>
+                                        </p:tgtEl>
+                                        <p:attrNameLst>
+                                          <p:attrName>style.visibility</p:attrName>
+                                        </p:attrNameLst>
+                                      </p:cBhvr>
+                                      <p:to>
+                                        <p:strVal val="visible"/>
+                                      </p:to>
+                                    </p:set>
+                                  </p:childTnLst>
+                                </p:cTn>
+                              </p:par>
+                              <p:par>
+                                <p:cTn id="11" presetID="1" presetClass="entr" presetSubtype="0" fill="hold" nodeType="withEffect">
+                                  <p:stCondLst>
+                                    <p:cond delay="0"/>
+                                  </p:stCondLst>
+                                  <p:childTnLst>
+                                    <p:set>
+                                      <p:cBhvr>
+                                        <p:cTn id="12" dur="1" fill="hold">
+                                          <p:stCondLst>
+                                            <p:cond delay="0"/>
+                                          </p:stCondLst>
+                                        </p:cTn>
+                                        <p:tgtEl>
+                                          <p:spTgt spid="11"/>
+                                        </p:tgtEl>
+                                        <p:attrNameLst>
+                                          <p:attrName>style.visibility</p:attrName>
+                                        </p:attrNameLst>
+                                      </p:cBhvr>
+                                      <p:to>
+                                        <p:strVal val="visible"/>
+                                      </p:to>
+                                    </p:set>
+                                  </p:childTnLst>
+                                </p:cTn>
+                              </p:par>
+                            </p:childTnLst>
+                          </p:cTn>
+                        </p:par>
+                      </p:childTnLst>
+                    </p:cTn>
+                  </p:par>
+                  <p:par>
+                    <p:cTn id="13" fill="hold">
+                      <p:stCondLst>
+                        <p:cond delay="indefinite"/>
+                      </p:stCondLst>
+                      <p:childTnLst>
+                        <p:par>
+                          <p:cTn id="14" fill="hold">
+                            <p:stCondLst>
+                              <p:cond delay="0"/>
+                            </p:stCondLst>
+                            <p:childTnLst>
+                              <p:par>
+                                <p:cTn id="15" presetID="1" presetClass="entr" presetSubtype="0" fill="hold" grpId="0" nodeType="clickEffect">
+                                  <p:stCondLst>
+                                    <p:cond delay="0"/>
+                                  </p:stCondLst>
+                                  <p:childTnLst>
+                                    <p:set>
+                                      <p:cBhvr>
+                                        <p:cTn id="16" dur="1" fill="hold">
+                                          <p:stCondLst>
+                                            <p:cond delay="0"/>
+                                          </p:stCondLst>
+                                        </p:cTn>
+                                        <p:tgtEl>
+                                          <p:spTgt spid="13"/>
+                                        </p:tgtEl>
+                                        <p:attrNameLst>
+                                          <p:attrName>style.visibility</p:attrName>
+                                        </p:attrNameLst>
+                                      </p:cBhvr>
+                                      <p:to>
+                                        <p:strVal val="visible"/>
+                                      </p:to>
+                                    </p:set>
+                                  </p:childTnLst>
+                                </p:cTn>
+                              </p:par>
+                              <p:par>
+                                <p:cTn id="17" presetID="1" presetClass="entr" presetSubtype="0" fill="hold" nodeType="withEffect">
+                                  <p:stCondLst>
+                                    <p:cond delay="0"/>
+                                  </p:stCondLst>
+                                  <p:childTnLst>
+                                    <p:set>
+                                      <p:cBhvr>
+                                        <p:cTn id="18" dur="1" fill="hold">
+                                          <p:stCondLst>
+                                            <p:cond delay="0"/>
+                                          </p:stCondLst>
+                                        </p:cTn>
+                                        <p:tgtEl>
+                                          <p:spTgt spid="15"/>
+                                        </p:tgtEl>
+                                        <p:attrNameLst>
+                                          <p:attrName>style.visibility</p:attrName>
+                                        </p:attrNameLst>
+                                      </p:cBhvr>
+                                      <p:to>
+                                        <p:strVal val="visible"/>
+                                      </p:to>
+                                    </p:set>
+                                  </p:childTnLst>
+                                </p:cTn>
+                              </p:par>
+                            </p:childTnLst>
+                          </p:cTn>
+                        </p:par>
+                      </p:childTnLst>
+                    </p:cTn>
+                  </p:par>
+                  <p:par>
+                    <p:cTn id="19" fill="hold">
+                      <p:stCondLst>
+                        <p:cond delay="indefinite"/>
+                      </p:stCondLst>
+                      <p:childTnLst>
+                        <p:par>
+                          <p:cTn id="20" fill="hold">
+                            <p:stCondLst>
+                              <p:cond delay="0"/>
+                            </p:stCondLst>
+                            <p:childTnLst>
+                              <p:par>
+                                <p:cTn id="21" presetID="1" presetClass="entr" presetSubtype="0" fill="hold" grpId="0" nodeType="clickEffect">
+                                  <p:stCondLst>
+                                    <p:cond delay="0"/>
+                                  </p:stCondLst>
+                                  <p:childTnLst>
+                                    <p:set>
+                                      <p:cBhvr>
+                                        <p:cTn id="22" dur="1" fill="hold">
+                                          <p:stCondLst>
+                                            <p:cond delay="0"/>
+                                          </p:stCondLst>
+                                        </p:cTn>
+                                        <p:tgtEl>
+                                          <p:spTgt spid="18"/>
+                                        </p:tgtEl>
+                                        <p:attrNameLst>
+                                          <p:attrName>style.visibility</p:attrName>
+                                        </p:attrNameLst>
+                                      </p:cBhvr>
+                                      <p:to>
+                                        <p:strVal val="visible"/>
+                                      </p:to>
+                                    </p:set>
+                                  </p:childTnLst>
+                                </p:cTn>
+                              </p:par>
+                              <p:par>
+                                <p:cTn id="23" presetID="1" presetClass="entr" presetSubtype="0" fill="hold" nodeType="withEffect">
+                                  <p:stCondLst>
+                                    <p:cond delay="0"/>
+                                  </p:stCondLst>
+                                  <p:childTnLst>
+                                    <p:set>
+                                      <p:cBhvr>
+                                        <p:cTn id="24" dur="1" fill="hold">
+                                          <p:stCondLst>
+                                            <p:cond delay="0"/>
+                                          </p:stCondLst>
+                                        </p:cTn>
+                                        <p:tgtEl>
+                                          <p:spTgt spid="19"/>
+                                        </p:tgtEl>
+                                        <p:attrNameLst>
+                                          <p:attrName>style.visibility</p:attrName>
+                                        </p:attrNameLst>
+                                      </p:cBhvr>
+                                      <p:to>
+                                        <p:strVal val="visible"/>
+                                      </p:to>
+                                    </p:set>
+                                  </p:childTnLst>
+                                </p:cTn>
+                              </p:par>
+                            </p:childTnLst>
+                          </p:cTn>
+                        </p:par>
+                      </p:childTnLst>
+                    </p:cTn>
+                  </p:par>
+                  <p:par>
+                    <p:cTn id="25" fill="hold">
+                      <p:stCondLst>
+                        <p:cond delay="indefinite"/>
+                      </p:stCondLst>
+                      <p:childTnLst>
+                        <p:par>
+                          <p:cTn id="26" fill="hold">
+                            <p:stCondLst>
+                              <p:cond delay="0"/>
+                            </p:stCondLst>
+                            <p:childTnLst>
+                              <p:par>
+                                <p:cTn id="27" presetID="1" presetClass="entr" presetSubtype="0" fill="hold" grpId="0" nodeType="clickEffect">
+                                  <p:stCondLst>
+                                    <p:cond delay="0"/>
+                                  </p:stCondLst>
+                                  <p:childTnLst>
+                                    <p:set>
+                                      <p:cBhvr>
+                                        <p:cTn id="28" dur="1" fill="hold">
+                                          <p:stCondLst>
+                                            <p:cond delay="0"/>
+                                          </p:stCondLst>
+                                        </p:cTn>
+                                        <p:tgtEl>
+                                          <p:spTgt spid="21"/>
+                                        </p:tgtEl>
+                                        <p:attrNameLst>
+                                          <p:attrName>style.visibility</p:attrName>
+                                        </p:attrNameLst>
+                                      </p:cBhvr>
+                                      <p:to>
+                                        <p:strVal val="visible"/>
+                                      </p:to>
+                                    </p:set>
+                                  </p:childTnLst>
+                                </p:cTn>
+                              </p:par>
+                            </p:childTnLst>
+                          </p:cTn>
+                        </p:par>
+                      </p:childTnLst>
+                    </p:cTn>
+                  </p:par>
+                </p:childTnLst>
+              </p:cTn>
+              <p:prevCondLst>
+                <p:cond evt="onPrev" delay="0">
+                  <p:tgtEl>
+                    <p:sldTgt/>
+                  </p:tgtEl>
+                </p:cond>
+              </p:prevCondLst>
+              <p:nextCondLst>
+                <p:cond evt="onNext" delay="0">
+                  <p:tgtEl>
+                    <p:sldTgt/>
+                  </p:tgtEl>
+                </p:cond>
+              </p:nextCondLst>
+            </p:seq>
+          </p:childTnLst>
+        </p:cTn>
+      </p:par>
+    </p:tnLst>
+    <p:bldLst>
+      <p:bldP spid="10" grpId="0"/>
+      <p:bldP spid="13" grpId="0"/>
+      <p:bldP spid="18" grpId="0"/>
+      <p:bldP spid="21" grpId="0"/>
+    </p:bldLst>
+  </p:timing>
+</p:sld>
+</file>
+
+<file path=ppt/slides/slide16.xml><?xml version="1.0" encoding="utf-8"?>
+<p:sld xmlns:a="http://schemas.openxmlformats.org/drawingml/2006/main" xmlns:r="http://schemas.openxmlformats.org/officeDocument/2006/relationships" xmlns:p="http://schemas.openxmlformats.org/presentationml/2006/main">
+  <p:cSld>
+    <p:spTree>
+      <p:nvGrpSpPr>
+        <p:cNvPr id="1" name=""/>
+        <p:cNvGrpSpPr/>
+        <p:nvPr/>
+      </p:nvGrpSpPr>
+      <p:grpSpPr>
+        <a:xfrm>
+          <a:off x="0" y="0"/>
+          <a:ext cx="0" cy="0"/>
+          <a:chOff x="0" y="0"/>
+          <a:chExt cx="0" cy="0"/>
+        </a:xfrm>
+      </p:grpSpPr>
+      <p:sp>
+        <p:nvSpPr>
+          <p:cNvPr id="4" name="Title 1">
+            <a:extLst>
+              <a:ext uri="{FF2B5EF4-FFF2-40B4-BE49-F238E27FC236}">
+                <a16:creationId xmlns:a16="http://schemas.microsoft.com/office/drawing/2014/main" id="{09704035-3512-4E61-B4C7-9EDEDAC80E5C}"/>
+              </a:ext>
+            </a:extLst>
+          </p:cNvPr>
+          <p:cNvSpPr txBox="1">
+            <a:spLocks/>
+          </p:cNvSpPr>
+          <p:nvPr/>
+        </p:nvSpPr>
+        <p:spPr>
+          <a:xfrm>
+            <a:off x="0" y="158923"/>
+            <a:ext cx="12192000" cy="789796"/>
+          </a:xfrm>
+          <a:prstGeom prst="rect">
+            <a:avLst/>
+          </a:prstGeom>
+          <a:solidFill>
+            <a:schemeClr val="accent1"/>
+          </a:solidFill>
+        </p:spPr>
+        <p:txBody>
+          <a:bodyPr vert="horz" lIns="91440" tIns="45720" rIns="91440" bIns="45720" rtlCol="0" anchor="ctr">
+            <a:normAutofit/>
+          </a:bodyPr>
+          <a:lstStyle>
+            <a:lvl1pPr algn="l" defTabSz="914400" rtl="0" eaLnBrk="1" latinLnBrk="0" hangingPunct="1">
+              <a:lnSpc>
+                <a:spcPct val="90000"/>
+              </a:lnSpc>
+              <a:spcBef>
+                <a:spcPct val="0"/>
+              </a:spcBef>
+              <a:buNone/>
+              <a:defRPr sz="4400" kern="1200">
+                <a:solidFill>
+                  <a:schemeClr val="tx1"/>
+                </a:solidFill>
+                <a:latin typeface="+mj-lt"/>
+                <a:ea typeface="+mj-ea"/>
+                <a:cs typeface="+mj-cs"/>
+              </a:defRPr>
+            </a:lvl1pPr>
+          </a:lstStyle>
+          <a:p>
+            <a:r>
+              <a:rPr lang="fr-CA" dirty="0">
+                <a:solidFill>
+                  <a:schemeClr val="bg1"/>
+                </a:solidFill>
+                <a:latin typeface="Courier New" panose="02070309020205020404" pitchFamily="49" charset="0"/>
+                <a:cs typeface="Courier New" panose="02070309020205020404" pitchFamily="49" charset="0"/>
+              </a:rPr>
+              <a:t>Stan</a:t>
+            </a:r>
+            <a:r>
+              <a:rPr lang="fr-CA" dirty="0">
+                <a:solidFill>
+                  <a:schemeClr val="bg1"/>
+                </a:solidFill>
+                <a:cs typeface="Courier New" panose="02070309020205020404" pitchFamily="49" charset="0"/>
+              </a:rPr>
+              <a:t> </a:t>
+            </a:r>
+            <a:r>
+              <a:rPr lang="fr-CA" dirty="0" err="1">
+                <a:solidFill>
+                  <a:schemeClr val="bg1"/>
+                </a:solidFill>
+                <a:cs typeface="Courier New" panose="02070309020205020404" pitchFamily="49" charset="0"/>
+              </a:rPr>
+              <a:t>hates</a:t>
+            </a:r>
+            <a:r>
+              <a:rPr lang="fr-CA" dirty="0">
+                <a:solidFill>
+                  <a:schemeClr val="bg1"/>
+                </a:solidFill>
+                <a:cs typeface="Courier New" panose="02070309020205020404" pitchFamily="49" charset="0"/>
+              </a:rPr>
+              <a:t> factor… </a:t>
+            </a:r>
+            <a:r>
+              <a:rPr lang="fr-CA" dirty="0" err="1">
+                <a:solidFill>
+                  <a:schemeClr val="bg1"/>
+                </a:solidFill>
+                <a:cs typeface="Courier New" panose="02070309020205020404" pitchFamily="49" charset="0"/>
+              </a:rPr>
+              <a:t>so</a:t>
+            </a:r>
+            <a:r>
+              <a:rPr lang="fr-CA" dirty="0">
+                <a:solidFill>
+                  <a:schemeClr val="bg1"/>
+                </a:solidFill>
+                <a:cs typeface="Courier New" panose="02070309020205020404" pitchFamily="49" charset="0"/>
+              </a:rPr>
+              <a:t> </a:t>
+            </a:r>
+            <a:r>
+              <a:rPr lang="fr-CA" dirty="0" err="1">
+                <a:solidFill>
+                  <a:schemeClr val="bg1"/>
+                </a:solidFill>
+                <a:cs typeface="Courier New" panose="02070309020205020404" pitchFamily="49" charset="0"/>
+              </a:rPr>
+              <a:t>make</a:t>
+            </a:r>
+            <a:r>
+              <a:rPr lang="fr-CA" dirty="0">
+                <a:solidFill>
+                  <a:schemeClr val="bg1"/>
+                </a:solidFill>
+                <a:cs typeface="Courier New" panose="02070309020205020404" pitchFamily="49" charset="0"/>
+              </a:rPr>
+              <a:t> </a:t>
+            </a:r>
+            <a:r>
+              <a:rPr lang="fr-CA" dirty="0" err="1">
+                <a:solidFill>
+                  <a:schemeClr val="bg1"/>
+                </a:solidFill>
+                <a:cs typeface="Courier New" panose="02070309020205020404" pitchFamily="49" charset="0"/>
+              </a:rPr>
+              <a:t>it</a:t>
+            </a:r>
+            <a:r>
+              <a:rPr lang="fr-CA" dirty="0">
+                <a:solidFill>
+                  <a:schemeClr val="bg1"/>
+                </a:solidFill>
+                <a:cs typeface="Courier New" panose="02070309020205020404" pitchFamily="49" charset="0"/>
+              </a:rPr>
+              <a:t> </a:t>
+            </a:r>
+            <a:r>
+              <a:rPr lang="fr-CA" dirty="0" err="1">
+                <a:solidFill>
+                  <a:schemeClr val="bg1"/>
+                </a:solidFill>
+                <a:cs typeface="Courier New" panose="02070309020205020404" pitchFamily="49" charset="0"/>
+              </a:rPr>
+              <a:t>integer</a:t>
+            </a:r>
+            <a:r>
+              <a:rPr lang="fr-CA" dirty="0">
+                <a:solidFill>
+                  <a:schemeClr val="bg1"/>
+                </a:solidFill>
+                <a:cs typeface="Courier New" panose="02070309020205020404" pitchFamily="49" charset="0"/>
+              </a:rPr>
+              <a:t>!</a:t>
+            </a:r>
+            <a:endParaRPr lang="en-CA" dirty="0">
+              <a:solidFill>
+                <a:schemeClr val="bg1"/>
+              </a:solidFill>
+            </a:endParaRPr>
+          </a:p>
+        </p:txBody>
+      </p:sp>
+      <p:pic>
+        <p:nvPicPr>
+          <p:cNvPr id="6" name="Picture 5">
+            <a:extLst>
+              <a:ext uri="{FF2B5EF4-FFF2-40B4-BE49-F238E27FC236}">
+                <a16:creationId xmlns:a16="http://schemas.microsoft.com/office/drawing/2014/main" id="{1C474C18-E43A-4650-B215-B7DD846C49EF}"/>
+              </a:ext>
+            </a:extLst>
+          </p:cNvPr>
+          <p:cNvPicPr>
+            <a:picLocks noChangeAspect="1"/>
+          </p:cNvPicPr>
+          <p:nvPr/>
+        </p:nvPicPr>
+        <p:blipFill>
+          <a:blip r:embed="rId2"/>
+          <a:stretch>
+            <a:fillRect/>
+          </a:stretch>
+        </p:blipFill>
+        <p:spPr>
+          <a:xfrm>
+            <a:off x="260969" y="1233501"/>
+            <a:ext cx="4900116" cy="1759271"/>
+          </a:xfrm>
+          <a:prstGeom prst="rect">
+            <a:avLst/>
+          </a:prstGeom>
+        </p:spPr>
+      </p:pic>
+      <p:pic>
+        <p:nvPicPr>
+          <p:cNvPr id="8" name="Picture 7">
+            <a:extLst>
+              <a:ext uri="{FF2B5EF4-FFF2-40B4-BE49-F238E27FC236}">
+                <a16:creationId xmlns:a16="http://schemas.microsoft.com/office/drawing/2014/main" id="{C8C5A988-A926-48DD-9310-1FB575B41738}"/>
+              </a:ext>
+            </a:extLst>
+          </p:cNvPr>
+          <p:cNvPicPr>
+            <a:picLocks noChangeAspect="1"/>
+          </p:cNvPicPr>
+          <p:nvPr/>
+        </p:nvPicPr>
+        <p:blipFill>
+          <a:blip r:embed="rId3"/>
+          <a:stretch>
+            <a:fillRect/>
+          </a:stretch>
+        </p:blipFill>
+        <p:spPr>
+          <a:xfrm>
+            <a:off x="3306691" y="3496285"/>
+            <a:ext cx="8249354" cy="3202792"/>
+          </a:xfrm>
+          <a:prstGeom prst="rect">
+            <a:avLst/>
+          </a:prstGeom>
+        </p:spPr>
+      </p:pic>
+      <p:sp>
+        <p:nvSpPr>
+          <p:cNvPr id="9" name="Right Bracket 8">
+            <a:extLst>
+              <a:ext uri="{FF2B5EF4-FFF2-40B4-BE49-F238E27FC236}">
+                <a16:creationId xmlns:a16="http://schemas.microsoft.com/office/drawing/2014/main" id="{51C7A6A9-277D-4478-9143-FC045F8BBF97}"/>
+              </a:ext>
+            </a:extLst>
+          </p:cNvPr>
+          <p:cNvSpPr/>
+          <p:nvPr/>
+        </p:nvSpPr>
+        <p:spPr>
+          <a:xfrm>
+            <a:off x="4668715" y="1831782"/>
+            <a:ext cx="254977" cy="562708"/>
+          </a:xfrm>
+          <a:prstGeom prst="rightBracket">
+            <a:avLst/>
+          </a:prstGeom>
+        </p:spPr>
+        <p:style>
+          <a:lnRef idx="3">
+            <a:schemeClr val="accent5"/>
+          </a:lnRef>
+          <a:fillRef idx="0">
+            <a:schemeClr val="accent5"/>
+          </a:fillRef>
+          <a:effectRef idx="2">
+            <a:schemeClr val="accent5"/>
+          </a:effectRef>
+          <a:fontRef idx="minor">
+            <a:schemeClr val="tx1"/>
+          </a:fontRef>
+        </p:style>
+        <p:txBody>
+          <a:bodyPr rtlCol="0" anchor="ctr"/>
+          <a:lstStyle/>
+          <a:p>
+            <a:pPr algn="ctr"/>
+            <a:endParaRPr lang="en-CA"/>
+          </a:p>
+        </p:txBody>
+      </p:sp>
+      <p:sp>
+        <p:nvSpPr>
+          <p:cNvPr id="10" name="Oval 9">
+            <a:extLst>
+              <a:ext uri="{FF2B5EF4-FFF2-40B4-BE49-F238E27FC236}">
+                <a16:creationId xmlns:a16="http://schemas.microsoft.com/office/drawing/2014/main" id="{72D8EE49-8BFE-4DA3-8546-278B3127BAF5}"/>
+              </a:ext>
+            </a:extLst>
+          </p:cNvPr>
+          <p:cNvSpPr/>
+          <p:nvPr/>
+        </p:nvSpPr>
+        <p:spPr>
+          <a:xfrm>
+            <a:off x="9750670" y="3217984"/>
+            <a:ext cx="1582615" cy="789796"/>
+          </a:xfrm>
+          <a:prstGeom prst="ellipse">
+            <a:avLst/>
+          </a:prstGeom>
+          <a:noFill/>
+          <a:ln w="28575"/>
+        </p:spPr>
+        <p:style>
+          <a:lnRef idx="2">
+            <a:schemeClr val="accent5">
+              <a:shade val="50000"/>
+            </a:schemeClr>
+          </a:lnRef>
+          <a:fillRef idx="1">
+            <a:schemeClr val="accent5"/>
+          </a:fillRef>
+          <a:effectRef idx="0">
+            <a:schemeClr val="accent5"/>
+          </a:effectRef>
+          <a:fontRef idx="minor">
+            <a:schemeClr val="lt1"/>
+          </a:fontRef>
+        </p:style>
+        <p:txBody>
+          <a:bodyPr rtlCol="0" anchor="ctr"/>
+          <a:lstStyle/>
+          <a:p>
+            <a:pPr algn="ctr"/>
+            <a:endParaRPr lang="en-CA"/>
+          </a:p>
+        </p:txBody>
+      </p:sp>
+      <p:cxnSp>
+        <p:nvCxnSpPr>
+          <p:cNvPr id="12" name="Straight Arrow Connector 11">
+            <a:extLst>
+              <a:ext uri="{FF2B5EF4-FFF2-40B4-BE49-F238E27FC236}">
+                <a16:creationId xmlns:a16="http://schemas.microsoft.com/office/drawing/2014/main" id="{DB62FCBB-AF34-43DA-B87E-C33E03792D54}"/>
+              </a:ext>
+            </a:extLst>
+          </p:cNvPr>
+          <p:cNvCxnSpPr>
+            <a:cxnSpLocks/>
+          </p:cNvCxnSpPr>
+          <p:nvPr/>
+        </p:nvCxnSpPr>
+        <p:spPr>
+          <a:xfrm>
+            <a:off x="5020408" y="2066192"/>
+            <a:ext cx="4826977" cy="1222131"/>
+          </a:xfrm>
+          <a:prstGeom prst="straightConnector1">
+            <a:avLst/>
+          </a:prstGeom>
+          <a:ln>
+            <a:tailEnd type="triangle"/>
+          </a:ln>
+        </p:spPr>
+        <p:style>
+          <a:lnRef idx="3">
+            <a:schemeClr val="accent5"/>
+          </a:lnRef>
+          <a:fillRef idx="0">
+            <a:schemeClr val="accent5"/>
+          </a:fillRef>
+          <a:effectRef idx="2">
+            <a:schemeClr val="accent5"/>
+          </a:effectRef>
+          <a:fontRef idx="minor">
+            <a:schemeClr val="tx1"/>
+          </a:fontRef>
+        </p:style>
+      </p:cxnSp>
+      <p:cxnSp>
+        <p:nvCxnSpPr>
+          <p:cNvPr id="15" name="Straight Arrow Connector 14">
+            <a:extLst>
+              <a:ext uri="{FF2B5EF4-FFF2-40B4-BE49-F238E27FC236}">
+                <a16:creationId xmlns:a16="http://schemas.microsoft.com/office/drawing/2014/main" id="{7B85596E-A372-4EBE-8C46-0ADBAD5D7ECA}"/>
+              </a:ext>
+            </a:extLst>
+          </p:cNvPr>
+          <p:cNvCxnSpPr>
+            <a:cxnSpLocks/>
+          </p:cNvCxnSpPr>
+          <p:nvPr/>
+        </p:nvCxnSpPr>
+        <p:spPr>
+          <a:xfrm>
+            <a:off x="1701703" y="2888114"/>
+            <a:ext cx="0" cy="831032"/>
+          </a:xfrm>
+          <a:prstGeom prst="straightConnector1">
+            <a:avLst/>
+          </a:prstGeom>
+          <a:ln>
+            <a:tailEnd type="triangle"/>
+          </a:ln>
+        </p:spPr>
+        <p:style>
+          <a:lnRef idx="3">
+            <a:schemeClr val="accent5"/>
+          </a:lnRef>
+          <a:fillRef idx="0">
+            <a:schemeClr val="accent5"/>
+          </a:fillRef>
+          <a:effectRef idx="2">
+            <a:schemeClr val="accent5"/>
+          </a:effectRef>
+          <a:fontRef idx="minor">
+            <a:schemeClr val="tx1"/>
+          </a:fontRef>
+        </p:style>
+      </p:cxnSp>
+      <p:sp>
+        <p:nvSpPr>
+          <p:cNvPr id="17" name="Content Placeholder 2">
+            <a:extLst>
+              <a:ext uri="{FF2B5EF4-FFF2-40B4-BE49-F238E27FC236}">
+                <a16:creationId xmlns:a16="http://schemas.microsoft.com/office/drawing/2014/main" id="{5AD6816E-8C3F-44E2-9274-792A586268F3}"/>
+              </a:ext>
+            </a:extLst>
+          </p:cNvPr>
+          <p:cNvSpPr txBox="1">
+            <a:spLocks/>
+          </p:cNvSpPr>
+          <p:nvPr/>
+        </p:nvSpPr>
+        <p:spPr>
+          <a:xfrm>
+            <a:off x="6" y="3631651"/>
+            <a:ext cx="3306685" cy="1675109"/>
+          </a:xfrm>
+          <a:prstGeom prst="rect">
+            <a:avLst/>
+          </a:prstGeom>
+        </p:spPr>
+        <p:txBody>
+          <a:bodyPr vert="horz" lIns="91440" tIns="45720" rIns="91440" bIns="45720" rtlCol="0">
+            <a:normAutofit/>
+          </a:bodyPr>
+          <a:lstStyle>
+            <a:lvl1pPr marL="228600" indent="-228600" algn="l" defTabSz="914400" rtl="0" eaLnBrk="1" latinLnBrk="0" hangingPunct="1">
+              <a:lnSpc>
+                <a:spcPct val="90000"/>
+              </a:lnSpc>
+              <a:spcBef>
+                <a:spcPts val="1000"/>
+              </a:spcBef>
+              <a:buFont typeface="Arial" panose="020B0604020202020204" pitchFamily="34" charset="0"/>
+              <a:buChar char="•"/>
+              <a:defRPr sz="2800" kern="1200">
+                <a:solidFill>
+                  <a:schemeClr val="tx1"/>
+                </a:solidFill>
+                <a:latin typeface="+mn-lt"/>
+                <a:ea typeface="+mn-ea"/>
+                <a:cs typeface="+mn-cs"/>
+              </a:defRPr>
+            </a:lvl1pPr>
+            <a:lvl2pPr marL="685800" indent="-228600" algn="l" defTabSz="914400" rtl="0" eaLnBrk="1" latinLnBrk="0" hangingPunct="1">
+              <a:lnSpc>
+                <a:spcPct val="90000"/>
+              </a:lnSpc>
+              <a:spcBef>
+                <a:spcPts val="500"/>
+              </a:spcBef>
+              <a:buFont typeface="Arial" panose="020B0604020202020204" pitchFamily="34" charset="0"/>
+              <a:buChar char="•"/>
+              <a:defRPr sz="2400" kern="1200">
+                <a:solidFill>
+                  <a:schemeClr val="tx1"/>
+                </a:solidFill>
+                <a:latin typeface="+mn-lt"/>
+                <a:ea typeface="+mn-ea"/>
+                <a:cs typeface="+mn-cs"/>
+              </a:defRPr>
+            </a:lvl2pPr>
+            <a:lvl3pPr marL="1143000" indent="-228600" algn="l" defTabSz="914400" rtl="0" eaLnBrk="1" latinLnBrk="0" hangingPunct="1">
+              <a:lnSpc>
+                <a:spcPct val="90000"/>
+              </a:lnSpc>
+              <a:spcBef>
+                <a:spcPts val="500"/>
+              </a:spcBef>
+              <a:buFont typeface="Arial" panose="020B0604020202020204" pitchFamily="34" charset="0"/>
+              <a:buChar char="•"/>
+              <a:defRPr sz="2000" kern="1200">
+                <a:solidFill>
+                  <a:schemeClr val="tx1"/>
+                </a:solidFill>
+                <a:latin typeface="+mn-lt"/>
+                <a:ea typeface="+mn-ea"/>
+                <a:cs typeface="+mn-cs"/>
+              </a:defRPr>
+            </a:lvl3pPr>
+            <a:lvl4pPr marL="1600200" indent="-228600" algn="l" defTabSz="914400" rtl="0" eaLnBrk="1" latinLnBrk="0" hangingPunct="1">
+              <a:lnSpc>
+                <a:spcPct val="90000"/>
+              </a:lnSpc>
+              <a:spcBef>
+                <a:spcPts val="500"/>
+              </a:spcBef>
+              <a:buFont typeface="Arial" panose="020B0604020202020204" pitchFamily="34" charset="0"/>
+              <a:buChar char="•"/>
+              <a:defRPr sz="1800" kern="1200">
+                <a:solidFill>
+                  <a:schemeClr val="tx1"/>
+                </a:solidFill>
+                <a:latin typeface="+mn-lt"/>
+                <a:ea typeface="+mn-ea"/>
+                <a:cs typeface="+mn-cs"/>
+              </a:defRPr>
+            </a:lvl4pPr>
+            <a:lvl5pPr marL="2057400" indent="-228600" algn="l" defTabSz="914400" rtl="0" eaLnBrk="1" latinLnBrk="0" hangingPunct="1">
+              <a:lnSpc>
+                <a:spcPct val="90000"/>
+              </a:lnSpc>
+              <a:spcBef>
+                <a:spcPts val="500"/>
+              </a:spcBef>
+              <a:buFont typeface="Arial" panose="020B0604020202020204" pitchFamily="34" charset="0"/>
+              <a:buChar char="•"/>
+              <a:defRPr sz="1800" kern="1200">
+                <a:solidFill>
+                  <a:schemeClr val="tx1"/>
+                </a:solidFill>
+                <a:latin typeface="+mn-lt"/>
+                <a:ea typeface="+mn-ea"/>
+                <a:cs typeface="+mn-cs"/>
+              </a:defRPr>
+            </a:lvl5pPr>
+            <a:lvl6pPr marL="2514600" indent="-228600" algn="l" defTabSz="914400" rtl="0" eaLnBrk="1" latinLnBrk="0" hangingPunct="1">
+              <a:lnSpc>
+                <a:spcPct val="90000"/>
+              </a:lnSpc>
+              <a:spcBef>
+                <a:spcPts val="500"/>
+              </a:spcBef>
+              <a:buFont typeface="Arial" panose="020B0604020202020204" pitchFamily="34" charset="0"/>
+              <a:buChar char="•"/>
+              <a:defRPr sz="1800" kern="1200">
+                <a:solidFill>
+                  <a:schemeClr val="tx1"/>
+                </a:solidFill>
+                <a:latin typeface="+mn-lt"/>
+                <a:ea typeface="+mn-ea"/>
+                <a:cs typeface="+mn-cs"/>
+              </a:defRPr>
+            </a:lvl6pPr>
+            <a:lvl7pPr marL="2971800" indent="-228600" algn="l" defTabSz="914400" rtl="0" eaLnBrk="1" latinLnBrk="0" hangingPunct="1">
+              <a:lnSpc>
+                <a:spcPct val="90000"/>
+              </a:lnSpc>
+              <a:spcBef>
+                <a:spcPts val="500"/>
+              </a:spcBef>
+              <a:buFont typeface="Arial" panose="020B0604020202020204" pitchFamily="34" charset="0"/>
+              <a:buChar char="•"/>
+              <a:defRPr sz="1800" kern="1200">
+                <a:solidFill>
+                  <a:schemeClr val="tx1"/>
+                </a:solidFill>
+                <a:latin typeface="+mn-lt"/>
+                <a:ea typeface="+mn-ea"/>
+                <a:cs typeface="+mn-cs"/>
+              </a:defRPr>
+            </a:lvl7pPr>
+            <a:lvl8pPr marL="3429000" indent="-228600" algn="l" defTabSz="914400" rtl="0" eaLnBrk="1" latinLnBrk="0" hangingPunct="1">
+              <a:lnSpc>
+                <a:spcPct val="90000"/>
+              </a:lnSpc>
+              <a:spcBef>
+                <a:spcPts val="500"/>
+              </a:spcBef>
+              <a:buFont typeface="Arial" panose="020B0604020202020204" pitchFamily="34" charset="0"/>
+              <a:buChar char="•"/>
+              <a:defRPr sz="1800" kern="1200">
+                <a:solidFill>
+                  <a:schemeClr val="tx1"/>
+                </a:solidFill>
+                <a:latin typeface="+mn-lt"/>
+                <a:ea typeface="+mn-ea"/>
+                <a:cs typeface="+mn-cs"/>
+              </a:defRPr>
+            </a:lvl8pPr>
+            <a:lvl9pPr marL="3886200" indent="-228600" algn="l" defTabSz="914400" rtl="0" eaLnBrk="1" latinLnBrk="0" hangingPunct="1">
+              <a:lnSpc>
+                <a:spcPct val="90000"/>
+              </a:lnSpc>
+              <a:spcBef>
+                <a:spcPts val="500"/>
+              </a:spcBef>
+              <a:buFont typeface="Arial" panose="020B0604020202020204" pitchFamily="34" charset="0"/>
+              <a:buChar char="•"/>
+              <a:defRPr sz="1800" kern="1200">
+                <a:solidFill>
+                  <a:schemeClr val="tx1"/>
+                </a:solidFill>
+                <a:latin typeface="+mn-lt"/>
+                <a:ea typeface="+mn-ea"/>
+                <a:cs typeface="+mn-cs"/>
+              </a:defRPr>
+            </a:lvl9pPr>
+          </a:lstStyle>
+          <a:p>
+            <a:pPr marL="0" indent="0" algn="ctr">
+              <a:buFont typeface="Arial" panose="020B0604020202020204" pitchFamily="34" charset="0"/>
+              <a:buNone/>
+            </a:pPr>
+            <a:r>
+              <a:rPr lang="en-US" dirty="0"/>
+              <a:t>Creates a DF indicating which </a:t>
+            </a:r>
+            <a:r>
+              <a:rPr lang="en-US" dirty="0" err="1"/>
+              <a:t>dam_no</a:t>
+            </a:r>
+            <a:r>
+              <a:rPr lang="en-US" dirty="0"/>
+              <a:t> corresponds to which dam ID</a:t>
+            </a:r>
+          </a:p>
+        </p:txBody>
+      </p:sp>
+    </p:spTree>
+    <p:extLst>
+      <p:ext uri="{BB962C8B-B14F-4D97-AF65-F5344CB8AC3E}">
+        <p14:creationId xmlns:p14="http://schemas.microsoft.com/office/powerpoint/2010/main" val="3496896676"/>
+      </p:ext>
+    </p:extLst>
+  </p:cSld>
+  <p:clrMapOvr>
+    <a:masterClrMapping/>
+  </p:clrMapOvr>
+  <p:timing>
+    <p:tnLst>
+      <p:par>
+        <p:cTn id="1" dur="indefinite" restart="never" nodeType="tmRoot">
+          <p:childTnLst>
+            <p:seq concurrent="1" nextAc="seek">
+              <p:cTn id="2" dur="indefinite" nodeType="mainSeq">
+                <p:childTnLst>
+                  <p:par>
+                    <p:cTn id="3" fill="hold">
+                      <p:stCondLst>
+                        <p:cond delay="indefinite"/>
+                        <p:cond evt="onBegin" delay="0">
+                          <p:tn val="2"/>
+                        </p:cond>
+                      </p:stCondLst>
+                      <p:childTnLst>
+                        <p:par>
+                          <p:cTn id="4" fill="hold">
+                            <p:stCondLst>
+                              <p:cond delay="0"/>
+                            </p:stCondLst>
+                            <p:childTnLst>
+                              <p:par>
+                                <p:cTn id="5" presetID="1" presetClass="entr" presetSubtype="0" fill="hold" grpId="0" nodeType="withEffect">
+                                  <p:stCondLst>
+                                    <p:cond delay="0"/>
+                                  </p:stCondLst>
+                                  <p:childTnLst>
+                                    <p:set>
+                                      <p:cBhvr>
+                                        <p:cTn id="6" dur="1" fill="hold">
+                                          <p:stCondLst>
+                                            <p:cond delay="0"/>
+                                          </p:stCondLst>
+                                        </p:cTn>
+                                        <p:tgtEl>
+                                          <p:spTgt spid="9"/>
+                                        </p:tgtEl>
+                                        <p:attrNameLst>
+                                          <p:attrName>style.visibility</p:attrName>
+                                        </p:attrNameLst>
+                                      </p:cBhvr>
+                                      <p:to>
+                                        <p:strVal val="visible"/>
+                                      </p:to>
+                                    </p:set>
+                                  </p:childTnLst>
+                                </p:cTn>
+                              </p:par>
+                            </p:childTnLst>
+                          </p:cTn>
+                        </p:par>
+                      </p:childTnLst>
+                    </p:cTn>
+                  </p:par>
+                  <p:par>
+                    <p:cTn id="7" fill="hold">
+                      <p:stCondLst>
+                        <p:cond delay="indefinite"/>
+                      </p:stCondLst>
+                      <p:childTnLst>
+                        <p:par>
+                          <p:cTn id="8" fill="hold">
+                            <p:stCondLst>
+                              <p:cond delay="0"/>
+                            </p:stCondLst>
+                            <p:childTnLst>
+                              <p:par>
+                                <p:cTn id="9" presetID="1" presetClass="entr" presetSubtype="0" fill="hold" grpId="0" nodeType="clickEffect">
+                                  <p:stCondLst>
+                                    <p:cond delay="0"/>
+                                  </p:stCondLst>
+                                  <p:childTnLst>
+                                    <p:set>
+                                      <p:cBhvr>
+                                        <p:cTn id="10" dur="1" fill="hold">
+                                          <p:stCondLst>
+                                            <p:cond delay="0"/>
+                                          </p:stCondLst>
+                                        </p:cTn>
+                                        <p:tgtEl>
+                                          <p:spTgt spid="17"/>
+                                        </p:tgtEl>
+                                        <p:attrNameLst>
+                                          <p:attrName>style.visibility</p:attrName>
+                                        </p:attrNameLst>
+                                      </p:cBhvr>
+                                      <p:to>
+                                        <p:strVal val="visible"/>
+                                      </p:to>
+                                    </p:set>
+                                  </p:childTnLst>
+                                </p:cTn>
+                              </p:par>
+                            </p:childTnLst>
+                          </p:cTn>
+                        </p:par>
+                      </p:childTnLst>
+                    </p:cTn>
+                  </p:par>
+                </p:childTnLst>
+              </p:cTn>
+              <p:prevCondLst>
+                <p:cond evt="onPrev" delay="0">
+                  <p:tgtEl>
+                    <p:sldTgt/>
+                  </p:tgtEl>
+                </p:cond>
+              </p:prevCondLst>
+              <p:nextCondLst>
+                <p:cond evt="onNext" delay="0">
+                  <p:tgtEl>
+                    <p:sldTgt/>
+                  </p:tgtEl>
+                </p:cond>
+              </p:nextCondLst>
+            </p:seq>
+          </p:childTnLst>
+        </p:cTn>
+      </p:par>
+    </p:tnLst>
+    <p:bldLst>
+      <p:bldP spid="9" grpId="0" animBg="1"/>
+      <p:bldP spid="17" grpId="0"/>
+    </p:bldLst>
+  </p:timing>
+</p:sld>
+</file>
+
+<file path=ppt/slides/slide17.xml><?xml version="1.0" encoding="utf-8"?>
+<p:sld xmlns:a="http://schemas.openxmlformats.org/drawingml/2006/main" xmlns:r="http://schemas.openxmlformats.org/officeDocument/2006/relationships" xmlns:p="http://schemas.openxmlformats.org/presentationml/2006/main">
+  <p:cSld>
+    <p:spTree>
+      <p:nvGrpSpPr>
+        <p:cNvPr id="1" name=""/>
+        <p:cNvGrpSpPr/>
+        <p:nvPr/>
+      </p:nvGrpSpPr>
+      <p:grpSpPr>
+        <a:xfrm>
+          <a:off x="0" y="0"/>
+          <a:ext cx="0" cy="0"/>
+          <a:chOff x="0" y="0"/>
+          <a:chExt cx="0" cy="0"/>
+        </a:xfrm>
+      </p:grpSpPr>
+      <p:sp>
+        <p:nvSpPr>
+          <p:cNvPr id="4" name="Title 1">
+            <a:extLst>
+              <a:ext uri="{FF2B5EF4-FFF2-40B4-BE49-F238E27FC236}">
+                <a16:creationId xmlns:a16="http://schemas.microsoft.com/office/drawing/2014/main" id="{44D85C8F-E9EA-4A38-B87E-D333A00C491D}"/>
+              </a:ext>
+            </a:extLst>
+          </p:cNvPr>
+          <p:cNvSpPr txBox="1">
+            <a:spLocks/>
+          </p:cNvSpPr>
+          <p:nvPr/>
+        </p:nvSpPr>
+        <p:spPr>
+          <a:xfrm>
+            <a:off x="0" y="158923"/>
+            <a:ext cx="12192000" cy="789796"/>
+          </a:xfrm>
+          <a:prstGeom prst="rect">
+            <a:avLst/>
+          </a:prstGeom>
+          <a:solidFill>
+            <a:schemeClr val="accent1"/>
+          </a:solidFill>
+        </p:spPr>
+        <p:txBody>
+          <a:bodyPr vert="horz" lIns="91440" tIns="45720" rIns="91440" bIns="45720" rtlCol="0" anchor="ctr">
+            <a:normAutofit/>
+          </a:bodyPr>
+          <a:lstStyle>
+            <a:lvl1pPr algn="l" defTabSz="914400" rtl="0" eaLnBrk="1" latinLnBrk="0" hangingPunct="1">
+              <a:lnSpc>
+                <a:spcPct val="90000"/>
+              </a:lnSpc>
+              <a:spcBef>
+                <a:spcPct val="0"/>
+              </a:spcBef>
+              <a:buNone/>
+              <a:defRPr sz="4400" kern="1200">
+                <a:solidFill>
+                  <a:schemeClr val="tx1"/>
+                </a:solidFill>
+                <a:latin typeface="+mj-lt"/>
+                <a:ea typeface="+mj-ea"/>
+                <a:cs typeface="+mj-cs"/>
+              </a:defRPr>
+            </a:lvl1pPr>
+          </a:lstStyle>
+          <a:p>
+            <a:r>
+              <a:rPr lang="fr-CA" dirty="0">
+                <a:solidFill>
+                  <a:schemeClr val="bg1"/>
+                </a:solidFill>
+                <a:cs typeface="Courier New" panose="02070309020205020404" pitchFamily="49" charset="0"/>
+              </a:rPr>
+              <a:t>Our model</a:t>
+            </a:r>
+            <a:endParaRPr lang="en-CA" dirty="0">
+              <a:solidFill>
+                <a:schemeClr val="bg1"/>
+              </a:solidFill>
+            </a:endParaRPr>
+          </a:p>
+        </p:txBody>
+      </p:sp>
+      <mc:AlternateContent xmlns:mc="http://schemas.openxmlformats.org/markup-compatibility/2006">
+        <mc:Choice xmlns:a14="http://schemas.microsoft.com/office/drawing/2010/main" Requires="a14">
+          <p:sp>
+            <p:nvSpPr>
+              <p:cNvPr id="2" name="TextBox 1">
+                <a:extLst>
+                  <a:ext uri="{FF2B5EF4-FFF2-40B4-BE49-F238E27FC236}">
+                    <a16:creationId xmlns:a16="http://schemas.microsoft.com/office/drawing/2014/main" id="{23DDC6BC-C51C-41BE-8860-6EC4BE1D9E81}"/>
+                  </a:ext>
+                </a:extLst>
+              </p:cNvPr>
+              <p:cNvSpPr txBox="1"/>
+              <p:nvPr/>
+            </p:nvSpPr>
+            <p:spPr>
+              <a:xfrm>
+                <a:off x="2976196" y="2365387"/>
+                <a:ext cx="4656980" cy="598562"/>
+              </a:xfrm>
+              <a:prstGeom prst="rect">
+                <a:avLst/>
+              </a:prstGeom>
+              <a:noFill/>
+            </p:spPr>
+            <p:txBody>
+              <a:bodyPr wrap="none" lIns="0" tIns="0" rIns="0" bIns="0" rtlCol="0">
+                <a:spAutoFit/>
+              </a:bodyPr>
+              <a:lstStyle/>
+              <a:p>
+                <a14:m>
+                  <m:oMathPara xmlns:m="http://schemas.openxmlformats.org/officeDocument/2006/math">
+                    <m:oMathParaPr>
+                      <m:jc m:val="centerGroup"/>
+                    </m:oMathParaPr>
+                    <m:oMath xmlns:m="http://schemas.openxmlformats.org/officeDocument/2006/math">
+                      <m:sSub>
+                        <m:sSubPr>
+                          <m:ctrlPr>
+                            <a:rPr lang="en-CA" sz="3600" i="1" smtClean="0">
+                              <a:latin typeface="Cambria Math" panose="02040503050406030204" pitchFamily="18" charset="0"/>
+                              <a:ea typeface="Cambria Math" panose="02040503050406030204" pitchFamily="18" charset="0"/>
+                            </a:rPr>
+                          </m:ctrlPr>
+                        </m:sSubPr>
+                        <m:e>
+                          <m:r>
+                            <a:rPr lang="en-CA" sz="3600" i="1" smtClean="0">
+                              <a:latin typeface="Cambria Math" panose="02040503050406030204" pitchFamily="18" charset="0"/>
+                              <a:ea typeface="Cambria Math" panose="02040503050406030204" pitchFamily="18" charset="0"/>
+                            </a:rPr>
+                            <m:t>𝜇</m:t>
+                          </m:r>
+                        </m:e>
+                        <m:sub>
+                          <m:r>
+                            <a:rPr lang="fr-CA" sz="3600" b="0" i="1" smtClean="0">
+                              <a:latin typeface="Cambria Math" panose="02040503050406030204" pitchFamily="18" charset="0"/>
+                              <a:ea typeface="Cambria Math" panose="02040503050406030204" pitchFamily="18" charset="0"/>
+                            </a:rPr>
+                            <m:t>𝑖𝑗</m:t>
+                          </m:r>
+                        </m:sub>
+                      </m:sSub>
+                      <m:r>
+                        <a:rPr lang="fr-CA" sz="3600" i="1">
+                          <a:latin typeface="Cambria Math" panose="02040503050406030204" pitchFamily="18" charset="0"/>
+                          <a:ea typeface="Cambria Math" panose="02040503050406030204" pitchFamily="18" charset="0"/>
+                        </a:rPr>
+                        <m:t>=</m:t>
+                      </m:r>
+                      <m:sSub>
+                        <m:sSubPr>
+                          <m:ctrlPr>
+                            <a:rPr lang="fr-CA" sz="3600" i="1" smtClean="0">
+                              <a:latin typeface="Cambria Math" panose="02040503050406030204" pitchFamily="18" charset="0"/>
+                              <a:ea typeface="Cambria Math" panose="02040503050406030204" pitchFamily="18" charset="0"/>
+                            </a:rPr>
+                          </m:ctrlPr>
+                        </m:sSubPr>
+                        <m:e>
+                          <m:r>
+                            <a:rPr lang="fr-CA" sz="3600" i="1" smtClean="0">
+                              <a:latin typeface="Cambria Math" panose="02040503050406030204" pitchFamily="18" charset="0"/>
+                              <a:ea typeface="Cambria Math" panose="02040503050406030204" pitchFamily="18" charset="0"/>
+                            </a:rPr>
+                            <m:t>𝛽</m:t>
+                          </m:r>
+                        </m:e>
+                        <m:sub>
+                          <m:r>
+                            <a:rPr lang="fr-CA" sz="3600" b="0" i="1" smtClean="0">
+                              <a:latin typeface="Cambria Math" panose="02040503050406030204" pitchFamily="18" charset="0"/>
+                              <a:ea typeface="Cambria Math" panose="02040503050406030204" pitchFamily="18" charset="0"/>
+                            </a:rPr>
+                            <m:t>0</m:t>
+                          </m:r>
+                          <m:r>
+                            <a:rPr lang="fr-CA" sz="3600" b="0" i="1" smtClean="0">
+                              <a:latin typeface="Cambria Math" panose="02040503050406030204" pitchFamily="18" charset="0"/>
+                              <a:ea typeface="Cambria Math" panose="02040503050406030204" pitchFamily="18" charset="0"/>
+                            </a:rPr>
+                            <m:t>𝑗</m:t>
+                          </m:r>
+                        </m:sub>
+                      </m:sSub>
+                      <m:r>
+                        <a:rPr lang="fr-CA" sz="3600" i="1" smtClean="0">
+                          <a:latin typeface="Cambria Math" panose="02040503050406030204" pitchFamily="18" charset="0"/>
+                          <a:ea typeface="Cambria Math" panose="02040503050406030204" pitchFamily="18" charset="0"/>
+                        </a:rPr>
+                        <m:t>+</m:t>
+                      </m:r>
+                      <m:sSub>
+                        <m:sSubPr>
+                          <m:ctrlPr>
+                            <a:rPr lang="fr-CA" sz="3600" i="1" smtClean="0">
+                              <a:latin typeface="Cambria Math" panose="02040503050406030204" pitchFamily="18" charset="0"/>
+                              <a:ea typeface="Cambria Math" panose="02040503050406030204" pitchFamily="18" charset="0"/>
+                            </a:rPr>
+                          </m:ctrlPr>
+                        </m:sSubPr>
+                        <m:e>
+                          <m:r>
+                            <a:rPr lang="fr-CA" sz="3600" i="1" smtClean="0">
+                              <a:latin typeface="Cambria Math" panose="02040503050406030204" pitchFamily="18" charset="0"/>
+                              <a:ea typeface="Cambria Math" panose="02040503050406030204" pitchFamily="18" charset="0"/>
+                            </a:rPr>
+                            <m:t>𝛽</m:t>
+                          </m:r>
+                        </m:e>
+                        <m:sub>
+                          <m:r>
+                            <a:rPr lang="fr-CA" sz="3600" b="0" i="1" smtClean="0">
+                              <a:latin typeface="Cambria Math" panose="02040503050406030204" pitchFamily="18" charset="0"/>
+                              <a:ea typeface="Cambria Math" panose="02040503050406030204" pitchFamily="18" charset="0"/>
+                            </a:rPr>
+                            <m:t>𝑖</m:t>
+                          </m:r>
+                        </m:sub>
+                      </m:sSub>
+                      <m:sSub>
+                        <m:sSubPr>
+                          <m:ctrlPr>
+                            <a:rPr lang="fr-CA" sz="3600" i="1" smtClean="0">
+                              <a:latin typeface="Cambria Math" panose="02040503050406030204" pitchFamily="18" charset="0"/>
+                              <a:ea typeface="Cambria Math" panose="02040503050406030204" pitchFamily="18" charset="0"/>
+                            </a:rPr>
+                          </m:ctrlPr>
+                        </m:sSubPr>
+                        <m:e>
+                          <m:r>
+                            <a:rPr lang="fr-CA" sz="3600" b="0" i="1" smtClean="0">
+                              <a:latin typeface="Cambria Math" panose="02040503050406030204" pitchFamily="18" charset="0"/>
+                              <a:ea typeface="Cambria Math" panose="02040503050406030204" pitchFamily="18" charset="0"/>
+                            </a:rPr>
+                            <m:t>𝑥</m:t>
+                          </m:r>
+                        </m:e>
+                        <m:sub>
+                          <m:r>
+                            <a:rPr lang="fr-CA" sz="3600" b="0" i="1" smtClean="0">
+                              <a:latin typeface="Cambria Math" panose="02040503050406030204" pitchFamily="18" charset="0"/>
+                              <a:ea typeface="Cambria Math" panose="02040503050406030204" pitchFamily="18" charset="0"/>
+                            </a:rPr>
+                            <m:t>𝑖𝑗</m:t>
+                          </m:r>
+                        </m:sub>
+                      </m:sSub>
+                      <m:r>
+                        <a:rPr lang="fr-CA" sz="3600" i="1" smtClean="0">
+                          <a:latin typeface="Cambria Math" panose="02040503050406030204" pitchFamily="18" charset="0"/>
+                          <a:ea typeface="Cambria Math" panose="02040503050406030204" pitchFamily="18" charset="0"/>
+                        </a:rPr>
+                        <m:t>+</m:t>
+                      </m:r>
+                      <m:sSub>
+                        <m:sSubPr>
+                          <m:ctrlPr>
+                            <a:rPr lang="fr-CA" sz="3600" i="1" smtClean="0">
+                              <a:latin typeface="Cambria Math" panose="02040503050406030204" pitchFamily="18" charset="0"/>
+                              <a:ea typeface="Cambria Math" panose="02040503050406030204" pitchFamily="18" charset="0"/>
+                            </a:rPr>
+                          </m:ctrlPr>
+                        </m:sSubPr>
+                        <m:e>
+                          <m:r>
+                            <a:rPr lang="fr-CA" sz="3600" i="1" smtClean="0">
+                              <a:latin typeface="Cambria Math" panose="02040503050406030204" pitchFamily="18" charset="0"/>
+                              <a:ea typeface="Cambria Math" panose="02040503050406030204" pitchFamily="18" charset="0"/>
+                            </a:rPr>
+                            <m:t>𝜀</m:t>
+                          </m:r>
+                        </m:e>
+                        <m:sub>
+                          <m:r>
+                            <a:rPr lang="fr-CA" sz="3600" b="0" i="1" smtClean="0">
+                              <a:latin typeface="Cambria Math" panose="02040503050406030204" pitchFamily="18" charset="0"/>
+                              <a:ea typeface="Cambria Math" panose="02040503050406030204" pitchFamily="18" charset="0"/>
+                            </a:rPr>
+                            <m:t>0</m:t>
+                          </m:r>
+                          <m:r>
+                            <a:rPr lang="fr-CA" sz="3600" b="0" i="1" smtClean="0">
+                              <a:latin typeface="Cambria Math" panose="02040503050406030204" pitchFamily="18" charset="0"/>
+                              <a:ea typeface="Cambria Math" panose="02040503050406030204" pitchFamily="18" charset="0"/>
+                            </a:rPr>
+                            <m:t>𝑖𝑗</m:t>
+                          </m:r>
+                        </m:sub>
+                      </m:sSub>
+                    </m:oMath>
+                  </m:oMathPara>
+                </a14:m>
+                <a:endParaRPr lang="en-CA" sz="3600" dirty="0"/>
+              </a:p>
+            </p:txBody>
+          </p:sp>
+        </mc:Choice>
+        <mc:Fallback>
+          <p:sp>
+            <p:nvSpPr>
+              <p:cNvPr id="2" name="TextBox 1">
+                <a:extLst>
+                  <a:ext uri="{FF2B5EF4-FFF2-40B4-BE49-F238E27FC236}">
+                    <a16:creationId xmlns:a16="http://schemas.microsoft.com/office/drawing/2014/main" id="{23DDC6BC-C51C-41BE-8860-6EC4BE1D9E81}"/>
+                  </a:ext>
+                </a:extLst>
+              </p:cNvPr>
+              <p:cNvSpPr txBox="1">
+                <a:spLocks noRot="1" noChangeAspect="1" noMove="1" noResize="1" noEditPoints="1" noAdjustHandles="1" noChangeArrowheads="1" noChangeShapeType="1" noTextEdit="1"/>
+              </p:cNvSpPr>
+              <p:nvPr/>
+            </p:nvSpPr>
+            <p:spPr>
+              <a:xfrm>
+                <a:off x="2976196" y="2365387"/>
+                <a:ext cx="4656980" cy="598562"/>
+              </a:xfrm>
+              <a:prstGeom prst="rect">
+                <a:avLst/>
+              </a:prstGeom>
+              <a:blipFill>
+                <a:blip r:embed="rId2"/>
+                <a:stretch>
+                  <a:fillRect/>
+                </a:stretch>
+              </a:blipFill>
+            </p:spPr>
+            <p:txBody>
+              <a:bodyPr/>
+              <a:lstStyle/>
+              <a:p>
+                <a:r>
+                  <a:rPr lang="en-CA">
+                    <a:noFill/>
+                  </a:rPr>
+                  <a:t> </a:t>
+                </a:r>
+              </a:p>
+            </p:txBody>
+          </p:sp>
+        </mc:Fallback>
+      </mc:AlternateContent>
+      <p:sp>
+        <p:nvSpPr>
+          <p:cNvPr id="10" name="Content Placeholder 2">
+            <a:extLst>
+              <a:ext uri="{FF2B5EF4-FFF2-40B4-BE49-F238E27FC236}">
+                <a16:creationId xmlns:a16="http://schemas.microsoft.com/office/drawing/2014/main" id="{EBFDAFF1-978B-4659-81C8-B635D40211EA}"/>
+              </a:ext>
+            </a:extLst>
+          </p:cNvPr>
+          <p:cNvSpPr txBox="1">
+            <a:spLocks/>
+          </p:cNvSpPr>
+          <p:nvPr/>
+        </p:nvSpPr>
+        <p:spPr>
+          <a:xfrm>
+            <a:off x="-404440" y="4027561"/>
+            <a:ext cx="3306685" cy="1675109"/>
+          </a:xfrm>
+          <a:prstGeom prst="rect">
+            <a:avLst/>
+          </a:prstGeom>
+        </p:spPr>
+        <p:txBody>
+          <a:bodyPr vert="horz" lIns="91440" tIns="45720" rIns="91440" bIns="45720" rtlCol="0">
+            <a:normAutofit/>
+          </a:bodyPr>
+          <a:lstStyle>
+            <a:lvl1pPr marL="228600" indent="-228600" algn="l" defTabSz="914400" rtl="0" eaLnBrk="1" latinLnBrk="0" hangingPunct="1">
+              <a:lnSpc>
+                <a:spcPct val="90000"/>
+              </a:lnSpc>
+              <a:spcBef>
+                <a:spcPts val="1000"/>
+              </a:spcBef>
+              <a:buFont typeface="Arial" panose="020B0604020202020204" pitchFamily="34" charset="0"/>
+              <a:buChar char="•"/>
+              <a:defRPr sz="2800" kern="1200">
+                <a:solidFill>
+                  <a:schemeClr val="tx1"/>
+                </a:solidFill>
+                <a:latin typeface="+mn-lt"/>
+                <a:ea typeface="+mn-ea"/>
+                <a:cs typeface="+mn-cs"/>
+              </a:defRPr>
+            </a:lvl1pPr>
+            <a:lvl2pPr marL="685800" indent="-228600" algn="l" defTabSz="914400" rtl="0" eaLnBrk="1" latinLnBrk="0" hangingPunct="1">
+              <a:lnSpc>
+                <a:spcPct val="90000"/>
+              </a:lnSpc>
+              <a:spcBef>
+                <a:spcPts val="500"/>
+              </a:spcBef>
+              <a:buFont typeface="Arial" panose="020B0604020202020204" pitchFamily="34" charset="0"/>
+              <a:buChar char="•"/>
+              <a:defRPr sz="2400" kern="1200">
+                <a:solidFill>
+                  <a:schemeClr val="tx1"/>
+                </a:solidFill>
+                <a:latin typeface="+mn-lt"/>
+                <a:ea typeface="+mn-ea"/>
+                <a:cs typeface="+mn-cs"/>
+              </a:defRPr>
+            </a:lvl2pPr>
+            <a:lvl3pPr marL="1143000" indent="-228600" algn="l" defTabSz="914400" rtl="0" eaLnBrk="1" latinLnBrk="0" hangingPunct="1">
+              <a:lnSpc>
+                <a:spcPct val="90000"/>
+              </a:lnSpc>
+              <a:spcBef>
+                <a:spcPts val="500"/>
+              </a:spcBef>
+              <a:buFont typeface="Arial" panose="020B0604020202020204" pitchFamily="34" charset="0"/>
+              <a:buChar char="•"/>
+              <a:defRPr sz="2000" kern="1200">
+                <a:solidFill>
+                  <a:schemeClr val="tx1"/>
+                </a:solidFill>
+                <a:latin typeface="+mn-lt"/>
+                <a:ea typeface="+mn-ea"/>
+                <a:cs typeface="+mn-cs"/>
+              </a:defRPr>
+            </a:lvl3pPr>
+            <a:lvl4pPr marL="1600200" indent="-228600" algn="l" defTabSz="914400" rtl="0" eaLnBrk="1" latinLnBrk="0" hangingPunct="1">
+              <a:lnSpc>
+                <a:spcPct val="90000"/>
+              </a:lnSpc>
+              <a:spcBef>
+                <a:spcPts val="500"/>
+              </a:spcBef>
+              <a:buFont typeface="Arial" panose="020B0604020202020204" pitchFamily="34" charset="0"/>
+              <a:buChar char="•"/>
+              <a:defRPr sz="1800" kern="1200">
+                <a:solidFill>
+                  <a:schemeClr val="tx1"/>
+                </a:solidFill>
+                <a:latin typeface="+mn-lt"/>
+                <a:ea typeface="+mn-ea"/>
+                <a:cs typeface="+mn-cs"/>
+              </a:defRPr>
+            </a:lvl4pPr>
+            <a:lvl5pPr marL="2057400" indent="-228600" algn="l" defTabSz="914400" rtl="0" eaLnBrk="1" latinLnBrk="0" hangingPunct="1">
+              <a:lnSpc>
+                <a:spcPct val="90000"/>
+              </a:lnSpc>
+              <a:spcBef>
+                <a:spcPts val="500"/>
+              </a:spcBef>
+              <a:buFont typeface="Arial" panose="020B0604020202020204" pitchFamily="34" charset="0"/>
+              <a:buChar char="•"/>
+              <a:defRPr sz="1800" kern="1200">
+                <a:solidFill>
+                  <a:schemeClr val="tx1"/>
+                </a:solidFill>
+                <a:latin typeface="+mn-lt"/>
+                <a:ea typeface="+mn-ea"/>
+                <a:cs typeface="+mn-cs"/>
+              </a:defRPr>
+            </a:lvl5pPr>
+            <a:lvl6pPr marL="2514600" indent="-228600" algn="l" defTabSz="914400" rtl="0" eaLnBrk="1" latinLnBrk="0" hangingPunct="1">
+              <a:lnSpc>
+                <a:spcPct val="90000"/>
+              </a:lnSpc>
+              <a:spcBef>
+                <a:spcPts val="500"/>
+              </a:spcBef>
+              <a:buFont typeface="Arial" panose="020B0604020202020204" pitchFamily="34" charset="0"/>
+              <a:buChar char="•"/>
+              <a:defRPr sz="1800" kern="1200">
+                <a:solidFill>
+                  <a:schemeClr val="tx1"/>
+                </a:solidFill>
+                <a:latin typeface="+mn-lt"/>
+                <a:ea typeface="+mn-ea"/>
+                <a:cs typeface="+mn-cs"/>
+              </a:defRPr>
+            </a:lvl6pPr>
+            <a:lvl7pPr marL="2971800" indent="-228600" algn="l" defTabSz="914400" rtl="0" eaLnBrk="1" latinLnBrk="0" hangingPunct="1">
+              <a:lnSpc>
+                <a:spcPct val="90000"/>
+              </a:lnSpc>
+              <a:spcBef>
+                <a:spcPts val="500"/>
+              </a:spcBef>
+              <a:buFont typeface="Arial" panose="020B0604020202020204" pitchFamily="34" charset="0"/>
+              <a:buChar char="•"/>
+              <a:defRPr sz="1800" kern="1200">
+                <a:solidFill>
+                  <a:schemeClr val="tx1"/>
+                </a:solidFill>
+                <a:latin typeface="+mn-lt"/>
+                <a:ea typeface="+mn-ea"/>
+                <a:cs typeface="+mn-cs"/>
+              </a:defRPr>
+            </a:lvl7pPr>
+            <a:lvl8pPr marL="3429000" indent="-228600" algn="l" defTabSz="914400" rtl="0" eaLnBrk="1" latinLnBrk="0" hangingPunct="1">
+              <a:lnSpc>
+                <a:spcPct val="90000"/>
+              </a:lnSpc>
+              <a:spcBef>
+                <a:spcPts val="500"/>
+              </a:spcBef>
+              <a:buFont typeface="Arial" panose="020B0604020202020204" pitchFamily="34" charset="0"/>
+              <a:buChar char="•"/>
+              <a:defRPr sz="1800" kern="1200">
+                <a:solidFill>
+                  <a:schemeClr val="tx1"/>
+                </a:solidFill>
+                <a:latin typeface="+mn-lt"/>
+                <a:ea typeface="+mn-ea"/>
+                <a:cs typeface="+mn-cs"/>
+              </a:defRPr>
+            </a:lvl8pPr>
+            <a:lvl9pPr marL="3886200" indent="-228600" algn="l" defTabSz="914400" rtl="0" eaLnBrk="1" latinLnBrk="0" hangingPunct="1">
+              <a:lnSpc>
+                <a:spcPct val="90000"/>
+              </a:lnSpc>
+              <a:spcBef>
+                <a:spcPts val="500"/>
+              </a:spcBef>
+              <a:buFont typeface="Arial" panose="020B0604020202020204" pitchFamily="34" charset="0"/>
+              <a:buChar char="•"/>
+              <a:defRPr sz="1800" kern="1200">
+                <a:solidFill>
+                  <a:schemeClr val="tx1"/>
+                </a:solidFill>
+                <a:latin typeface="+mn-lt"/>
+                <a:ea typeface="+mn-ea"/>
+                <a:cs typeface="+mn-cs"/>
+              </a:defRPr>
+            </a:lvl9pPr>
+          </a:lstStyle>
+          <a:p>
+            <a:pPr marL="0" indent="0" algn="ctr">
+              <a:buFont typeface="Arial" panose="020B0604020202020204" pitchFamily="34" charset="0"/>
+              <a:buNone/>
+            </a:pPr>
+            <a:r>
+              <a:rPr lang="en-US" dirty="0"/>
+              <a:t>Tarsus length</a:t>
+            </a:r>
+          </a:p>
+        </p:txBody>
+      </p:sp>
+      <p:sp>
+        <p:nvSpPr>
+          <p:cNvPr id="11" name="Content Placeholder 2">
+            <a:extLst>
+              <a:ext uri="{FF2B5EF4-FFF2-40B4-BE49-F238E27FC236}">
+                <a16:creationId xmlns:a16="http://schemas.microsoft.com/office/drawing/2014/main" id="{0812A820-EA68-461B-A7A6-91A2950AB32F}"/>
+              </a:ext>
+            </a:extLst>
+          </p:cNvPr>
+          <p:cNvSpPr txBox="1">
+            <a:spLocks/>
+          </p:cNvSpPr>
+          <p:nvPr/>
+        </p:nvSpPr>
+        <p:spPr>
+          <a:xfrm>
+            <a:off x="4146263" y="4027559"/>
+            <a:ext cx="3306685" cy="1675109"/>
+          </a:xfrm>
+          <a:prstGeom prst="rect">
+            <a:avLst/>
+          </a:prstGeom>
+        </p:spPr>
+        <p:txBody>
+          <a:bodyPr vert="horz" lIns="91440" tIns="45720" rIns="91440" bIns="45720" rtlCol="0">
+            <a:normAutofit/>
+          </a:bodyPr>
+          <a:lstStyle>
+            <a:lvl1pPr marL="228600" indent="-228600" algn="l" defTabSz="914400" rtl="0" eaLnBrk="1" latinLnBrk="0" hangingPunct="1">
+              <a:lnSpc>
+                <a:spcPct val="90000"/>
+              </a:lnSpc>
+              <a:spcBef>
+                <a:spcPts val="1000"/>
+              </a:spcBef>
+              <a:buFont typeface="Arial" panose="020B0604020202020204" pitchFamily="34" charset="0"/>
+              <a:buChar char="•"/>
+              <a:defRPr sz="2800" kern="1200">
+                <a:solidFill>
+                  <a:schemeClr val="tx1"/>
+                </a:solidFill>
+                <a:latin typeface="+mn-lt"/>
+                <a:ea typeface="+mn-ea"/>
+                <a:cs typeface="+mn-cs"/>
+              </a:defRPr>
+            </a:lvl1pPr>
+            <a:lvl2pPr marL="685800" indent="-228600" algn="l" defTabSz="914400" rtl="0" eaLnBrk="1" latinLnBrk="0" hangingPunct="1">
+              <a:lnSpc>
+                <a:spcPct val="90000"/>
+              </a:lnSpc>
+              <a:spcBef>
+                <a:spcPts val="500"/>
+              </a:spcBef>
+              <a:buFont typeface="Arial" panose="020B0604020202020204" pitchFamily="34" charset="0"/>
+              <a:buChar char="•"/>
+              <a:defRPr sz="2400" kern="1200">
+                <a:solidFill>
+                  <a:schemeClr val="tx1"/>
+                </a:solidFill>
+                <a:latin typeface="+mn-lt"/>
+                <a:ea typeface="+mn-ea"/>
+                <a:cs typeface="+mn-cs"/>
+              </a:defRPr>
+            </a:lvl2pPr>
+            <a:lvl3pPr marL="1143000" indent="-228600" algn="l" defTabSz="914400" rtl="0" eaLnBrk="1" latinLnBrk="0" hangingPunct="1">
+              <a:lnSpc>
+                <a:spcPct val="90000"/>
+              </a:lnSpc>
+              <a:spcBef>
+                <a:spcPts val="500"/>
+              </a:spcBef>
+              <a:buFont typeface="Arial" panose="020B0604020202020204" pitchFamily="34" charset="0"/>
+              <a:buChar char="•"/>
+              <a:defRPr sz="2000" kern="1200">
+                <a:solidFill>
+                  <a:schemeClr val="tx1"/>
+                </a:solidFill>
+                <a:latin typeface="+mn-lt"/>
+                <a:ea typeface="+mn-ea"/>
+                <a:cs typeface="+mn-cs"/>
+              </a:defRPr>
+            </a:lvl3pPr>
+            <a:lvl4pPr marL="1600200" indent="-228600" algn="l" defTabSz="914400" rtl="0" eaLnBrk="1" latinLnBrk="0" hangingPunct="1">
+              <a:lnSpc>
+                <a:spcPct val="90000"/>
+              </a:lnSpc>
+              <a:spcBef>
+                <a:spcPts val="500"/>
+              </a:spcBef>
+              <a:buFont typeface="Arial" panose="020B0604020202020204" pitchFamily="34" charset="0"/>
+              <a:buChar char="•"/>
+              <a:defRPr sz="1800" kern="1200">
+                <a:solidFill>
+                  <a:schemeClr val="tx1"/>
+                </a:solidFill>
+                <a:latin typeface="+mn-lt"/>
+                <a:ea typeface="+mn-ea"/>
+                <a:cs typeface="+mn-cs"/>
+              </a:defRPr>
+            </a:lvl4pPr>
+            <a:lvl5pPr marL="2057400" indent="-228600" algn="l" defTabSz="914400" rtl="0" eaLnBrk="1" latinLnBrk="0" hangingPunct="1">
+              <a:lnSpc>
+                <a:spcPct val="90000"/>
+              </a:lnSpc>
+              <a:spcBef>
+                <a:spcPts val="500"/>
+              </a:spcBef>
+              <a:buFont typeface="Arial" panose="020B0604020202020204" pitchFamily="34" charset="0"/>
+              <a:buChar char="•"/>
+              <a:defRPr sz="1800" kern="1200">
+                <a:solidFill>
+                  <a:schemeClr val="tx1"/>
+                </a:solidFill>
+                <a:latin typeface="+mn-lt"/>
+                <a:ea typeface="+mn-ea"/>
+                <a:cs typeface="+mn-cs"/>
+              </a:defRPr>
+            </a:lvl5pPr>
+            <a:lvl6pPr marL="2514600" indent="-228600" algn="l" defTabSz="914400" rtl="0" eaLnBrk="1" latinLnBrk="0" hangingPunct="1">
+              <a:lnSpc>
+                <a:spcPct val="90000"/>
+              </a:lnSpc>
+              <a:spcBef>
+                <a:spcPts val="500"/>
+              </a:spcBef>
+              <a:buFont typeface="Arial" panose="020B0604020202020204" pitchFamily="34" charset="0"/>
+              <a:buChar char="•"/>
+              <a:defRPr sz="1800" kern="1200">
+                <a:solidFill>
+                  <a:schemeClr val="tx1"/>
+                </a:solidFill>
+                <a:latin typeface="+mn-lt"/>
+                <a:ea typeface="+mn-ea"/>
+                <a:cs typeface="+mn-cs"/>
+              </a:defRPr>
+            </a:lvl6pPr>
+            <a:lvl7pPr marL="2971800" indent="-228600" algn="l" defTabSz="914400" rtl="0" eaLnBrk="1" latinLnBrk="0" hangingPunct="1">
+              <a:lnSpc>
+                <a:spcPct val="90000"/>
+              </a:lnSpc>
+              <a:spcBef>
+                <a:spcPts val="500"/>
+              </a:spcBef>
+              <a:buFont typeface="Arial" panose="020B0604020202020204" pitchFamily="34" charset="0"/>
+              <a:buChar char="•"/>
+              <a:defRPr sz="1800" kern="1200">
+                <a:solidFill>
+                  <a:schemeClr val="tx1"/>
+                </a:solidFill>
+                <a:latin typeface="+mn-lt"/>
+                <a:ea typeface="+mn-ea"/>
+                <a:cs typeface="+mn-cs"/>
+              </a:defRPr>
+            </a:lvl7pPr>
+            <a:lvl8pPr marL="3429000" indent="-228600" algn="l" defTabSz="914400" rtl="0" eaLnBrk="1" latinLnBrk="0" hangingPunct="1">
+              <a:lnSpc>
+                <a:spcPct val="90000"/>
+              </a:lnSpc>
+              <a:spcBef>
+                <a:spcPts val="500"/>
+              </a:spcBef>
+              <a:buFont typeface="Arial" panose="020B0604020202020204" pitchFamily="34" charset="0"/>
+              <a:buChar char="•"/>
+              <a:defRPr sz="1800" kern="1200">
+                <a:solidFill>
+                  <a:schemeClr val="tx1"/>
+                </a:solidFill>
+                <a:latin typeface="+mn-lt"/>
+                <a:ea typeface="+mn-ea"/>
+                <a:cs typeface="+mn-cs"/>
+              </a:defRPr>
+            </a:lvl8pPr>
+            <a:lvl9pPr marL="3886200" indent="-228600" algn="l" defTabSz="914400" rtl="0" eaLnBrk="1" latinLnBrk="0" hangingPunct="1">
+              <a:lnSpc>
+                <a:spcPct val="90000"/>
+              </a:lnSpc>
+              <a:spcBef>
+                <a:spcPts val="500"/>
+              </a:spcBef>
+              <a:buFont typeface="Arial" panose="020B0604020202020204" pitchFamily="34" charset="0"/>
+              <a:buChar char="•"/>
+              <a:defRPr sz="1800" kern="1200">
+                <a:solidFill>
+                  <a:schemeClr val="tx1"/>
+                </a:solidFill>
+                <a:latin typeface="+mn-lt"/>
+                <a:ea typeface="+mn-ea"/>
+                <a:cs typeface="+mn-cs"/>
+              </a:defRPr>
+            </a:lvl9pPr>
+          </a:lstStyle>
+          <a:p>
+            <a:pPr marL="0" indent="0" algn="ctr">
+              <a:buFont typeface="Arial" panose="020B0604020202020204" pitchFamily="34" charset="0"/>
+              <a:buNone/>
+            </a:pPr>
+            <a:r>
+              <a:rPr lang="en-US" dirty="0"/>
+              <a:t>Sex</a:t>
+            </a:r>
+          </a:p>
+        </p:txBody>
+      </p:sp>
+      <p:cxnSp>
+        <p:nvCxnSpPr>
+          <p:cNvPr id="12" name="Straight Arrow Connector 11">
+            <a:extLst>
+              <a:ext uri="{FF2B5EF4-FFF2-40B4-BE49-F238E27FC236}">
+                <a16:creationId xmlns:a16="http://schemas.microsoft.com/office/drawing/2014/main" id="{477C09E7-C39E-4148-80EE-6164DE4E1C22}"/>
+              </a:ext>
+            </a:extLst>
+          </p:cNvPr>
+          <p:cNvCxnSpPr/>
+          <p:nvPr/>
+        </p:nvCxnSpPr>
+        <p:spPr>
+          <a:xfrm flipH="1">
+            <a:off x="1893278" y="3121525"/>
+            <a:ext cx="1266092" cy="703385"/>
+          </a:xfrm>
+          <a:prstGeom prst="straightConnector1">
+            <a:avLst/>
+          </a:prstGeom>
+          <a:ln>
+            <a:tailEnd type="triangle"/>
+          </a:ln>
+        </p:spPr>
+        <p:style>
+          <a:lnRef idx="3">
+            <a:schemeClr val="accent5"/>
+          </a:lnRef>
+          <a:fillRef idx="0">
+            <a:schemeClr val="accent5"/>
+          </a:fillRef>
+          <a:effectRef idx="2">
+            <a:schemeClr val="accent5"/>
+          </a:effectRef>
+          <a:fontRef idx="minor">
+            <a:schemeClr val="tx1"/>
+          </a:fontRef>
+        </p:style>
+      </p:cxnSp>
+      <p:cxnSp>
+        <p:nvCxnSpPr>
+          <p:cNvPr id="14" name="Straight Arrow Connector 13">
+            <a:extLst>
+              <a:ext uri="{FF2B5EF4-FFF2-40B4-BE49-F238E27FC236}">
+                <a16:creationId xmlns:a16="http://schemas.microsoft.com/office/drawing/2014/main" id="{DFC140CC-6FD3-4E91-9522-EAAC348AB947}"/>
+              </a:ext>
+            </a:extLst>
+          </p:cNvPr>
+          <p:cNvCxnSpPr/>
+          <p:nvPr/>
+        </p:nvCxnSpPr>
+        <p:spPr>
+          <a:xfrm flipH="1">
+            <a:off x="3930162" y="3108122"/>
+            <a:ext cx="483577" cy="818113"/>
+          </a:xfrm>
+          <a:prstGeom prst="straightConnector1">
+            <a:avLst/>
+          </a:prstGeom>
+          <a:ln>
+            <a:tailEnd type="triangle"/>
+          </a:ln>
+        </p:spPr>
+        <p:style>
+          <a:lnRef idx="3">
+            <a:schemeClr val="accent5"/>
+          </a:lnRef>
+          <a:fillRef idx="0">
+            <a:schemeClr val="accent5"/>
+          </a:fillRef>
+          <a:effectRef idx="2">
+            <a:schemeClr val="accent5"/>
+          </a:effectRef>
+          <a:fontRef idx="minor">
+            <a:schemeClr val="tx1"/>
+          </a:fontRef>
+        </p:style>
+      </p:cxnSp>
+      <p:sp>
+        <p:nvSpPr>
+          <p:cNvPr id="15" name="Content Placeholder 2">
+            <a:extLst>
+              <a:ext uri="{FF2B5EF4-FFF2-40B4-BE49-F238E27FC236}">
+                <a16:creationId xmlns:a16="http://schemas.microsoft.com/office/drawing/2014/main" id="{98641160-134C-4C72-94DD-00E0C10177C0}"/>
+              </a:ext>
+            </a:extLst>
+          </p:cNvPr>
+          <p:cNvSpPr txBox="1">
+            <a:spLocks/>
+          </p:cNvSpPr>
+          <p:nvPr/>
+        </p:nvSpPr>
+        <p:spPr>
+          <a:xfrm>
+            <a:off x="5890458" y="4027559"/>
+            <a:ext cx="3306685" cy="1675109"/>
+          </a:xfrm>
+          <a:prstGeom prst="rect">
+            <a:avLst/>
+          </a:prstGeom>
+        </p:spPr>
+        <p:txBody>
+          <a:bodyPr vert="horz" lIns="91440" tIns="45720" rIns="91440" bIns="45720" rtlCol="0">
+            <a:normAutofit/>
+          </a:bodyPr>
+          <a:lstStyle>
+            <a:lvl1pPr marL="228600" indent="-228600" algn="l" defTabSz="914400" rtl="0" eaLnBrk="1" latinLnBrk="0" hangingPunct="1">
+              <a:lnSpc>
+                <a:spcPct val="90000"/>
+              </a:lnSpc>
+              <a:spcBef>
+                <a:spcPts val="1000"/>
+              </a:spcBef>
+              <a:buFont typeface="Arial" panose="020B0604020202020204" pitchFamily="34" charset="0"/>
+              <a:buChar char="•"/>
+              <a:defRPr sz="2800" kern="1200">
+                <a:solidFill>
+                  <a:schemeClr val="tx1"/>
+                </a:solidFill>
+                <a:latin typeface="+mn-lt"/>
+                <a:ea typeface="+mn-ea"/>
+                <a:cs typeface="+mn-cs"/>
+              </a:defRPr>
+            </a:lvl1pPr>
+            <a:lvl2pPr marL="685800" indent="-228600" algn="l" defTabSz="914400" rtl="0" eaLnBrk="1" latinLnBrk="0" hangingPunct="1">
+              <a:lnSpc>
+                <a:spcPct val="90000"/>
+              </a:lnSpc>
+              <a:spcBef>
+                <a:spcPts val="500"/>
+              </a:spcBef>
+              <a:buFont typeface="Arial" panose="020B0604020202020204" pitchFamily="34" charset="0"/>
+              <a:buChar char="•"/>
+              <a:defRPr sz="2400" kern="1200">
+                <a:solidFill>
+                  <a:schemeClr val="tx1"/>
+                </a:solidFill>
+                <a:latin typeface="+mn-lt"/>
+                <a:ea typeface="+mn-ea"/>
+                <a:cs typeface="+mn-cs"/>
+              </a:defRPr>
+            </a:lvl2pPr>
+            <a:lvl3pPr marL="1143000" indent="-228600" algn="l" defTabSz="914400" rtl="0" eaLnBrk="1" latinLnBrk="0" hangingPunct="1">
+              <a:lnSpc>
+                <a:spcPct val="90000"/>
+              </a:lnSpc>
+              <a:spcBef>
+                <a:spcPts val="500"/>
+              </a:spcBef>
+              <a:buFont typeface="Arial" panose="020B0604020202020204" pitchFamily="34" charset="0"/>
+              <a:buChar char="•"/>
+              <a:defRPr sz="2000" kern="1200">
+                <a:solidFill>
+                  <a:schemeClr val="tx1"/>
+                </a:solidFill>
+                <a:latin typeface="+mn-lt"/>
+                <a:ea typeface="+mn-ea"/>
+                <a:cs typeface="+mn-cs"/>
+              </a:defRPr>
+            </a:lvl3pPr>
+            <a:lvl4pPr marL="1600200" indent="-228600" algn="l" defTabSz="914400" rtl="0" eaLnBrk="1" latinLnBrk="0" hangingPunct="1">
+              <a:lnSpc>
+                <a:spcPct val="90000"/>
+              </a:lnSpc>
+              <a:spcBef>
+                <a:spcPts val="500"/>
+              </a:spcBef>
+              <a:buFont typeface="Arial" panose="020B0604020202020204" pitchFamily="34" charset="0"/>
+              <a:buChar char="•"/>
+              <a:defRPr sz="1800" kern="1200">
+                <a:solidFill>
+                  <a:schemeClr val="tx1"/>
+                </a:solidFill>
+                <a:latin typeface="+mn-lt"/>
+                <a:ea typeface="+mn-ea"/>
+                <a:cs typeface="+mn-cs"/>
+              </a:defRPr>
+            </a:lvl4pPr>
+            <a:lvl5pPr marL="2057400" indent="-228600" algn="l" defTabSz="914400" rtl="0" eaLnBrk="1" latinLnBrk="0" hangingPunct="1">
+              <a:lnSpc>
+                <a:spcPct val="90000"/>
+              </a:lnSpc>
+              <a:spcBef>
+                <a:spcPts val="500"/>
+              </a:spcBef>
+              <a:buFont typeface="Arial" panose="020B0604020202020204" pitchFamily="34" charset="0"/>
+              <a:buChar char="•"/>
+              <a:defRPr sz="1800" kern="1200">
+                <a:solidFill>
+                  <a:schemeClr val="tx1"/>
+                </a:solidFill>
+                <a:latin typeface="+mn-lt"/>
+                <a:ea typeface="+mn-ea"/>
+                <a:cs typeface="+mn-cs"/>
+              </a:defRPr>
+            </a:lvl5pPr>
+            <a:lvl6pPr marL="2514600" indent="-228600" algn="l" defTabSz="914400" rtl="0" eaLnBrk="1" latinLnBrk="0" hangingPunct="1">
+              <a:lnSpc>
+                <a:spcPct val="90000"/>
+              </a:lnSpc>
+              <a:spcBef>
+                <a:spcPts val="500"/>
+              </a:spcBef>
+              <a:buFont typeface="Arial" panose="020B0604020202020204" pitchFamily="34" charset="0"/>
+              <a:buChar char="•"/>
+              <a:defRPr sz="1800" kern="1200">
+                <a:solidFill>
+                  <a:schemeClr val="tx1"/>
+                </a:solidFill>
+                <a:latin typeface="+mn-lt"/>
+                <a:ea typeface="+mn-ea"/>
+                <a:cs typeface="+mn-cs"/>
+              </a:defRPr>
+            </a:lvl6pPr>
+            <a:lvl7pPr marL="2971800" indent="-228600" algn="l" defTabSz="914400" rtl="0" eaLnBrk="1" latinLnBrk="0" hangingPunct="1">
+              <a:lnSpc>
+                <a:spcPct val="90000"/>
+              </a:lnSpc>
+              <a:spcBef>
+                <a:spcPts val="500"/>
+              </a:spcBef>
+              <a:buFont typeface="Arial" panose="020B0604020202020204" pitchFamily="34" charset="0"/>
+              <a:buChar char="•"/>
+              <a:defRPr sz="1800" kern="1200">
+                <a:solidFill>
+                  <a:schemeClr val="tx1"/>
+                </a:solidFill>
+                <a:latin typeface="+mn-lt"/>
+                <a:ea typeface="+mn-ea"/>
+                <a:cs typeface="+mn-cs"/>
+              </a:defRPr>
+            </a:lvl7pPr>
+            <a:lvl8pPr marL="3429000" indent="-228600" algn="l" defTabSz="914400" rtl="0" eaLnBrk="1" latinLnBrk="0" hangingPunct="1">
+              <a:lnSpc>
+                <a:spcPct val="90000"/>
+              </a:lnSpc>
+              <a:spcBef>
+                <a:spcPts val="500"/>
+              </a:spcBef>
+              <a:buFont typeface="Arial" panose="020B0604020202020204" pitchFamily="34" charset="0"/>
+              <a:buChar char="•"/>
+              <a:defRPr sz="1800" kern="1200">
+                <a:solidFill>
+                  <a:schemeClr val="tx1"/>
+                </a:solidFill>
+                <a:latin typeface="+mn-lt"/>
+                <a:ea typeface="+mn-ea"/>
+                <a:cs typeface="+mn-cs"/>
+              </a:defRPr>
+            </a:lvl8pPr>
+            <a:lvl9pPr marL="3886200" indent="-228600" algn="l" defTabSz="914400" rtl="0" eaLnBrk="1" latinLnBrk="0" hangingPunct="1">
+              <a:lnSpc>
+                <a:spcPct val="90000"/>
+              </a:lnSpc>
+              <a:spcBef>
+                <a:spcPts val="500"/>
+              </a:spcBef>
+              <a:buFont typeface="Arial" panose="020B0604020202020204" pitchFamily="34" charset="0"/>
+              <a:buChar char="•"/>
+              <a:defRPr sz="1800" kern="1200">
+                <a:solidFill>
+                  <a:schemeClr val="tx1"/>
+                </a:solidFill>
+                <a:latin typeface="+mn-lt"/>
+                <a:ea typeface="+mn-ea"/>
+                <a:cs typeface="+mn-cs"/>
+              </a:defRPr>
+            </a:lvl9pPr>
+          </a:lstStyle>
+          <a:p>
+            <a:pPr marL="0" indent="0" algn="ctr">
+              <a:buFont typeface="Arial" panose="020B0604020202020204" pitchFamily="34" charset="0"/>
+              <a:buNone/>
+            </a:pPr>
+            <a:r>
+              <a:rPr lang="en-US" dirty="0"/>
+              <a:t>Error</a:t>
+            </a:r>
+          </a:p>
+        </p:txBody>
+      </p:sp>
+      <p:cxnSp>
+        <p:nvCxnSpPr>
+          <p:cNvPr id="17" name="Straight Arrow Connector 16">
+            <a:extLst>
+              <a:ext uri="{FF2B5EF4-FFF2-40B4-BE49-F238E27FC236}">
+                <a16:creationId xmlns:a16="http://schemas.microsoft.com/office/drawing/2014/main" id="{C42F761F-8BE2-4398-92B5-DC1570128711}"/>
+              </a:ext>
+            </a:extLst>
+          </p:cNvPr>
+          <p:cNvCxnSpPr/>
+          <p:nvPr/>
+        </p:nvCxnSpPr>
+        <p:spPr>
+          <a:xfrm>
+            <a:off x="5799605" y="3121525"/>
+            <a:ext cx="0" cy="818108"/>
+          </a:xfrm>
+          <a:prstGeom prst="straightConnector1">
+            <a:avLst/>
+          </a:prstGeom>
+          <a:ln>
+            <a:tailEnd type="triangle"/>
+          </a:ln>
+        </p:spPr>
+        <p:style>
+          <a:lnRef idx="3">
+            <a:schemeClr val="accent5"/>
+          </a:lnRef>
+          <a:fillRef idx="0">
+            <a:schemeClr val="accent5"/>
+          </a:fillRef>
+          <a:effectRef idx="2">
+            <a:schemeClr val="accent5"/>
+          </a:effectRef>
+          <a:fontRef idx="minor">
+            <a:schemeClr val="tx1"/>
+          </a:fontRef>
+        </p:style>
+      </p:cxnSp>
+      <p:sp>
+        <p:nvSpPr>
+          <p:cNvPr id="18" name="Content Placeholder 2">
+            <a:extLst>
+              <a:ext uri="{FF2B5EF4-FFF2-40B4-BE49-F238E27FC236}">
+                <a16:creationId xmlns:a16="http://schemas.microsoft.com/office/drawing/2014/main" id="{CDFA552E-21E7-4F67-9839-0A04B3043E1A}"/>
+              </a:ext>
+            </a:extLst>
+          </p:cNvPr>
+          <p:cNvSpPr txBox="1">
+            <a:spLocks/>
+          </p:cNvSpPr>
+          <p:nvPr/>
+        </p:nvSpPr>
+        <p:spPr>
+          <a:xfrm>
+            <a:off x="2276819" y="4027559"/>
+            <a:ext cx="3306685" cy="1675109"/>
+          </a:xfrm>
+          <a:prstGeom prst="rect">
+            <a:avLst/>
+          </a:prstGeom>
+        </p:spPr>
+        <p:txBody>
+          <a:bodyPr vert="horz" lIns="91440" tIns="45720" rIns="91440" bIns="45720" rtlCol="0">
+            <a:normAutofit/>
+          </a:bodyPr>
+          <a:lstStyle>
+            <a:lvl1pPr marL="228600" indent="-228600" algn="l" defTabSz="914400" rtl="0" eaLnBrk="1" latinLnBrk="0" hangingPunct="1">
+              <a:lnSpc>
+                <a:spcPct val="90000"/>
+              </a:lnSpc>
+              <a:spcBef>
+                <a:spcPts val="1000"/>
+              </a:spcBef>
+              <a:buFont typeface="Arial" panose="020B0604020202020204" pitchFamily="34" charset="0"/>
+              <a:buChar char="•"/>
+              <a:defRPr sz="2800" kern="1200">
+                <a:solidFill>
+                  <a:schemeClr val="tx1"/>
+                </a:solidFill>
+                <a:latin typeface="+mn-lt"/>
+                <a:ea typeface="+mn-ea"/>
+                <a:cs typeface="+mn-cs"/>
+              </a:defRPr>
+            </a:lvl1pPr>
+            <a:lvl2pPr marL="685800" indent="-228600" algn="l" defTabSz="914400" rtl="0" eaLnBrk="1" latinLnBrk="0" hangingPunct="1">
+              <a:lnSpc>
+                <a:spcPct val="90000"/>
+              </a:lnSpc>
+              <a:spcBef>
+                <a:spcPts val="500"/>
+              </a:spcBef>
+              <a:buFont typeface="Arial" panose="020B0604020202020204" pitchFamily="34" charset="0"/>
+              <a:buChar char="•"/>
+              <a:defRPr sz="2400" kern="1200">
+                <a:solidFill>
+                  <a:schemeClr val="tx1"/>
+                </a:solidFill>
+                <a:latin typeface="+mn-lt"/>
+                <a:ea typeface="+mn-ea"/>
+                <a:cs typeface="+mn-cs"/>
+              </a:defRPr>
+            </a:lvl2pPr>
+            <a:lvl3pPr marL="1143000" indent="-228600" algn="l" defTabSz="914400" rtl="0" eaLnBrk="1" latinLnBrk="0" hangingPunct="1">
+              <a:lnSpc>
+                <a:spcPct val="90000"/>
+              </a:lnSpc>
+              <a:spcBef>
+                <a:spcPts val="500"/>
+              </a:spcBef>
+              <a:buFont typeface="Arial" panose="020B0604020202020204" pitchFamily="34" charset="0"/>
+              <a:buChar char="•"/>
+              <a:defRPr sz="2000" kern="1200">
+                <a:solidFill>
+                  <a:schemeClr val="tx1"/>
+                </a:solidFill>
+                <a:latin typeface="+mn-lt"/>
+                <a:ea typeface="+mn-ea"/>
+                <a:cs typeface="+mn-cs"/>
+              </a:defRPr>
+            </a:lvl3pPr>
+            <a:lvl4pPr marL="1600200" indent="-228600" algn="l" defTabSz="914400" rtl="0" eaLnBrk="1" latinLnBrk="0" hangingPunct="1">
+              <a:lnSpc>
+                <a:spcPct val="90000"/>
+              </a:lnSpc>
+              <a:spcBef>
+                <a:spcPts val="500"/>
+              </a:spcBef>
+              <a:buFont typeface="Arial" panose="020B0604020202020204" pitchFamily="34" charset="0"/>
+              <a:buChar char="•"/>
+              <a:defRPr sz="1800" kern="1200">
+                <a:solidFill>
+                  <a:schemeClr val="tx1"/>
+                </a:solidFill>
+                <a:latin typeface="+mn-lt"/>
+                <a:ea typeface="+mn-ea"/>
+                <a:cs typeface="+mn-cs"/>
+              </a:defRPr>
+            </a:lvl4pPr>
+            <a:lvl5pPr marL="2057400" indent="-228600" algn="l" defTabSz="914400" rtl="0" eaLnBrk="1" latinLnBrk="0" hangingPunct="1">
+              <a:lnSpc>
+                <a:spcPct val="90000"/>
+              </a:lnSpc>
+              <a:spcBef>
+                <a:spcPts val="500"/>
+              </a:spcBef>
+              <a:buFont typeface="Arial" panose="020B0604020202020204" pitchFamily="34" charset="0"/>
+              <a:buChar char="•"/>
+              <a:defRPr sz="1800" kern="1200">
+                <a:solidFill>
+                  <a:schemeClr val="tx1"/>
+                </a:solidFill>
+                <a:latin typeface="+mn-lt"/>
+                <a:ea typeface="+mn-ea"/>
+                <a:cs typeface="+mn-cs"/>
+              </a:defRPr>
+            </a:lvl5pPr>
+            <a:lvl6pPr marL="2514600" indent="-228600" algn="l" defTabSz="914400" rtl="0" eaLnBrk="1" latinLnBrk="0" hangingPunct="1">
+              <a:lnSpc>
+                <a:spcPct val="90000"/>
+              </a:lnSpc>
+              <a:spcBef>
+                <a:spcPts val="500"/>
+              </a:spcBef>
+              <a:buFont typeface="Arial" panose="020B0604020202020204" pitchFamily="34" charset="0"/>
+              <a:buChar char="•"/>
+              <a:defRPr sz="1800" kern="1200">
+                <a:solidFill>
+                  <a:schemeClr val="tx1"/>
+                </a:solidFill>
+                <a:latin typeface="+mn-lt"/>
+                <a:ea typeface="+mn-ea"/>
+                <a:cs typeface="+mn-cs"/>
+              </a:defRPr>
+            </a:lvl6pPr>
+            <a:lvl7pPr marL="2971800" indent="-228600" algn="l" defTabSz="914400" rtl="0" eaLnBrk="1" latinLnBrk="0" hangingPunct="1">
+              <a:lnSpc>
+                <a:spcPct val="90000"/>
+              </a:lnSpc>
+              <a:spcBef>
+                <a:spcPts val="500"/>
+              </a:spcBef>
+              <a:buFont typeface="Arial" panose="020B0604020202020204" pitchFamily="34" charset="0"/>
+              <a:buChar char="•"/>
+              <a:defRPr sz="1800" kern="1200">
+                <a:solidFill>
+                  <a:schemeClr val="tx1"/>
+                </a:solidFill>
+                <a:latin typeface="+mn-lt"/>
+                <a:ea typeface="+mn-ea"/>
+                <a:cs typeface="+mn-cs"/>
+              </a:defRPr>
+            </a:lvl7pPr>
+            <a:lvl8pPr marL="3429000" indent="-228600" algn="l" defTabSz="914400" rtl="0" eaLnBrk="1" latinLnBrk="0" hangingPunct="1">
+              <a:lnSpc>
+                <a:spcPct val="90000"/>
+              </a:lnSpc>
+              <a:spcBef>
+                <a:spcPts val="500"/>
+              </a:spcBef>
+              <a:buFont typeface="Arial" panose="020B0604020202020204" pitchFamily="34" charset="0"/>
+              <a:buChar char="•"/>
+              <a:defRPr sz="1800" kern="1200">
+                <a:solidFill>
+                  <a:schemeClr val="tx1"/>
+                </a:solidFill>
+                <a:latin typeface="+mn-lt"/>
+                <a:ea typeface="+mn-ea"/>
+                <a:cs typeface="+mn-cs"/>
+              </a:defRPr>
+            </a:lvl8pPr>
+            <a:lvl9pPr marL="3886200" indent="-228600" algn="l" defTabSz="914400" rtl="0" eaLnBrk="1" latinLnBrk="0" hangingPunct="1">
+              <a:lnSpc>
+                <a:spcPct val="90000"/>
+              </a:lnSpc>
+              <a:spcBef>
+                <a:spcPts val="500"/>
+              </a:spcBef>
+              <a:buFont typeface="Arial" panose="020B0604020202020204" pitchFamily="34" charset="0"/>
+              <a:buChar char="•"/>
+              <a:defRPr sz="1800" kern="1200">
+                <a:solidFill>
+                  <a:schemeClr val="tx1"/>
+                </a:solidFill>
+                <a:latin typeface="+mn-lt"/>
+                <a:ea typeface="+mn-ea"/>
+                <a:cs typeface="+mn-cs"/>
+              </a:defRPr>
+            </a:lvl9pPr>
+          </a:lstStyle>
+          <a:p>
+            <a:pPr marL="0" indent="0" algn="ctr">
+              <a:buFont typeface="Arial" panose="020B0604020202020204" pitchFamily="34" charset="0"/>
+              <a:buNone/>
+            </a:pPr>
+            <a:r>
+              <a:rPr lang="en-US" dirty="0"/>
+              <a:t>Intercept</a:t>
+            </a:r>
+          </a:p>
+        </p:txBody>
+      </p:sp>
+      <p:cxnSp>
+        <p:nvCxnSpPr>
+          <p:cNvPr id="20" name="Straight Arrow Connector 19">
+            <a:extLst>
+              <a:ext uri="{FF2B5EF4-FFF2-40B4-BE49-F238E27FC236}">
+                <a16:creationId xmlns:a16="http://schemas.microsoft.com/office/drawing/2014/main" id="{B44B1E34-AE71-4AD7-8F7D-C780937844D2}"/>
+              </a:ext>
+            </a:extLst>
+          </p:cNvPr>
+          <p:cNvCxnSpPr/>
+          <p:nvPr/>
+        </p:nvCxnSpPr>
+        <p:spPr>
+          <a:xfrm>
+            <a:off x="7238952" y="3108122"/>
+            <a:ext cx="297486" cy="800526"/>
+          </a:xfrm>
+          <a:prstGeom prst="straightConnector1">
+            <a:avLst/>
+          </a:prstGeom>
+          <a:ln>
+            <a:tailEnd type="triangle"/>
+          </a:ln>
+        </p:spPr>
+        <p:style>
+          <a:lnRef idx="1">
+            <a:schemeClr val="accent1"/>
+          </a:lnRef>
+          <a:fillRef idx="0">
+            <a:schemeClr val="accent1"/>
+          </a:fillRef>
+          <a:effectRef idx="0">
+            <a:schemeClr val="accent1"/>
+          </a:effectRef>
+          <a:fontRef idx="minor">
+            <a:schemeClr val="tx1"/>
+          </a:fontRef>
+        </p:style>
+      </p:cxnSp>
+      <mc:AlternateContent xmlns:mc="http://schemas.openxmlformats.org/markup-compatibility/2006">
+        <mc:Choice xmlns:a14="http://schemas.microsoft.com/office/drawing/2010/main" Requires="a14">
+          <p:sp>
+            <p:nvSpPr>
+              <p:cNvPr id="21" name="TextBox 20">
+                <a:extLst>
+                  <a:ext uri="{FF2B5EF4-FFF2-40B4-BE49-F238E27FC236}">
+                    <a16:creationId xmlns:a16="http://schemas.microsoft.com/office/drawing/2014/main" id="{72E94561-D2D1-44EA-B470-23B0F661F21E}"/>
+                  </a:ext>
+                </a:extLst>
+              </p:cNvPr>
+              <p:cNvSpPr txBox="1"/>
+              <p:nvPr/>
+            </p:nvSpPr>
+            <p:spPr>
+              <a:xfrm>
+                <a:off x="8682404" y="1969477"/>
+                <a:ext cx="2557110" cy="276999"/>
+              </a:xfrm>
+              <a:prstGeom prst="rect">
+                <a:avLst/>
+              </a:prstGeom>
+              <a:noFill/>
+            </p:spPr>
+            <p:txBody>
+              <a:bodyPr wrap="none" lIns="0" tIns="0" rIns="0" bIns="0" rtlCol="0">
+                <a:spAutoFit/>
+              </a:bodyPr>
+              <a:lstStyle/>
+              <a:p>
+                <a14:m>
+                  <m:oMathPara xmlns:m="http://schemas.openxmlformats.org/officeDocument/2006/math">
+                    <m:oMathParaPr>
+                      <m:jc m:val="centerGroup"/>
+                    </m:oMathParaPr>
+                    <m:oMath xmlns:m="http://schemas.openxmlformats.org/officeDocument/2006/math">
+                      <m:r>
+                        <a:rPr lang="fr-CA" b="0" i="1" smtClean="0">
+                          <a:latin typeface="Cambria Math" panose="02040503050406030204" pitchFamily="18" charset="0"/>
+                        </a:rPr>
+                        <m:t>𝑖</m:t>
+                      </m:r>
+                      <m:r>
+                        <a:rPr lang="fr-CA" b="0" i="1" smtClean="0">
+                          <a:latin typeface="Cambria Math" panose="02040503050406030204" pitchFamily="18" charset="0"/>
+                        </a:rPr>
+                        <m:t>=</m:t>
+                      </m:r>
+                      <m:r>
+                        <a:rPr lang="fr-CA" b="0" i="1" smtClean="0">
+                          <a:latin typeface="Cambria Math" panose="02040503050406030204" pitchFamily="18" charset="0"/>
+                        </a:rPr>
+                        <m:t>𝑜𝑏𝑠𝑒𝑟𝑣𝑎𝑡𝑖𝑜𝑛</m:t>
+                      </m:r>
+                      <m:r>
+                        <a:rPr lang="fr-CA" b="0" i="1" smtClean="0">
+                          <a:latin typeface="Cambria Math" panose="02040503050406030204" pitchFamily="18" charset="0"/>
+                        </a:rPr>
+                        <m:t> </m:t>
+                      </m:r>
+                      <m:r>
+                        <a:rPr lang="fr-CA" b="0" i="1" smtClean="0">
+                          <a:latin typeface="Cambria Math" panose="02040503050406030204" pitchFamily="18" charset="0"/>
+                        </a:rPr>
+                        <m:t>𝑛𝑢𝑚𝑏𝑒𝑟</m:t>
+                      </m:r>
+                    </m:oMath>
+                  </m:oMathPara>
+                </a14:m>
+                <a:endParaRPr lang="en-CA" dirty="0"/>
+              </a:p>
+            </p:txBody>
+          </p:sp>
+        </mc:Choice>
+        <mc:Fallback>
+          <p:sp>
+            <p:nvSpPr>
+              <p:cNvPr id="21" name="TextBox 20">
+                <a:extLst>
+                  <a:ext uri="{FF2B5EF4-FFF2-40B4-BE49-F238E27FC236}">
+                    <a16:creationId xmlns:a16="http://schemas.microsoft.com/office/drawing/2014/main" id="{72E94561-D2D1-44EA-B470-23B0F661F21E}"/>
+                  </a:ext>
+                </a:extLst>
+              </p:cNvPr>
+              <p:cNvSpPr txBox="1">
+                <a:spLocks noRot="1" noChangeAspect="1" noMove="1" noResize="1" noEditPoints="1" noAdjustHandles="1" noChangeArrowheads="1" noChangeShapeType="1" noTextEdit="1"/>
+              </p:cNvSpPr>
+              <p:nvPr/>
+            </p:nvSpPr>
+            <p:spPr>
+              <a:xfrm>
+                <a:off x="8682404" y="1969477"/>
+                <a:ext cx="2557110" cy="276999"/>
+              </a:xfrm>
+              <a:prstGeom prst="rect">
+                <a:avLst/>
+              </a:prstGeom>
+              <a:blipFill>
+                <a:blip r:embed="rId3"/>
+                <a:stretch>
+                  <a:fillRect l="-1905" r="-1667" b="-6522"/>
+                </a:stretch>
+              </a:blipFill>
+            </p:spPr>
+            <p:txBody>
+              <a:bodyPr/>
+              <a:lstStyle/>
+              <a:p>
+                <a:r>
+                  <a:rPr lang="en-CA">
+                    <a:noFill/>
+                  </a:rPr>
+                  <a:t> </a:t>
+                </a:r>
+              </a:p>
+            </p:txBody>
+          </p:sp>
+        </mc:Fallback>
+      </mc:AlternateContent>
+      <mc:AlternateContent xmlns:mc="http://schemas.openxmlformats.org/markup-compatibility/2006">
+        <mc:Choice xmlns:a14="http://schemas.microsoft.com/office/drawing/2010/main" Requires="a14">
+          <p:sp>
+            <p:nvSpPr>
+              <p:cNvPr id="22" name="TextBox 21">
+                <a:extLst>
+                  <a:ext uri="{FF2B5EF4-FFF2-40B4-BE49-F238E27FC236}">
+                    <a16:creationId xmlns:a16="http://schemas.microsoft.com/office/drawing/2014/main" id="{1412539A-2A48-4569-A7CD-0ED422CAF4B8}"/>
+                  </a:ext>
+                </a:extLst>
+              </p:cNvPr>
+              <p:cNvSpPr txBox="1"/>
+              <p:nvPr/>
+            </p:nvSpPr>
+            <p:spPr>
+              <a:xfrm>
+                <a:off x="8682404" y="2365387"/>
+                <a:ext cx="2394245" cy="276999"/>
+              </a:xfrm>
+              <a:prstGeom prst="rect">
+                <a:avLst/>
+              </a:prstGeom>
+              <a:noFill/>
+            </p:spPr>
+            <p:txBody>
+              <a:bodyPr wrap="none" lIns="0" tIns="0" rIns="0" bIns="0" rtlCol="0">
+                <a:spAutoFit/>
+              </a:bodyPr>
+              <a:lstStyle/>
+              <a:p>
+                <a14:m>
+                  <m:oMathPara xmlns:m="http://schemas.openxmlformats.org/officeDocument/2006/math">
+                    <m:oMathParaPr>
+                      <m:jc m:val="centerGroup"/>
+                    </m:oMathParaPr>
+                    <m:oMath xmlns:m="http://schemas.openxmlformats.org/officeDocument/2006/math">
+                      <m:r>
+                        <a:rPr lang="fr-CA" b="0" i="1" smtClean="0">
+                          <a:latin typeface="Cambria Math" panose="02040503050406030204" pitchFamily="18" charset="0"/>
+                        </a:rPr>
+                        <m:t>𝑗</m:t>
+                      </m:r>
+                      <m:r>
+                        <a:rPr lang="fr-CA" b="0" i="1" smtClean="0">
+                          <a:latin typeface="Cambria Math" panose="02040503050406030204" pitchFamily="18" charset="0"/>
+                        </a:rPr>
+                        <m:t>=</m:t>
+                      </m:r>
+                      <m:r>
+                        <a:rPr lang="fr-CA" b="0" i="1" smtClean="0">
+                          <a:latin typeface="Cambria Math" panose="02040503050406030204" pitchFamily="18" charset="0"/>
+                        </a:rPr>
+                        <m:t>𝑔𝑟𝑜𝑢𝑝</m:t>
+                      </m:r>
+                      <m:r>
+                        <a:rPr lang="fr-CA" b="0" i="1" smtClean="0">
+                          <a:latin typeface="Cambria Math" panose="02040503050406030204" pitchFamily="18" charset="0"/>
+                        </a:rPr>
+                        <m:t> (</m:t>
+                      </m:r>
+                      <m:r>
+                        <a:rPr lang="fr-CA" b="0" i="1" smtClean="0">
+                          <a:latin typeface="Cambria Math" panose="02040503050406030204" pitchFamily="18" charset="0"/>
+                        </a:rPr>
+                        <m:t>𝑚𝑜𝑡h𝑒𝑟</m:t>
+                      </m:r>
+                      <m:r>
+                        <a:rPr lang="fr-CA" b="0" i="1" smtClean="0">
+                          <a:latin typeface="Cambria Math" panose="02040503050406030204" pitchFamily="18" charset="0"/>
+                        </a:rPr>
+                        <m:t> </m:t>
+                      </m:r>
+                      <m:r>
+                        <a:rPr lang="fr-CA" b="0" i="1" smtClean="0">
+                          <a:latin typeface="Cambria Math" panose="02040503050406030204" pitchFamily="18" charset="0"/>
+                        </a:rPr>
+                        <m:t>𝐼𝐷</m:t>
+                      </m:r>
+                      <m:r>
+                        <a:rPr lang="fr-CA" b="0" i="1" smtClean="0">
+                          <a:latin typeface="Cambria Math" panose="02040503050406030204" pitchFamily="18" charset="0"/>
+                        </a:rPr>
+                        <m:t>)</m:t>
+                      </m:r>
+                    </m:oMath>
+                  </m:oMathPara>
+                </a14:m>
+                <a:endParaRPr lang="en-CA" dirty="0"/>
+              </a:p>
+            </p:txBody>
+          </p:sp>
+        </mc:Choice>
+        <mc:Fallback>
+          <p:sp>
+            <p:nvSpPr>
+              <p:cNvPr id="22" name="TextBox 21">
+                <a:extLst>
+                  <a:ext uri="{FF2B5EF4-FFF2-40B4-BE49-F238E27FC236}">
+                    <a16:creationId xmlns:a16="http://schemas.microsoft.com/office/drawing/2014/main" id="{1412539A-2A48-4569-A7CD-0ED422CAF4B8}"/>
+                  </a:ext>
+                </a:extLst>
+              </p:cNvPr>
+              <p:cNvSpPr txBox="1">
+                <a:spLocks noRot="1" noChangeAspect="1" noMove="1" noResize="1" noEditPoints="1" noAdjustHandles="1" noChangeArrowheads="1" noChangeShapeType="1" noTextEdit="1"/>
+              </p:cNvSpPr>
+              <p:nvPr/>
+            </p:nvSpPr>
+            <p:spPr>
+              <a:xfrm>
+                <a:off x="8682404" y="2365387"/>
+                <a:ext cx="2394245" cy="276999"/>
+              </a:xfrm>
+              <a:prstGeom prst="rect">
+                <a:avLst/>
+              </a:prstGeom>
+              <a:blipFill>
+                <a:blip r:embed="rId4"/>
+                <a:stretch>
+                  <a:fillRect l="-3053" t="-2222" r="-3053" b="-35556"/>
+                </a:stretch>
+              </a:blipFill>
+            </p:spPr>
+            <p:txBody>
+              <a:bodyPr/>
+              <a:lstStyle/>
+              <a:p>
+                <a:r>
+                  <a:rPr lang="en-CA">
+                    <a:noFill/>
+                  </a:rPr>
+                  <a:t> </a:t>
+                </a:r>
+              </a:p>
+            </p:txBody>
+          </p:sp>
+        </mc:Fallback>
+      </mc:AlternateContent>
+      <mc:AlternateContent xmlns:mc="http://schemas.openxmlformats.org/markup-compatibility/2006">
+        <mc:Choice xmlns:a14="http://schemas.microsoft.com/office/drawing/2010/main" Requires="a14">
+          <p:sp>
+            <p:nvSpPr>
+              <p:cNvPr id="23" name="TextBox 22">
+                <a:extLst>
+                  <a:ext uri="{FF2B5EF4-FFF2-40B4-BE49-F238E27FC236}">
+                    <a16:creationId xmlns:a16="http://schemas.microsoft.com/office/drawing/2014/main" id="{A9DEE8CE-BB3A-4D77-A19F-612523A26B10}"/>
+                  </a:ext>
+                </a:extLst>
+              </p:cNvPr>
+              <p:cNvSpPr txBox="1"/>
+              <p:nvPr/>
+            </p:nvSpPr>
+            <p:spPr>
+              <a:xfrm>
+                <a:off x="8682404" y="2762347"/>
+                <a:ext cx="1496820" cy="299313"/>
+              </a:xfrm>
+              <a:prstGeom prst="rect">
+                <a:avLst/>
+              </a:prstGeom>
+              <a:noFill/>
+            </p:spPr>
+            <p:txBody>
+              <a:bodyPr wrap="none" lIns="0" tIns="0" rIns="0" bIns="0" rtlCol="0">
+                <a:spAutoFit/>
+              </a:bodyPr>
+              <a:lstStyle/>
+              <a:p>
+                <a14:m>
+                  <m:oMathPara xmlns:m="http://schemas.openxmlformats.org/officeDocument/2006/math">
+                    <m:oMathParaPr>
+                      <m:jc m:val="centerGroup"/>
+                    </m:oMathParaPr>
+                    <m:oMath xmlns:m="http://schemas.openxmlformats.org/officeDocument/2006/math">
+                      <m:sSub>
+                        <m:sSubPr>
+                          <m:ctrlPr>
+                            <a:rPr lang="en-CA" i="1" smtClean="0">
+                              <a:latin typeface="Cambria Math" panose="02040503050406030204" pitchFamily="18" charset="0"/>
+                            </a:rPr>
+                          </m:ctrlPr>
+                        </m:sSubPr>
+                        <m:e>
+                          <m:r>
+                            <a:rPr lang="en-CA" i="1" smtClean="0">
+                              <a:latin typeface="Cambria Math" panose="02040503050406030204" pitchFamily="18" charset="0"/>
+                              <a:ea typeface="Cambria Math" panose="02040503050406030204" pitchFamily="18" charset="0"/>
+                            </a:rPr>
+                            <m:t>𝛽</m:t>
+                          </m:r>
+                        </m:e>
+                        <m:sub>
+                          <m:r>
+                            <a:rPr lang="fr-CA" b="0" i="1" smtClean="0">
+                              <a:latin typeface="Cambria Math" panose="02040503050406030204" pitchFamily="18" charset="0"/>
+                            </a:rPr>
+                            <m:t>0</m:t>
+                          </m:r>
+                          <m:r>
+                            <a:rPr lang="fr-CA" b="0" i="1" smtClean="0">
+                              <a:latin typeface="Cambria Math" panose="02040503050406030204" pitchFamily="18" charset="0"/>
+                            </a:rPr>
+                            <m:t>𝑗</m:t>
+                          </m:r>
+                        </m:sub>
+                      </m:sSub>
+                      <m:r>
+                        <a:rPr lang="en-CA" i="1" smtClean="0">
+                          <a:latin typeface="Cambria Math" panose="02040503050406030204" pitchFamily="18" charset="0"/>
+                          <a:ea typeface="Cambria Math" panose="02040503050406030204" pitchFamily="18" charset="0"/>
+                        </a:rPr>
+                        <m:t>=</m:t>
+                      </m:r>
+                      <m:sSub>
+                        <m:sSubPr>
+                          <m:ctrlPr>
+                            <a:rPr lang="en-CA" i="1" smtClean="0">
+                              <a:latin typeface="Cambria Math" panose="02040503050406030204" pitchFamily="18" charset="0"/>
+                              <a:ea typeface="Cambria Math" panose="02040503050406030204" pitchFamily="18" charset="0"/>
+                            </a:rPr>
+                          </m:ctrlPr>
+                        </m:sSubPr>
+                        <m:e>
+                          <m:r>
+                            <a:rPr lang="en-CA" i="1" smtClean="0">
+                              <a:latin typeface="Cambria Math" panose="02040503050406030204" pitchFamily="18" charset="0"/>
+                              <a:ea typeface="Cambria Math" panose="02040503050406030204" pitchFamily="18" charset="0"/>
+                            </a:rPr>
+                            <m:t>𝛽</m:t>
+                          </m:r>
+                        </m:e>
+                        <m:sub>
+                          <m:r>
+                            <a:rPr lang="fr-CA" b="0" i="1" smtClean="0">
+                              <a:latin typeface="Cambria Math" panose="02040503050406030204" pitchFamily="18" charset="0"/>
+                              <a:ea typeface="Cambria Math" panose="02040503050406030204" pitchFamily="18" charset="0"/>
+                            </a:rPr>
+                            <m:t>0</m:t>
+                          </m:r>
+                        </m:sub>
+                      </m:sSub>
+                      <m:r>
+                        <a:rPr lang="en-CA" i="1" smtClean="0">
+                          <a:latin typeface="Cambria Math" panose="02040503050406030204" pitchFamily="18" charset="0"/>
+                          <a:ea typeface="Cambria Math" panose="02040503050406030204" pitchFamily="18" charset="0"/>
+                        </a:rPr>
+                        <m:t>+</m:t>
+                      </m:r>
+                      <m:sSub>
+                        <m:sSubPr>
+                          <m:ctrlPr>
+                            <a:rPr lang="en-CA" i="1" smtClean="0">
+                              <a:latin typeface="Cambria Math" panose="02040503050406030204" pitchFamily="18" charset="0"/>
+                              <a:ea typeface="Cambria Math" panose="02040503050406030204" pitchFamily="18" charset="0"/>
+                            </a:rPr>
+                          </m:ctrlPr>
+                        </m:sSubPr>
+                        <m:e>
+                          <m:r>
+                            <a:rPr lang="en-CA" i="1" smtClean="0">
+                              <a:latin typeface="Cambria Math" panose="02040503050406030204" pitchFamily="18" charset="0"/>
+                              <a:ea typeface="Cambria Math" panose="02040503050406030204" pitchFamily="18" charset="0"/>
+                            </a:rPr>
+                            <m:t>𝜇</m:t>
+                          </m:r>
+                        </m:e>
+                        <m:sub>
+                          <m:r>
+                            <a:rPr lang="fr-CA" b="0" i="1" smtClean="0">
+                              <a:latin typeface="Cambria Math" panose="02040503050406030204" pitchFamily="18" charset="0"/>
+                              <a:ea typeface="Cambria Math" panose="02040503050406030204" pitchFamily="18" charset="0"/>
+                            </a:rPr>
+                            <m:t>0</m:t>
+                          </m:r>
+                          <m:r>
+                            <a:rPr lang="fr-CA" b="0" i="1" smtClean="0">
+                              <a:latin typeface="Cambria Math" panose="02040503050406030204" pitchFamily="18" charset="0"/>
+                              <a:ea typeface="Cambria Math" panose="02040503050406030204" pitchFamily="18" charset="0"/>
+                            </a:rPr>
+                            <m:t>𝑗</m:t>
+                          </m:r>
+                        </m:sub>
+                      </m:sSub>
+                    </m:oMath>
+                  </m:oMathPara>
+                </a14:m>
+                <a:endParaRPr lang="en-CA" dirty="0"/>
+              </a:p>
+            </p:txBody>
+          </p:sp>
+        </mc:Choice>
+        <mc:Fallback>
+          <p:sp>
+            <p:nvSpPr>
+              <p:cNvPr id="23" name="TextBox 22">
+                <a:extLst>
+                  <a:ext uri="{FF2B5EF4-FFF2-40B4-BE49-F238E27FC236}">
+                    <a16:creationId xmlns:a16="http://schemas.microsoft.com/office/drawing/2014/main" id="{A9DEE8CE-BB3A-4D77-A19F-612523A26B10}"/>
+                  </a:ext>
+                </a:extLst>
+              </p:cNvPr>
+              <p:cNvSpPr txBox="1">
+                <a:spLocks noRot="1" noChangeAspect="1" noMove="1" noResize="1" noEditPoints="1" noAdjustHandles="1" noChangeArrowheads="1" noChangeShapeType="1" noTextEdit="1"/>
+              </p:cNvSpPr>
+              <p:nvPr/>
+            </p:nvSpPr>
+            <p:spPr>
+              <a:xfrm>
+                <a:off x="8682404" y="2762347"/>
+                <a:ext cx="1496820" cy="299313"/>
+              </a:xfrm>
+              <a:prstGeom prst="rect">
+                <a:avLst/>
+              </a:prstGeom>
+              <a:blipFill>
+                <a:blip r:embed="rId5"/>
+                <a:stretch>
+                  <a:fillRect l="-5285" r="-2033" b="-26531"/>
+                </a:stretch>
+              </a:blipFill>
+            </p:spPr>
+            <p:txBody>
+              <a:bodyPr/>
+              <a:lstStyle/>
+              <a:p>
+                <a:r>
+                  <a:rPr lang="en-CA">
+                    <a:noFill/>
+                  </a:rPr>
+                  <a:t> </a:t>
+                </a:r>
+              </a:p>
+            </p:txBody>
+          </p:sp>
+        </mc:Fallback>
+      </mc:AlternateContent>
+      <mc:AlternateContent xmlns:mc="http://schemas.openxmlformats.org/markup-compatibility/2006">
+        <mc:Choice xmlns:a14="http://schemas.microsoft.com/office/drawing/2010/main" Requires="a14">
+          <p:sp>
+            <p:nvSpPr>
+              <p:cNvPr id="24" name="TextBox 23">
+                <a:extLst>
+                  <a:ext uri="{FF2B5EF4-FFF2-40B4-BE49-F238E27FC236}">
+                    <a16:creationId xmlns:a16="http://schemas.microsoft.com/office/drawing/2014/main" id="{98DBC363-DD72-42F7-8450-DA06306E1BB7}"/>
+                  </a:ext>
+                </a:extLst>
+              </p:cNvPr>
+              <p:cNvSpPr txBox="1"/>
+              <p:nvPr/>
+            </p:nvSpPr>
+            <p:spPr>
+              <a:xfrm>
+                <a:off x="8682404" y="3180571"/>
+                <a:ext cx="1537151" cy="307841"/>
+              </a:xfrm>
+              <a:prstGeom prst="rect">
+                <a:avLst/>
+              </a:prstGeom>
+              <a:noFill/>
+            </p:spPr>
+            <p:txBody>
+              <a:bodyPr wrap="none" lIns="0" tIns="0" rIns="0" bIns="0" rtlCol="0">
+                <a:spAutoFit/>
+              </a:bodyPr>
+              <a:lstStyle/>
+              <a:p>
+                <a14:m>
+                  <m:oMathPara xmlns:m="http://schemas.openxmlformats.org/officeDocument/2006/math">
+                    <m:oMathParaPr>
+                      <m:jc m:val="centerGroup"/>
+                    </m:oMathParaPr>
+                    <m:oMath xmlns:m="http://schemas.openxmlformats.org/officeDocument/2006/math">
+                      <m:sSub>
+                        <m:sSubPr>
+                          <m:ctrlPr>
+                            <a:rPr lang="en-CA" i="1" smtClean="0">
+                              <a:latin typeface="Cambria Math" panose="02040503050406030204" pitchFamily="18" charset="0"/>
+                            </a:rPr>
+                          </m:ctrlPr>
+                        </m:sSubPr>
+                        <m:e>
+                          <m:r>
+                            <a:rPr lang="en-CA" i="1" smtClean="0">
+                              <a:latin typeface="Cambria Math" panose="02040503050406030204" pitchFamily="18" charset="0"/>
+                              <a:ea typeface="Cambria Math" panose="02040503050406030204" pitchFamily="18" charset="0"/>
+                            </a:rPr>
+                            <m:t>𝜇</m:t>
+                          </m:r>
+                        </m:e>
+                        <m:sub>
+                          <m:r>
+                            <a:rPr lang="fr-CA" b="0" i="1" smtClean="0">
+                              <a:latin typeface="Cambria Math" panose="02040503050406030204" pitchFamily="18" charset="0"/>
+                            </a:rPr>
+                            <m:t>0</m:t>
+                          </m:r>
+                          <m:r>
+                            <a:rPr lang="fr-CA" b="0" i="1" smtClean="0">
+                              <a:latin typeface="Cambria Math" panose="02040503050406030204" pitchFamily="18" charset="0"/>
+                            </a:rPr>
+                            <m:t>𝑗</m:t>
+                          </m:r>
+                        </m:sub>
+                      </m:sSub>
+                      <m:r>
+                        <a:rPr lang="fr-CA" b="0" i="1" smtClean="0">
+                          <a:latin typeface="Cambria Math" panose="02040503050406030204" pitchFamily="18" charset="0"/>
+                        </a:rPr>
+                        <m:t> </m:t>
+                      </m:r>
+                      <m:r>
+                        <a:rPr lang="en-CA" i="1">
+                          <a:latin typeface="Cambria Math" panose="02040503050406030204" pitchFamily="18" charset="0"/>
+                          <a:ea typeface="Cambria Math" panose="02040503050406030204" pitchFamily="18" charset="0"/>
+                        </a:rPr>
+                        <m:t>~</m:t>
+                      </m:r>
+                      <m:r>
+                        <a:rPr lang="fr-CA" b="0" i="1" smtClean="0">
+                          <a:latin typeface="Cambria Math" panose="02040503050406030204" pitchFamily="18" charset="0"/>
+                          <a:ea typeface="Cambria Math" panose="02040503050406030204" pitchFamily="18" charset="0"/>
+                        </a:rPr>
+                        <m:t> </m:t>
+                      </m:r>
+                      <m:r>
+                        <a:rPr lang="fr-CA" b="0" i="1" smtClean="0">
+                          <a:latin typeface="Cambria Math" panose="02040503050406030204" pitchFamily="18" charset="0"/>
+                          <a:ea typeface="Cambria Math" panose="02040503050406030204" pitchFamily="18" charset="0"/>
+                        </a:rPr>
+                        <m:t>𝑁</m:t>
+                      </m:r>
+                      <m:r>
+                        <a:rPr lang="fr-CA" b="0" i="1" smtClean="0">
+                          <a:latin typeface="Cambria Math" panose="02040503050406030204" pitchFamily="18" charset="0"/>
+                          <a:ea typeface="Cambria Math" panose="02040503050406030204" pitchFamily="18" charset="0"/>
+                        </a:rPr>
+                        <m:t>(0,</m:t>
+                      </m:r>
+                      <m:sSubSup>
+                        <m:sSubSupPr>
+                          <m:ctrlPr>
+                            <a:rPr lang="fr-CA" b="0" i="1" smtClean="0">
+                              <a:latin typeface="Cambria Math" panose="02040503050406030204" pitchFamily="18" charset="0"/>
+                              <a:ea typeface="Cambria Math" panose="02040503050406030204" pitchFamily="18" charset="0"/>
+                            </a:rPr>
+                          </m:ctrlPr>
+                        </m:sSubSupPr>
+                        <m:e>
+                          <m:r>
+                            <a:rPr lang="fr-CA" b="0" i="1" smtClean="0">
+                              <a:latin typeface="Cambria Math" panose="02040503050406030204" pitchFamily="18" charset="0"/>
+                              <a:ea typeface="Cambria Math" panose="02040503050406030204" pitchFamily="18" charset="0"/>
+                            </a:rPr>
+                            <m:t>𝜎</m:t>
+                          </m:r>
+                        </m:e>
+                        <m:sub>
+                          <m:sSub>
+                            <m:sSubPr>
+                              <m:ctrlPr>
+                                <a:rPr lang="fr-CA" b="0" i="1" smtClean="0">
+                                  <a:latin typeface="Cambria Math" panose="02040503050406030204" pitchFamily="18" charset="0"/>
+                                  <a:ea typeface="Cambria Math" panose="02040503050406030204" pitchFamily="18" charset="0"/>
+                                </a:rPr>
+                              </m:ctrlPr>
+                            </m:sSubPr>
+                            <m:e>
+                              <m:r>
+                                <a:rPr lang="fr-CA" b="0" i="1" smtClean="0">
+                                  <a:latin typeface="Cambria Math" panose="02040503050406030204" pitchFamily="18" charset="0"/>
+                                  <a:ea typeface="Cambria Math" panose="02040503050406030204" pitchFamily="18" charset="0"/>
+                                </a:rPr>
+                                <m:t>𝜇</m:t>
+                              </m:r>
+                            </m:e>
+                            <m:sub>
+                              <m:r>
+                                <a:rPr lang="fr-CA" b="0" i="1" smtClean="0">
+                                  <a:latin typeface="Cambria Math" panose="02040503050406030204" pitchFamily="18" charset="0"/>
+                                  <a:ea typeface="Cambria Math" panose="02040503050406030204" pitchFamily="18" charset="0"/>
+                                </a:rPr>
+                                <m:t>0</m:t>
+                              </m:r>
+                            </m:sub>
+                          </m:sSub>
+                        </m:sub>
+                        <m:sup>
+                          <m:r>
+                            <a:rPr lang="fr-CA" b="0" i="1" smtClean="0">
+                              <a:latin typeface="Cambria Math" panose="02040503050406030204" pitchFamily="18" charset="0"/>
+                              <a:ea typeface="Cambria Math" panose="02040503050406030204" pitchFamily="18" charset="0"/>
+                            </a:rPr>
+                            <m:t>2</m:t>
+                          </m:r>
+                        </m:sup>
+                      </m:sSubSup>
+                      <m:r>
+                        <a:rPr lang="fr-CA" b="0" i="1" smtClean="0">
+                          <a:latin typeface="Cambria Math" panose="02040503050406030204" pitchFamily="18" charset="0"/>
+                          <a:ea typeface="Cambria Math" panose="02040503050406030204" pitchFamily="18" charset="0"/>
+                        </a:rPr>
+                        <m:t>)</m:t>
+                      </m:r>
+                    </m:oMath>
+                  </m:oMathPara>
+                </a14:m>
+                <a:endParaRPr lang="en-CA" dirty="0"/>
+              </a:p>
+            </p:txBody>
+          </p:sp>
+        </mc:Choice>
+        <mc:Fallback>
+          <p:sp>
+            <p:nvSpPr>
+              <p:cNvPr id="24" name="TextBox 23">
+                <a:extLst>
+                  <a:ext uri="{FF2B5EF4-FFF2-40B4-BE49-F238E27FC236}">
+                    <a16:creationId xmlns:a16="http://schemas.microsoft.com/office/drawing/2014/main" id="{98DBC363-DD72-42F7-8450-DA06306E1BB7}"/>
+                  </a:ext>
+                </a:extLst>
+              </p:cNvPr>
+              <p:cNvSpPr txBox="1">
+                <a:spLocks noRot="1" noChangeAspect="1" noMove="1" noResize="1" noEditPoints="1" noAdjustHandles="1" noChangeArrowheads="1" noChangeShapeType="1" noTextEdit="1"/>
+              </p:cNvSpPr>
+              <p:nvPr/>
+            </p:nvSpPr>
+            <p:spPr>
+              <a:xfrm>
+                <a:off x="8682404" y="3180571"/>
+                <a:ext cx="1537151" cy="307841"/>
+              </a:xfrm>
+              <a:prstGeom prst="rect">
+                <a:avLst/>
+              </a:prstGeom>
+              <a:blipFill>
+                <a:blip r:embed="rId6"/>
+                <a:stretch>
+                  <a:fillRect l="-3175" r="-5556" b="-26000"/>
+                </a:stretch>
+              </a:blipFill>
+            </p:spPr>
+            <p:txBody>
+              <a:bodyPr/>
+              <a:lstStyle/>
+              <a:p>
+                <a:r>
+                  <a:rPr lang="en-CA">
+                    <a:noFill/>
+                  </a:rPr>
+                  <a:t> </a:t>
+                </a:r>
+              </a:p>
+            </p:txBody>
+          </p:sp>
+        </mc:Fallback>
+      </mc:AlternateContent>
+      <mc:AlternateContent xmlns:mc="http://schemas.openxmlformats.org/markup-compatibility/2006">
+        <mc:Choice xmlns:a14="http://schemas.microsoft.com/office/drawing/2010/main" Requires="a14">
+          <p:sp>
+            <p:nvSpPr>
+              <p:cNvPr id="25" name="TextBox 24">
+                <a:extLst>
+                  <a:ext uri="{FF2B5EF4-FFF2-40B4-BE49-F238E27FC236}">
+                    <a16:creationId xmlns:a16="http://schemas.microsoft.com/office/drawing/2014/main" id="{5AA274A3-7431-4A6B-9C74-89CA5F7FF366}"/>
+                  </a:ext>
+                </a:extLst>
+              </p:cNvPr>
+              <p:cNvSpPr txBox="1"/>
+              <p:nvPr/>
+            </p:nvSpPr>
+            <p:spPr>
+              <a:xfrm>
+                <a:off x="8682404" y="3607323"/>
+                <a:ext cx="1452577" cy="307841"/>
+              </a:xfrm>
+              <a:prstGeom prst="rect">
+                <a:avLst/>
+              </a:prstGeom>
+              <a:noFill/>
+            </p:spPr>
+            <p:txBody>
+              <a:bodyPr wrap="none" lIns="0" tIns="0" rIns="0" bIns="0" rtlCol="0">
+                <a:spAutoFit/>
+              </a:bodyPr>
+              <a:lstStyle/>
+              <a:p>
+                <a14:m>
+                  <m:oMathPara xmlns:m="http://schemas.openxmlformats.org/officeDocument/2006/math">
+                    <m:oMathParaPr>
+                      <m:jc m:val="centerGroup"/>
+                    </m:oMathParaPr>
+                    <m:oMath xmlns:m="http://schemas.openxmlformats.org/officeDocument/2006/math">
+                      <m:sSub>
+                        <m:sSubPr>
+                          <m:ctrlPr>
+                            <a:rPr lang="en-CA" i="1" smtClean="0">
+                              <a:latin typeface="Cambria Math" panose="02040503050406030204" pitchFamily="18" charset="0"/>
+                            </a:rPr>
+                          </m:ctrlPr>
+                        </m:sSubPr>
+                        <m:e>
+                          <m:r>
+                            <a:rPr lang="en-CA" i="1" smtClean="0">
+                              <a:latin typeface="Cambria Math" panose="02040503050406030204" pitchFamily="18" charset="0"/>
+                              <a:ea typeface="Cambria Math" panose="02040503050406030204" pitchFamily="18" charset="0"/>
+                            </a:rPr>
+                            <m:t>𝜀</m:t>
+                          </m:r>
+                        </m:e>
+                        <m:sub>
+                          <m:r>
+                            <a:rPr lang="fr-CA" b="0" i="1" smtClean="0">
+                              <a:latin typeface="Cambria Math" panose="02040503050406030204" pitchFamily="18" charset="0"/>
+                            </a:rPr>
+                            <m:t>0</m:t>
+                          </m:r>
+                          <m:r>
+                            <a:rPr lang="fr-CA" b="0" i="1" smtClean="0">
+                              <a:latin typeface="Cambria Math" panose="02040503050406030204" pitchFamily="18" charset="0"/>
+                            </a:rPr>
+                            <m:t>𝑖𝑗</m:t>
+                          </m:r>
+                        </m:sub>
+                      </m:sSub>
+                      <m:r>
+                        <a:rPr lang="en-CA" i="1">
+                          <a:latin typeface="Cambria Math" panose="02040503050406030204" pitchFamily="18" charset="0"/>
+                          <a:ea typeface="Cambria Math" panose="02040503050406030204" pitchFamily="18" charset="0"/>
+                        </a:rPr>
+                        <m:t>~</m:t>
+                      </m:r>
+                      <m:r>
+                        <a:rPr lang="fr-CA" b="0" i="1" smtClean="0">
+                          <a:latin typeface="Cambria Math" panose="02040503050406030204" pitchFamily="18" charset="0"/>
+                          <a:ea typeface="Cambria Math" panose="02040503050406030204" pitchFamily="18" charset="0"/>
+                        </a:rPr>
+                        <m:t>𝑁</m:t>
+                      </m:r>
+                      <m:r>
+                        <a:rPr lang="fr-CA" b="0" i="1" smtClean="0">
+                          <a:latin typeface="Cambria Math" panose="02040503050406030204" pitchFamily="18" charset="0"/>
+                          <a:ea typeface="Cambria Math" panose="02040503050406030204" pitchFamily="18" charset="0"/>
+                        </a:rPr>
+                        <m:t>(0,</m:t>
+                      </m:r>
+                      <m:sSubSup>
+                        <m:sSubSupPr>
+                          <m:ctrlPr>
+                            <a:rPr lang="fr-CA" i="1">
+                              <a:latin typeface="Cambria Math" panose="02040503050406030204" pitchFamily="18" charset="0"/>
+                              <a:ea typeface="Cambria Math" panose="02040503050406030204" pitchFamily="18" charset="0"/>
+                            </a:rPr>
+                          </m:ctrlPr>
+                        </m:sSubSupPr>
+                        <m:e>
+                          <m:r>
+                            <a:rPr lang="fr-CA" i="1">
+                              <a:latin typeface="Cambria Math" panose="02040503050406030204" pitchFamily="18" charset="0"/>
+                              <a:ea typeface="Cambria Math" panose="02040503050406030204" pitchFamily="18" charset="0"/>
+                            </a:rPr>
+                            <m:t>𝜎</m:t>
+                          </m:r>
+                        </m:e>
+                        <m:sub>
+                          <m:sSub>
+                            <m:sSubPr>
+                              <m:ctrlPr>
+                                <a:rPr lang="fr-CA" i="1">
+                                  <a:latin typeface="Cambria Math" panose="02040503050406030204" pitchFamily="18" charset="0"/>
+                                  <a:ea typeface="Cambria Math" panose="02040503050406030204" pitchFamily="18" charset="0"/>
+                                </a:rPr>
+                              </m:ctrlPr>
+                            </m:sSubPr>
+                            <m:e>
+                              <m:r>
+                                <a:rPr lang="fr-CA" b="0" i="1" smtClean="0">
+                                  <a:latin typeface="Cambria Math" panose="02040503050406030204" pitchFamily="18" charset="0"/>
+                                  <a:ea typeface="Cambria Math" panose="02040503050406030204" pitchFamily="18" charset="0"/>
+                                </a:rPr>
+                                <m:t>𝑒</m:t>
+                              </m:r>
+                            </m:e>
+                            <m:sub>
+                              <m:r>
+                                <a:rPr lang="fr-CA" i="1">
+                                  <a:latin typeface="Cambria Math" panose="02040503050406030204" pitchFamily="18" charset="0"/>
+                                  <a:ea typeface="Cambria Math" panose="02040503050406030204" pitchFamily="18" charset="0"/>
+                                </a:rPr>
+                                <m:t>0</m:t>
+                              </m:r>
+                            </m:sub>
+                          </m:sSub>
+                        </m:sub>
+                        <m:sup>
+                          <m:r>
+                            <a:rPr lang="fr-CA" i="1">
+                              <a:latin typeface="Cambria Math" panose="02040503050406030204" pitchFamily="18" charset="0"/>
+                              <a:ea typeface="Cambria Math" panose="02040503050406030204" pitchFamily="18" charset="0"/>
+                            </a:rPr>
+                            <m:t>2</m:t>
+                          </m:r>
+                        </m:sup>
+                      </m:sSubSup>
+                      <m:r>
+                        <a:rPr lang="fr-CA" b="0" i="1" smtClean="0">
+                          <a:latin typeface="Cambria Math" panose="02040503050406030204" pitchFamily="18" charset="0"/>
+                          <a:ea typeface="Cambria Math" panose="02040503050406030204" pitchFamily="18" charset="0"/>
+                        </a:rPr>
+                        <m:t>)</m:t>
+                      </m:r>
+                    </m:oMath>
+                  </m:oMathPara>
+                </a14:m>
+                <a:endParaRPr lang="en-CA" dirty="0"/>
+              </a:p>
+            </p:txBody>
+          </p:sp>
+        </mc:Choice>
+        <mc:Fallback>
+          <p:sp>
+            <p:nvSpPr>
+              <p:cNvPr id="25" name="TextBox 24">
+                <a:extLst>
+                  <a:ext uri="{FF2B5EF4-FFF2-40B4-BE49-F238E27FC236}">
+                    <a16:creationId xmlns:a16="http://schemas.microsoft.com/office/drawing/2014/main" id="{5AA274A3-7431-4A6B-9C74-89CA5F7FF366}"/>
+                  </a:ext>
+                </a:extLst>
+              </p:cNvPr>
+              <p:cNvSpPr txBox="1">
+                <a:spLocks noRot="1" noChangeAspect="1" noMove="1" noResize="1" noEditPoints="1" noAdjustHandles="1" noChangeArrowheads="1" noChangeShapeType="1" noTextEdit="1"/>
+              </p:cNvSpPr>
+              <p:nvPr/>
+            </p:nvSpPr>
+            <p:spPr>
+              <a:xfrm>
+                <a:off x="8682404" y="3607323"/>
+                <a:ext cx="1452577" cy="307841"/>
+              </a:xfrm>
+              <a:prstGeom prst="rect">
+                <a:avLst/>
+              </a:prstGeom>
+              <a:blipFill>
+                <a:blip r:embed="rId7"/>
+                <a:stretch>
+                  <a:fillRect l="-2092" r="-5439" b="-26000"/>
+                </a:stretch>
+              </a:blipFill>
+            </p:spPr>
+            <p:txBody>
+              <a:bodyPr/>
+              <a:lstStyle/>
+              <a:p>
+                <a:r>
+                  <a:rPr lang="en-CA">
+                    <a:noFill/>
+                  </a:rPr>
+                  <a:t> </a:t>
+                </a:r>
+              </a:p>
+            </p:txBody>
+          </p:sp>
+        </mc:Fallback>
+      </mc:AlternateContent>
+    </p:spTree>
+    <p:extLst>
+      <p:ext uri="{BB962C8B-B14F-4D97-AF65-F5344CB8AC3E}">
+        <p14:creationId xmlns:p14="http://schemas.microsoft.com/office/powerpoint/2010/main" val="3919704464"/>
+      </p:ext>
+    </p:extLst>
+  </p:cSld>
+  <p:clrMapOvr>
+    <a:masterClrMapping/>
+  </p:clrMapOvr>
+  <p:timing>
+    <p:tnLst>
+      <p:par>
+        <p:cTn id="1" dur="indefinite" restart="never" nodeType="tmRoot">
+          <p:childTnLst>
+            <p:seq concurrent="1" nextAc="seek">
+              <p:cTn id="2" dur="indefinite" nodeType="mainSeq">
+                <p:childTnLst>
+                  <p:par>
+                    <p:cTn id="3" fill="hold">
+                      <p:stCondLst>
+                        <p:cond delay="indefinite"/>
+                      </p:stCondLst>
+                      <p:childTnLst>
+                        <p:par>
+                          <p:cTn id="4" fill="hold">
+                            <p:stCondLst>
+                              <p:cond delay="0"/>
+                            </p:stCondLst>
+                            <p:childTnLst>
+                              <p:par>
+                                <p:cTn id="5" presetID="1" presetClass="entr" presetSubtype="0" fill="hold" grpId="0" nodeType="clickEffect">
+                                  <p:stCondLst>
+                                    <p:cond delay="0"/>
+                                  </p:stCondLst>
+                                  <p:childTnLst>
+                                    <p:set>
+                                      <p:cBhvr>
+                                        <p:cTn id="6" dur="1" fill="hold">
+                                          <p:stCondLst>
+                                            <p:cond delay="0"/>
+                                          </p:stCondLst>
+                                        </p:cTn>
+                                        <p:tgtEl>
+                                          <p:spTgt spid="10"/>
+                                        </p:tgtEl>
+                                        <p:attrNameLst>
+                                          <p:attrName>style.visibility</p:attrName>
+                                        </p:attrNameLst>
+                                      </p:cBhvr>
+                                      <p:to>
+                                        <p:strVal val="visible"/>
+                                      </p:to>
+                                    </p:set>
+                                  </p:childTnLst>
+                                </p:cTn>
+                              </p:par>
+                            </p:childTnLst>
+                          </p:cTn>
+                        </p:par>
+                      </p:childTnLst>
+                    </p:cTn>
+                  </p:par>
+                  <p:par>
+                    <p:cTn id="7" fill="hold">
+                      <p:stCondLst>
+                        <p:cond delay="indefinite"/>
+                      </p:stCondLst>
+                      <p:childTnLst>
+                        <p:par>
+                          <p:cTn id="8" fill="hold">
+                            <p:stCondLst>
+                              <p:cond delay="0"/>
+                            </p:stCondLst>
+                            <p:childTnLst>
+                              <p:par>
+                                <p:cTn id="9" presetID="1" presetClass="entr" presetSubtype="0" fill="hold" grpId="0" nodeType="clickEffect">
+                                  <p:stCondLst>
+                                    <p:cond delay="0"/>
+                                  </p:stCondLst>
+                                  <p:childTnLst>
+                                    <p:set>
+                                      <p:cBhvr>
+                                        <p:cTn id="10" dur="1" fill="hold">
+                                          <p:stCondLst>
+                                            <p:cond delay="0"/>
+                                          </p:stCondLst>
+                                        </p:cTn>
+                                        <p:tgtEl>
+                                          <p:spTgt spid="11"/>
+                                        </p:tgtEl>
+                                        <p:attrNameLst>
+                                          <p:attrName>style.visibility</p:attrName>
+                                        </p:attrNameLst>
+                                      </p:cBhvr>
+                                      <p:to>
+                                        <p:strVal val="visible"/>
+                                      </p:to>
+                                    </p:set>
+                                  </p:childTnLst>
+                                </p:cTn>
+                              </p:par>
+                            </p:childTnLst>
+                          </p:cTn>
+                        </p:par>
+                      </p:childTnLst>
+                    </p:cTn>
+                  </p:par>
+                  <p:par>
+                    <p:cTn id="11" fill="hold">
+                      <p:stCondLst>
+                        <p:cond delay="indefinite"/>
+                      </p:stCondLst>
+                      <p:childTnLst>
+                        <p:par>
+                          <p:cTn id="12" fill="hold">
+                            <p:stCondLst>
+                              <p:cond delay="0"/>
+                            </p:stCondLst>
+                            <p:childTnLst>
+                              <p:par>
+                                <p:cTn id="13" presetID="1" presetClass="entr" presetSubtype="0" fill="hold" grpId="0" nodeType="clickEffect">
+                                  <p:stCondLst>
+                                    <p:cond delay="0"/>
+                                  </p:stCondLst>
+                                  <p:childTnLst>
+                                    <p:set>
+                                      <p:cBhvr>
+                                        <p:cTn id="14" dur="1" fill="hold">
+                                          <p:stCondLst>
+                                            <p:cond delay="0"/>
+                                          </p:stCondLst>
+                                        </p:cTn>
+                                        <p:tgtEl>
+                                          <p:spTgt spid="15"/>
+                                        </p:tgtEl>
+                                        <p:attrNameLst>
+                                          <p:attrName>style.visibility</p:attrName>
+                                        </p:attrNameLst>
+                                      </p:cBhvr>
+                                      <p:to>
+                                        <p:strVal val="visible"/>
+                                      </p:to>
+                                    </p:set>
+                                  </p:childTnLst>
+                                </p:cTn>
+                              </p:par>
+                            </p:childTnLst>
+                          </p:cTn>
+                        </p:par>
+                      </p:childTnLst>
+                    </p:cTn>
+                  </p:par>
+                  <p:par>
+                    <p:cTn id="15" fill="hold">
+                      <p:stCondLst>
+                        <p:cond delay="indefinite"/>
+                      </p:stCondLst>
+                      <p:childTnLst>
+                        <p:par>
+                          <p:cTn id="16" fill="hold">
+                            <p:stCondLst>
+                              <p:cond delay="0"/>
+                            </p:stCondLst>
+                            <p:childTnLst>
+                              <p:par>
+                                <p:cTn id="17" presetID="1" presetClass="entr" presetSubtype="0" fill="hold" grpId="0" nodeType="clickEffect">
+                                  <p:stCondLst>
+                                    <p:cond delay="0"/>
+                                  </p:stCondLst>
+                                  <p:childTnLst>
+                                    <p:set>
+                                      <p:cBhvr>
+                                        <p:cTn id="18" dur="1" fill="hold">
+                                          <p:stCondLst>
+                                            <p:cond delay="0"/>
+                                          </p:stCondLst>
+                                        </p:cTn>
+                                        <p:tgtEl>
+                                          <p:spTgt spid="18"/>
+                                        </p:tgtEl>
+                                        <p:attrNameLst>
+                                          <p:attrName>style.visibility</p:attrName>
+                                        </p:attrNameLst>
+                                      </p:cBhvr>
+                                      <p:to>
+                                        <p:strVal val="visible"/>
+                                      </p:to>
+                                    </p:set>
+                                  </p:childTnLst>
+                                </p:cTn>
+                              </p:par>
+                            </p:childTnLst>
+                          </p:cTn>
+                        </p:par>
+                      </p:childTnLst>
+                    </p:cTn>
+                  </p:par>
+                </p:childTnLst>
+              </p:cTn>
+              <p:prevCondLst>
+                <p:cond evt="onPrev" delay="0">
+                  <p:tgtEl>
+                    <p:sldTgt/>
+                  </p:tgtEl>
+                </p:cond>
+              </p:prevCondLst>
+              <p:nextCondLst>
+                <p:cond evt="onNext" delay="0">
+                  <p:tgtEl>
+                    <p:sldTgt/>
+                  </p:tgtEl>
+                </p:cond>
+              </p:nextCondLst>
+            </p:seq>
+          </p:childTnLst>
+        </p:cTn>
+      </p:par>
+    </p:tnLst>
+    <p:bldLst>
+      <p:bldP spid="10" grpId="0"/>
+      <p:bldP spid="11" grpId="0"/>
+      <p:bldP spid="15" grpId="0"/>
+      <p:bldP spid="18" grpId="0"/>
+    </p:bldLst>
+  </p:timing>
+</p:sld>
+</file>
+
+<file path=ppt/slides/slide18.xml><?xml version="1.0" encoding="utf-8"?>
+<p:sld xmlns:a="http://schemas.openxmlformats.org/drawingml/2006/main" xmlns:r="http://schemas.openxmlformats.org/officeDocument/2006/relationships" xmlns:p="http://schemas.openxmlformats.org/presentationml/2006/main">
+  <p:cSld>
+    <p:spTree>
+      <p:nvGrpSpPr>
+        <p:cNvPr id="1" name=""/>
+        <p:cNvGrpSpPr/>
+        <p:nvPr/>
+      </p:nvGrpSpPr>
+      <p:grpSpPr>
+        <a:xfrm>
+          <a:off x="0" y="0"/>
+          <a:ext cx="0" cy="0"/>
+          <a:chOff x="0" y="0"/>
+          <a:chExt cx="0" cy="0"/>
+        </a:xfrm>
+      </p:grpSpPr>
+      <p:sp>
+        <p:nvSpPr>
+          <p:cNvPr id="4" name="Title 1">
+            <a:extLst>
+              <a:ext uri="{FF2B5EF4-FFF2-40B4-BE49-F238E27FC236}">
+                <a16:creationId xmlns:a16="http://schemas.microsoft.com/office/drawing/2014/main" id="{44D85C8F-E9EA-4A38-B87E-D333A00C491D}"/>
+              </a:ext>
+            </a:extLst>
+          </p:cNvPr>
+          <p:cNvSpPr txBox="1">
+            <a:spLocks/>
+          </p:cNvSpPr>
+          <p:nvPr/>
+        </p:nvSpPr>
+        <p:spPr>
+          <a:xfrm>
+            <a:off x="0" y="158923"/>
+            <a:ext cx="12192000" cy="789796"/>
+          </a:xfrm>
+          <a:prstGeom prst="rect">
+            <a:avLst/>
+          </a:prstGeom>
+          <a:solidFill>
+            <a:schemeClr val="accent1"/>
+          </a:solidFill>
+        </p:spPr>
+        <p:txBody>
+          <a:bodyPr vert="horz" lIns="91440" tIns="45720" rIns="91440" bIns="45720" rtlCol="0" anchor="ctr">
+            <a:normAutofit/>
+          </a:bodyPr>
+          <a:lstStyle>
+            <a:lvl1pPr algn="l" defTabSz="914400" rtl="0" eaLnBrk="1" latinLnBrk="0" hangingPunct="1">
+              <a:lnSpc>
+                <a:spcPct val="90000"/>
+              </a:lnSpc>
+              <a:spcBef>
+                <a:spcPct val="0"/>
+              </a:spcBef>
+              <a:buNone/>
+              <a:defRPr sz="4400" kern="1200">
+                <a:solidFill>
+                  <a:schemeClr val="tx1"/>
+                </a:solidFill>
+                <a:latin typeface="+mj-lt"/>
+                <a:ea typeface="+mj-ea"/>
+                <a:cs typeface="+mj-cs"/>
+              </a:defRPr>
+            </a:lvl1pPr>
+          </a:lstStyle>
+          <a:p>
+            <a:r>
+              <a:rPr lang="fr-CA" dirty="0">
+                <a:solidFill>
+                  <a:schemeClr val="bg1"/>
+                </a:solidFill>
+                <a:cs typeface="Courier New" panose="02070309020205020404" pitchFamily="49" charset="0"/>
+              </a:rPr>
+              <a:t>Coding data in </a:t>
+            </a:r>
+            <a:r>
+              <a:rPr lang="fr-CA" dirty="0">
+                <a:solidFill>
+                  <a:schemeClr val="bg1"/>
+                </a:solidFill>
+                <a:latin typeface="Courier New" panose="02070309020205020404" pitchFamily="49" charset="0"/>
+                <a:cs typeface="Courier New" panose="02070309020205020404" pitchFamily="49" charset="0"/>
+              </a:rPr>
+              <a:t>Stan</a:t>
+            </a:r>
+            <a:endParaRPr lang="en-CA" dirty="0">
+              <a:solidFill>
+                <a:schemeClr val="bg1"/>
+              </a:solidFill>
+            </a:endParaRPr>
+          </a:p>
+        </p:txBody>
+      </p:sp>
+      <p:pic>
+        <p:nvPicPr>
+          <p:cNvPr id="6" name="Picture 5">
+            <a:extLst>
+              <a:ext uri="{FF2B5EF4-FFF2-40B4-BE49-F238E27FC236}">
+                <a16:creationId xmlns:a16="http://schemas.microsoft.com/office/drawing/2014/main" id="{00702C41-8084-4DD7-A0FD-C6F9671008A1}"/>
+              </a:ext>
+            </a:extLst>
+          </p:cNvPr>
+          <p:cNvPicPr>
+            <a:picLocks noChangeAspect="1"/>
+          </p:cNvPicPr>
+          <p:nvPr/>
+        </p:nvPicPr>
+        <p:blipFill>
+          <a:blip r:embed="rId2"/>
+          <a:stretch>
+            <a:fillRect/>
+          </a:stretch>
+        </p:blipFill>
+        <p:spPr>
+          <a:xfrm>
+            <a:off x="802271" y="1187413"/>
+            <a:ext cx="10587457" cy="3358209"/>
+          </a:xfrm>
+          <a:prstGeom prst="rect">
+            <a:avLst/>
+          </a:prstGeom>
+        </p:spPr>
+      </p:pic>
+      <p:sp>
+        <p:nvSpPr>
+          <p:cNvPr id="7" name="Content Placeholder 2">
+            <a:extLst>
+              <a:ext uri="{FF2B5EF4-FFF2-40B4-BE49-F238E27FC236}">
+                <a16:creationId xmlns:a16="http://schemas.microsoft.com/office/drawing/2014/main" id="{E2FC61D5-6DE6-4306-8119-A94FCA92EA8F}"/>
+              </a:ext>
+            </a:extLst>
+          </p:cNvPr>
+          <p:cNvSpPr txBox="1">
+            <a:spLocks/>
+          </p:cNvSpPr>
+          <p:nvPr/>
+        </p:nvSpPr>
+        <p:spPr>
+          <a:xfrm>
+            <a:off x="6189790" y="4833032"/>
+            <a:ext cx="3306685" cy="1675109"/>
+          </a:xfrm>
+          <a:prstGeom prst="rect">
+            <a:avLst/>
+          </a:prstGeom>
+        </p:spPr>
+        <p:txBody>
+          <a:bodyPr vert="horz" lIns="91440" tIns="45720" rIns="91440" bIns="45720" rtlCol="0">
+            <a:normAutofit/>
+          </a:bodyPr>
+          <a:lstStyle>
+            <a:lvl1pPr marL="228600" indent="-228600" algn="l" defTabSz="914400" rtl="0" eaLnBrk="1" latinLnBrk="0" hangingPunct="1">
+              <a:lnSpc>
+                <a:spcPct val="90000"/>
+              </a:lnSpc>
+              <a:spcBef>
+                <a:spcPts val="1000"/>
+              </a:spcBef>
+              <a:buFont typeface="Arial" panose="020B0604020202020204" pitchFamily="34" charset="0"/>
+              <a:buChar char="•"/>
+              <a:defRPr sz="2800" kern="1200">
+                <a:solidFill>
+                  <a:schemeClr val="tx1"/>
+                </a:solidFill>
+                <a:latin typeface="+mn-lt"/>
+                <a:ea typeface="+mn-ea"/>
+                <a:cs typeface="+mn-cs"/>
+              </a:defRPr>
+            </a:lvl1pPr>
+            <a:lvl2pPr marL="685800" indent="-228600" algn="l" defTabSz="914400" rtl="0" eaLnBrk="1" latinLnBrk="0" hangingPunct="1">
+              <a:lnSpc>
+                <a:spcPct val="90000"/>
+              </a:lnSpc>
+              <a:spcBef>
+                <a:spcPts val="500"/>
+              </a:spcBef>
+              <a:buFont typeface="Arial" panose="020B0604020202020204" pitchFamily="34" charset="0"/>
+              <a:buChar char="•"/>
+              <a:defRPr sz="2400" kern="1200">
+                <a:solidFill>
+                  <a:schemeClr val="tx1"/>
+                </a:solidFill>
+                <a:latin typeface="+mn-lt"/>
+                <a:ea typeface="+mn-ea"/>
+                <a:cs typeface="+mn-cs"/>
+              </a:defRPr>
+            </a:lvl2pPr>
+            <a:lvl3pPr marL="1143000" indent="-228600" algn="l" defTabSz="914400" rtl="0" eaLnBrk="1" latinLnBrk="0" hangingPunct="1">
+              <a:lnSpc>
+                <a:spcPct val="90000"/>
+              </a:lnSpc>
+              <a:spcBef>
+                <a:spcPts val="500"/>
+              </a:spcBef>
+              <a:buFont typeface="Arial" panose="020B0604020202020204" pitchFamily="34" charset="0"/>
+              <a:buChar char="•"/>
+              <a:defRPr sz="2000" kern="1200">
+                <a:solidFill>
+                  <a:schemeClr val="tx1"/>
+                </a:solidFill>
+                <a:latin typeface="+mn-lt"/>
+                <a:ea typeface="+mn-ea"/>
+                <a:cs typeface="+mn-cs"/>
+              </a:defRPr>
+            </a:lvl3pPr>
+            <a:lvl4pPr marL="1600200" indent="-228600" algn="l" defTabSz="914400" rtl="0" eaLnBrk="1" latinLnBrk="0" hangingPunct="1">
+              <a:lnSpc>
+                <a:spcPct val="90000"/>
+              </a:lnSpc>
+              <a:spcBef>
+                <a:spcPts val="500"/>
+              </a:spcBef>
+              <a:buFont typeface="Arial" panose="020B0604020202020204" pitchFamily="34" charset="0"/>
+              <a:buChar char="•"/>
+              <a:defRPr sz="1800" kern="1200">
+                <a:solidFill>
+                  <a:schemeClr val="tx1"/>
+                </a:solidFill>
+                <a:latin typeface="+mn-lt"/>
+                <a:ea typeface="+mn-ea"/>
+                <a:cs typeface="+mn-cs"/>
+              </a:defRPr>
+            </a:lvl4pPr>
+            <a:lvl5pPr marL="2057400" indent="-228600" algn="l" defTabSz="914400" rtl="0" eaLnBrk="1" latinLnBrk="0" hangingPunct="1">
+              <a:lnSpc>
+                <a:spcPct val="90000"/>
+              </a:lnSpc>
+              <a:spcBef>
+                <a:spcPts val="500"/>
+              </a:spcBef>
+              <a:buFont typeface="Arial" panose="020B0604020202020204" pitchFamily="34" charset="0"/>
+              <a:buChar char="•"/>
+              <a:defRPr sz="1800" kern="1200">
+                <a:solidFill>
+                  <a:schemeClr val="tx1"/>
+                </a:solidFill>
+                <a:latin typeface="+mn-lt"/>
+                <a:ea typeface="+mn-ea"/>
+                <a:cs typeface="+mn-cs"/>
+              </a:defRPr>
+            </a:lvl5pPr>
+            <a:lvl6pPr marL="2514600" indent="-228600" algn="l" defTabSz="914400" rtl="0" eaLnBrk="1" latinLnBrk="0" hangingPunct="1">
+              <a:lnSpc>
+                <a:spcPct val="90000"/>
+              </a:lnSpc>
+              <a:spcBef>
+                <a:spcPts val="500"/>
+              </a:spcBef>
+              <a:buFont typeface="Arial" panose="020B0604020202020204" pitchFamily="34" charset="0"/>
+              <a:buChar char="•"/>
+              <a:defRPr sz="1800" kern="1200">
+                <a:solidFill>
+                  <a:schemeClr val="tx1"/>
+                </a:solidFill>
+                <a:latin typeface="+mn-lt"/>
+                <a:ea typeface="+mn-ea"/>
+                <a:cs typeface="+mn-cs"/>
+              </a:defRPr>
+            </a:lvl6pPr>
+            <a:lvl7pPr marL="2971800" indent="-228600" algn="l" defTabSz="914400" rtl="0" eaLnBrk="1" latinLnBrk="0" hangingPunct="1">
+              <a:lnSpc>
+                <a:spcPct val="90000"/>
+              </a:lnSpc>
+              <a:spcBef>
+                <a:spcPts val="500"/>
+              </a:spcBef>
+              <a:buFont typeface="Arial" panose="020B0604020202020204" pitchFamily="34" charset="0"/>
+              <a:buChar char="•"/>
+              <a:defRPr sz="1800" kern="1200">
+                <a:solidFill>
+                  <a:schemeClr val="tx1"/>
+                </a:solidFill>
+                <a:latin typeface="+mn-lt"/>
+                <a:ea typeface="+mn-ea"/>
+                <a:cs typeface="+mn-cs"/>
+              </a:defRPr>
+            </a:lvl7pPr>
+            <a:lvl8pPr marL="3429000" indent="-228600" algn="l" defTabSz="914400" rtl="0" eaLnBrk="1" latinLnBrk="0" hangingPunct="1">
+              <a:lnSpc>
+                <a:spcPct val="90000"/>
+              </a:lnSpc>
+              <a:spcBef>
+                <a:spcPts val="500"/>
+              </a:spcBef>
+              <a:buFont typeface="Arial" panose="020B0604020202020204" pitchFamily="34" charset="0"/>
+              <a:buChar char="•"/>
+              <a:defRPr sz="1800" kern="1200">
+                <a:solidFill>
+                  <a:schemeClr val="tx1"/>
+                </a:solidFill>
+                <a:latin typeface="+mn-lt"/>
+                <a:ea typeface="+mn-ea"/>
+                <a:cs typeface="+mn-cs"/>
+              </a:defRPr>
+            </a:lvl8pPr>
+            <a:lvl9pPr marL="3886200" indent="-228600" algn="l" defTabSz="914400" rtl="0" eaLnBrk="1" latinLnBrk="0" hangingPunct="1">
+              <a:lnSpc>
+                <a:spcPct val="90000"/>
+              </a:lnSpc>
+              <a:spcBef>
+                <a:spcPts val="500"/>
+              </a:spcBef>
+              <a:buFont typeface="Arial" panose="020B0604020202020204" pitchFamily="34" charset="0"/>
+              <a:buChar char="•"/>
+              <a:defRPr sz="1800" kern="1200">
+                <a:solidFill>
+                  <a:schemeClr val="tx1"/>
+                </a:solidFill>
+                <a:latin typeface="+mn-lt"/>
+                <a:ea typeface="+mn-ea"/>
+                <a:cs typeface="+mn-cs"/>
+              </a:defRPr>
+            </a:lvl9pPr>
+          </a:lstStyle>
+          <a:p>
+            <a:pPr marL="0" indent="0" algn="ctr">
+              <a:buFont typeface="Arial" panose="020B0604020202020204" pitchFamily="34" charset="0"/>
+              <a:buNone/>
+            </a:pPr>
+            <a:r>
+              <a:rPr lang="en-US" dirty="0"/>
+              <a:t>Use brackets to indicate the length of your data!</a:t>
+            </a:r>
+          </a:p>
+        </p:txBody>
+      </p:sp>
+      <p:sp>
+        <p:nvSpPr>
+          <p:cNvPr id="8" name="Content Placeholder 2">
+            <a:extLst>
+              <a:ext uri="{FF2B5EF4-FFF2-40B4-BE49-F238E27FC236}">
+                <a16:creationId xmlns:a16="http://schemas.microsoft.com/office/drawing/2014/main" id="{8C7494FE-0FAB-4860-9F2B-D3325F903A50}"/>
+              </a:ext>
+            </a:extLst>
+          </p:cNvPr>
+          <p:cNvSpPr txBox="1">
+            <a:spLocks/>
+          </p:cNvSpPr>
+          <p:nvPr/>
+        </p:nvSpPr>
+        <p:spPr>
+          <a:xfrm>
+            <a:off x="2350482" y="4833033"/>
+            <a:ext cx="3306685" cy="1675109"/>
+          </a:xfrm>
+          <a:prstGeom prst="rect">
+            <a:avLst/>
+          </a:prstGeom>
+        </p:spPr>
+        <p:txBody>
+          <a:bodyPr vert="horz" lIns="91440" tIns="45720" rIns="91440" bIns="45720" rtlCol="0">
+            <a:normAutofit/>
+          </a:bodyPr>
+          <a:lstStyle>
+            <a:lvl1pPr marL="228600" indent="-228600" algn="l" defTabSz="914400" rtl="0" eaLnBrk="1" latinLnBrk="0" hangingPunct="1">
+              <a:lnSpc>
+                <a:spcPct val="90000"/>
+              </a:lnSpc>
+              <a:spcBef>
+                <a:spcPts val="1000"/>
+              </a:spcBef>
+              <a:buFont typeface="Arial" panose="020B0604020202020204" pitchFamily="34" charset="0"/>
+              <a:buChar char="•"/>
+              <a:defRPr sz="2800" kern="1200">
+                <a:solidFill>
+                  <a:schemeClr val="tx1"/>
+                </a:solidFill>
+                <a:latin typeface="+mn-lt"/>
+                <a:ea typeface="+mn-ea"/>
+                <a:cs typeface="+mn-cs"/>
+              </a:defRPr>
+            </a:lvl1pPr>
+            <a:lvl2pPr marL="685800" indent="-228600" algn="l" defTabSz="914400" rtl="0" eaLnBrk="1" latinLnBrk="0" hangingPunct="1">
+              <a:lnSpc>
+                <a:spcPct val="90000"/>
+              </a:lnSpc>
+              <a:spcBef>
+                <a:spcPts val="500"/>
+              </a:spcBef>
+              <a:buFont typeface="Arial" panose="020B0604020202020204" pitchFamily="34" charset="0"/>
+              <a:buChar char="•"/>
+              <a:defRPr sz="2400" kern="1200">
+                <a:solidFill>
+                  <a:schemeClr val="tx1"/>
+                </a:solidFill>
+                <a:latin typeface="+mn-lt"/>
+                <a:ea typeface="+mn-ea"/>
+                <a:cs typeface="+mn-cs"/>
+              </a:defRPr>
+            </a:lvl2pPr>
+            <a:lvl3pPr marL="1143000" indent="-228600" algn="l" defTabSz="914400" rtl="0" eaLnBrk="1" latinLnBrk="0" hangingPunct="1">
+              <a:lnSpc>
+                <a:spcPct val="90000"/>
+              </a:lnSpc>
+              <a:spcBef>
+                <a:spcPts val="500"/>
+              </a:spcBef>
+              <a:buFont typeface="Arial" panose="020B0604020202020204" pitchFamily="34" charset="0"/>
+              <a:buChar char="•"/>
+              <a:defRPr sz="2000" kern="1200">
+                <a:solidFill>
+                  <a:schemeClr val="tx1"/>
+                </a:solidFill>
+                <a:latin typeface="+mn-lt"/>
+                <a:ea typeface="+mn-ea"/>
+                <a:cs typeface="+mn-cs"/>
+              </a:defRPr>
+            </a:lvl3pPr>
+            <a:lvl4pPr marL="1600200" indent="-228600" algn="l" defTabSz="914400" rtl="0" eaLnBrk="1" latinLnBrk="0" hangingPunct="1">
+              <a:lnSpc>
+                <a:spcPct val="90000"/>
+              </a:lnSpc>
+              <a:spcBef>
+                <a:spcPts val="500"/>
+              </a:spcBef>
+              <a:buFont typeface="Arial" panose="020B0604020202020204" pitchFamily="34" charset="0"/>
+              <a:buChar char="•"/>
+              <a:defRPr sz="1800" kern="1200">
+                <a:solidFill>
+                  <a:schemeClr val="tx1"/>
+                </a:solidFill>
+                <a:latin typeface="+mn-lt"/>
+                <a:ea typeface="+mn-ea"/>
+                <a:cs typeface="+mn-cs"/>
+              </a:defRPr>
+            </a:lvl4pPr>
+            <a:lvl5pPr marL="2057400" indent="-228600" algn="l" defTabSz="914400" rtl="0" eaLnBrk="1" latinLnBrk="0" hangingPunct="1">
+              <a:lnSpc>
+                <a:spcPct val="90000"/>
+              </a:lnSpc>
+              <a:spcBef>
+                <a:spcPts val="500"/>
+              </a:spcBef>
+              <a:buFont typeface="Arial" panose="020B0604020202020204" pitchFamily="34" charset="0"/>
+              <a:buChar char="•"/>
+              <a:defRPr sz="1800" kern="1200">
+                <a:solidFill>
+                  <a:schemeClr val="tx1"/>
+                </a:solidFill>
+                <a:latin typeface="+mn-lt"/>
+                <a:ea typeface="+mn-ea"/>
+                <a:cs typeface="+mn-cs"/>
+              </a:defRPr>
+            </a:lvl5pPr>
+            <a:lvl6pPr marL="2514600" indent="-228600" algn="l" defTabSz="914400" rtl="0" eaLnBrk="1" latinLnBrk="0" hangingPunct="1">
+              <a:lnSpc>
+                <a:spcPct val="90000"/>
+              </a:lnSpc>
+              <a:spcBef>
+                <a:spcPts val="500"/>
+              </a:spcBef>
+              <a:buFont typeface="Arial" panose="020B0604020202020204" pitchFamily="34" charset="0"/>
+              <a:buChar char="•"/>
+              <a:defRPr sz="1800" kern="1200">
+                <a:solidFill>
+                  <a:schemeClr val="tx1"/>
+                </a:solidFill>
+                <a:latin typeface="+mn-lt"/>
+                <a:ea typeface="+mn-ea"/>
+                <a:cs typeface="+mn-cs"/>
+              </a:defRPr>
+            </a:lvl6pPr>
+            <a:lvl7pPr marL="2971800" indent="-228600" algn="l" defTabSz="914400" rtl="0" eaLnBrk="1" latinLnBrk="0" hangingPunct="1">
+              <a:lnSpc>
+                <a:spcPct val="90000"/>
+              </a:lnSpc>
+              <a:spcBef>
+                <a:spcPts val="500"/>
+              </a:spcBef>
+              <a:buFont typeface="Arial" panose="020B0604020202020204" pitchFamily="34" charset="0"/>
+              <a:buChar char="•"/>
+              <a:defRPr sz="1800" kern="1200">
+                <a:solidFill>
+                  <a:schemeClr val="tx1"/>
+                </a:solidFill>
+                <a:latin typeface="+mn-lt"/>
+                <a:ea typeface="+mn-ea"/>
+                <a:cs typeface="+mn-cs"/>
+              </a:defRPr>
+            </a:lvl7pPr>
+            <a:lvl8pPr marL="3429000" indent="-228600" algn="l" defTabSz="914400" rtl="0" eaLnBrk="1" latinLnBrk="0" hangingPunct="1">
+              <a:lnSpc>
+                <a:spcPct val="90000"/>
+              </a:lnSpc>
+              <a:spcBef>
+                <a:spcPts val="500"/>
+              </a:spcBef>
+              <a:buFont typeface="Arial" panose="020B0604020202020204" pitchFamily="34" charset="0"/>
+              <a:buChar char="•"/>
+              <a:defRPr sz="1800" kern="1200">
+                <a:solidFill>
+                  <a:schemeClr val="tx1"/>
+                </a:solidFill>
+                <a:latin typeface="+mn-lt"/>
+                <a:ea typeface="+mn-ea"/>
+                <a:cs typeface="+mn-cs"/>
+              </a:defRPr>
+            </a:lvl8pPr>
+            <a:lvl9pPr marL="3886200" indent="-228600" algn="l" defTabSz="914400" rtl="0" eaLnBrk="1" latinLnBrk="0" hangingPunct="1">
+              <a:lnSpc>
+                <a:spcPct val="90000"/>
+              </a:lnSpc>
+              <a:spcBef>
+                <a:spcPts val="500"/>
+              </a:spcBef>
+              <a:buFont typeface="Arial" panose="020B0604020202020204" pitchFamily="34" charset="0"/>
+              <a:buChar char="•"/>
+              <a:defRPr sz="1800" kern="1200">
+                <a:solidFill>
+                  <a:schemeClr val="tx1"/>
+                </a:solidFill>
+                <a:latin typeface="+mn-lt"/>
+                <a:ea typeface="+mn-ea"/>
+                <a:cs typeface="+mn-cs"/>
+              </a:defRPr>
+            </a:lvl9pPr>
+          </a:lstStyle>
+          <a:p>
+            <a:pPr marL="0" indent="0" algn="ctr">
+              <a:buFont typeface="Arial" panose="020B0604020202020204" pitchFamily="34" charset="0"/>
+              <a:buNone/>
+            </a:pPr>
+            <a:r>
+              <a:rPr lang="en-US" dirty="0"/>
+              <a:t>Use chevrons to indicate boundaries!</a:t>
+            </a:r>
+          </a:p>
+        </p:txBody>
+      </p:sp>
+    </p:spTree>
+    <p:extLst>
+      <p:ext uri="{BB962C8B-B14F-4D97-AF65-F5344CB8AC3E}">
+        <p14:creationId xmlns:p14="http://schemas.microsoft.com/office/powerpoint/2010/main" val="456722351"/>
+      </p:ext>
+    </p:extLst>
+  </p:cSld>
+  <p:clrMapOvr>
+    <a:masterClrMapping/>
+  </p:clrMapOvr>
+  <p:timing>
+    <p:tnLst>
+      <p:par>
+        <p:cTn id="1" dur="indefinite" restart="never" nodeType="tmRoot">
+          <p:childTnLst>
+            <p:seq concurrent="1" nextAc="seek">
+              <p:cTn id="2" dur="indefinite" nodeType="mainSeq">
+                <p:childTnLst>
+                  <p:par>
+                    <p:cTn id="3" fill="hold">
+                      <p:stCondLst>
+                        <p:cond delay="indefinite"/>
+                      </p:stCondLst>
+                      <p:childTnLst>
+                        <p:par>
+                          <p:cTn id="4" fill="hold">
+                            <p:stCondLst>
+                              <p:cond delay="0"/>
+                            </p:stCondLst>
+                            <p:childTnLst>
+                              <p:par>
+                                <p:cTn id="5" presetID="1" presetClass="entr" presetSubtype="0" fill="hold" grpId="0" nodeType="clickEffect">
+                                  <p:stCondLst>
+                                    <p:cond delay="0"/>
+                                  </p:stCondLst>
+                                  <p:childTnLst>
+                                    <p:set>
+                                      <p:cBhvr>
+                                        <p:cTn id="6" dur="1" fill="hold">
+                                          <p:stCondLst>
+                                            <p:cond delay="0"/>
+                                          </p:stCondLst>
+                                        </p:cTn>
+                                        <p:tgtEl>
+                                          <p:spTgt spid="7"/>
+                                        </p:tgtEl>
+                                        <p:attrNameLst>
+                                          <p:attrName>style.visibility</p:attrName>
+                                        </p:attrNameLst>
+                                      </p:cBhvr>
+                                      <p:to>
+                                        <p:strVal val="visible"/>
+                                      </p:to>
+                                    </p:set>
+                                  </p:childTnLst>
+                                </p:cTn>
+                              </p:par>
+                            </p:childTnLst>
+                          </p:cTn>
+                        </p:par>
+                      </p:childTnLst>
+                    </p:cTn>
+                  </p:par>
+                  <p:par>
+                    <p:cTn id="7" fill="hold">
+                      <p:stCondLst>
+                        <p:cond delay="indefinite"/>
+                      </p:stCondLst>
+                      <p:childTnLst>
+                        <p:par>
+                          <p:cTn id="8" fill="hold">
+                            <p:stCondLst>
+                              <p:cond delay="0"/>
+                            </p:stCondLst>
+                            <p:childTnLst>
+                              <p:par>
+                                <p:cTn id="9" presetID="1" presetClass="entr" presetSubtype="0" fill="hold" grpId="0" nodeType="clickEffect">
+                                  <p:stCondLst>
+                                    <p:cond delay="0"/>
+                                  </p:stCondLst>
+                                  <p:childTnLst>
+                                    <p:set>
+                                      <p:cBhvr>
+                                        <p:cTn id="10" dur="1" fill="hold">
+                                          <p:stCondLst>
+                                            <p:cond delay="0"/>
+                                          </p:stCondLst>
+                                        </p:cTn>
+                                        <p:tgtEl>
+                                          <p:spTgt spid="8"/>
+                                        </p:tgtEl>
+                                        <p:attrNameLst>
+                                          <p:attrName>style.visibility</p:attrName>
+                                        </p:attrNameLst>
+                                      </p:cBhvr>
+                                      <p:to>
+                                        <p:strVal val="visible"/>
+                                      </p:to>
+                                    </p:set>
+                                  </p:childTnLst>
+                                </p:cTn>
+                              </p:par>
+                            </p:childTnLst>
+                          </p:cTn>
+                        </p:par>
+                      </p:childTnLst>
+                    </p:cTn>
+                  </p:par>
+                </p:childTnLst>
+              </p:cTn>
+              <p:prevCondLst>
+                <p:cond evt="onPrev" delay="0">
+                  <p:tgtEl>
+                    <p:sldTgt/>
+                  </p:tgtEl>
+                </p:cond>
+              </p:prevCondLst>
+              <p:nextCondLst>
+                <p:cond evt="onNext" delay="0">
+                  <p:tgtEl>
+                    <p:sldTgt/>
+                  </p:tgtEl>
+                </p:cond>
+              </p:nextCondLst>
+            </p:seq>
+          </p:childTnLst>
+        </p:cTn>
+      </p:par>
+    </p:tnLst>
+    <p:bldLst>
+      <p:bldP spid="7" grpId="0"/>
+      <p:bldP spid="8" grpId="0"/>
+    </p:bldLst>
+  </p:timing>
+</p:sld>
+</file>
+
+<file path=ppt/slides/slide19.xml><?xml version="1.0" encoding="utf-8"?>
+<p:sld xmlns:a="http://schemas.openxmlformats.org/drawingml/2006/main" xmlns:r="http://schemas.openxmlformats.org/officeDocument/2006/relationships" xmlns:p="http://schemas.openxmlformats.org/presentationml/2006/main">
+  <p:cSld>
+    <p:spTree>
+      <p:nvGrpSpPr>
+        <p:cNvPr id="1" name=""/>
+        <p:cNvGrpSpPr/>
+        <p:nvPr/>
+      </p:nvGrpSpPr>
+      <p:grpSpPr>
+        <a:xfrm>
+          <a:off x="0" y="0"/>
+          <a:ext cx="0" cy="0"/>
+          <a:chOff x="0" y="0"/>
+          <a:chExt cx="0" cy="0"/>
+        </a:xfrm>
+      </p:grpSpPr>
+      <p:sp>
+        <p:nvSpPr>
+          <p:cNvPr id="4" name="Title 1">
+            <a:extLst>
+              <a:ext uri="{FF2B5EF4-FFF2-40B4-BE49-F238E27FC236}">
+                <a16:creationId xmlns:a16="http://schemas.microsoft.com/office/drawing/2014/main" id="{44D85C8F-E9EA-4A38-B87E-D333A00C491D}"/>
+              </a:ext>
+            </a:extLst>
+          </p:cNvPr>
+          <p:cNvSpPr txBox="1">
+            <a:spLocks/>
+          </p:cNvSpPr>
+          <p:nvPr/>
+        </p:nvSpPr>
+        <p:spPr>
+          <a:xfrm>
+            <a:off x="0" y="158923"/>
+            <a:ext cx="12192000" cy="789796"/>
+          </a:xfrm>
+          <a:prstGeom prst="rect">
+            <a:avLst/>
+          </a:prstGeom>
+          <a:solidFill>
+            <a:schemeClr val="accent1"/>
+          </a:solidFill>
+        </p:spPr>
+        <p:txBody>
+          <a:bodyPr vert="horz" lIns="91440" tIns="45720" rIns="91440" bIns="45720" rtlCol="0" anchor="ctr">
+            <a:normAutofit/>
+          </a:bodyPr>
+          <a:lstStyle>
+            <a:lvl1pPr algn="l" defTabSz="914400" rtl="0" eaLnBrk="1" latinLnBrk="0" hangingPunct="1">
+              <a:lnSpc>
+                <a:spcPct val="90000"/>
+              </a:lnSpc>
+              <a:spcBef>
+                <a:spcPct val="0"/>
+              </a:spcBef>
+              <a:buNone/>
+              <a:defRPr sz="4400" kern="1200">
+                <a:solidFill>
+                  <a:schemeClr val="tx1"/>
+                </a:solidFill>
+                <a:latin typeface="+mj-lt"/>
+                <a:ea typeface="+mj-ea"/>
+                <a:cs typeface="+mj-cs"/>
+              </a:defRPr>
+            </a:lvl1pPr>
+          </a:lstStyle>
+          <a:p>
+            <a:r>
+              <a:rPr lang="fr-CA" dirty="0">
+                <a:solidFill>
+                  <a:schemeClr val="bg1"/>
+                </a:solidFill>
+                <a:cs typeface="Courier New" panose="02070309020205020404" pitchFamily="49" charset="0"/>
+              </a:rPr>
+              <a:t>Coding </a:t>
+            </a:r>
+            <a:r>
+              <a:rPr lang="fr-CA" dirty="0" err="1">
+                <a:solidFill>
+                  <a:schemeClr val="bg1"/>
+                </a:solidFill>
+                <a:cs typeface="Courier New" panose="02070309020205020404" pitchFamily="49" charset="0"/>
+              </a:rPr>
+              <a:t>parameters</a:t>
+            </a:r>
+            <a:r>
+              <a:rPr lang="fr-CA" dirty="0">
+                <a:solidFill>
+                  <a:schemeClr val="bg1"/>
+                </a:solidFill>
+                <a:cs typeface="Courier New" panose="02070309020205020404" pitchFamily="49" charset="0"/>
+              </a:rPr>
+              <a:t> in </a:t>
+            </a:r>
+            <a:r>
+              <a:rPr lang="fr-CA" dirty="0">
+                <a:solidFill>
+                  <a:schemeClr val="bg1"/>
+                </a:solidFill>
+                <a:latin typeface="Courier New" panose="02070309020205020404" pitchFamily="49" charset="0"/>
+                <a:cs typeface="Courier New" panose="02070309020205020404" pitchFamily="49" charset="0"/>
+              </a:rPr>
+              <a:t>Stan</a:t>
+            </a:r>
+            <a:endParaRPr lang="en-CA" dirty="0">
+              <a:solidFill>
+                <a:schemeClr val="bg1"/>
+              </a:solidFill>
+            </a:endParaRPr>
+          </a:p>
+        </p:txBody>
+      </p:sp>
+      <p:pic>
+        <p:nvPicPr>
+          <p:cNvPr id="3" name="Picture 2">
+            <a:extLst>
+              <a:ext uri="{FF2B5EF4-FFF2-40B4-BE49-F238E27FC236}">
+                <a16:creationId xmlns:a16="http://schemas.microsoft.com/office/drawing/2014/main" id="{5144FE06-BC44-48F1-9FB2-DD8D97A5B246}"/>
+              </a:ext>
+            </a:extLst>
+          </p:cNvPr>
+          <p:cNvPicPr>
+            <a:picLocks noChangeAspect="1"/>
+          </p:cNvPicPr>
+          <p:nvPr/>
+        </p:nvPicPr>
+        <p:blipFill>
+          <a:blip r:embed="rId2"/>
+          <a:stretch>
+            <a:fillRect/>
+          </a:stretch>
+        </p:blipFill>
+        <p:spPr>
+          <a:xfrm>
+            <a:off x="825245" y="1372592"/>
+            <a:ext cx="10541510" cy="4456707"/>
+          </a:xfrm>
+          <a:prstGeom prst="rect">
+            <a:avLst/>
+          </a:prstGeom>
+        </p:spPr>
+      </p:pic>
+    </p:spTree>
+    <p:extLst>
+      <p:ext uri="{BB962C8B-B14F-4D97-AF65-F5344CB8AC3E}">
+        <p14:creationId xmlns:p14="http://schemas.microsoft.com/office/powerpoint/2010/main" val="1014177574"/>
+      </p:ext>
+    </p:extLst>
+  </p:cSld>
+  <p:clrMapOvr>
+    <a:masterClrMapping/>
+  </p:clrMapOvr>
+</p:sld>
+</file>
+
 <file path=ppt/slides/slide2.xml><?xml version="1.0" encoding="utf-8"?>
 <p:sld xmlns:a="http://schemas.openxmlformats.org/drawingml/2006/main" xmlns:r="http://schemas.openxmlformats.org/officeDocument/2006/relationships" xmlns:p="http://schemas.openxmlformats.org/presentationml/2006/main">
   <p:cSld>
@@ -8412,6 +15873,325 @@
 </p:sld>
 </file>
 
+<file path=ppt/slides/slide20.xml><?xml version="1.0" encoding="utf-8"?>
+<p:sld xmlns:a="http://schemas.openxmlformats.org/drawingml/2006/main" xmlns:r="http://schemas.openxmlformats.org/officeDocument/2006/relationships" xmlns:p="http://schemas.openxmlformats.org/presentationml/2006/main">
+  <p:cSld>
+    <p:spTree>
+      <p:nvGrpSpPr>
+        <p:cNvPr id="1" name=""/>
+        <p:cNvGrpSpPr/>
+        <p:nvPr/>
+      </p:nvGrpSpPr>
+      <p:grpSpPr>
+        <a:xfrm>
+          <a:off x="0" y="0"/>
+          <a:ext cx="0" cy="0"/>
+          <a:chOff x="0" y="0"/>
+          <a:chExt cx="0" cy="0"/>
+        </a:xfrm>
+      </p:grpSpPr>
+      <p:sp>
+        <p:nvSpPr>
+          <p:cNvPr id="4" name="Title 1">
+            <a:extLst>
+              <a:ext uri="{FF2B5EF4-FFF2-40B4-BE49-F238E27FC236}">
+                <a16:creationId xmlns:a16="http://schemas.microsoft.com/office/drawing/2014/main" id="{44D85C8F-E9EA-4A38-B87E-D333A00C491D}"/>
+              </a:ext>
+            </a:extLst>
+          </p:cNvPr>
+          <p:cNvSpPr txBox="1">
+            <a:spLocks/>
+          </p:cNvSpPr>
+          <p:nvPr/>
+        </p:nvSpPr>
+        <p:spPr>
+          <a:xfrm>
+            <a:off x="0" y="158923"/>
+            <a:ext cx="12192000" cy="789796"/>
+          </a:xfrm>
+          <a:prstGeom prst="rect">
+            <a:avLst/>
+          </a:prstGeom>
+          <a:solidFill>
+            <a:schemeClr val="accent1"/>
+          </a:solidFill>
+        </p:spPr>
+        <p:txBody>
+          <a:bodyPr vert="horz" lIns="91440" tIns="45720" rIns="91440" bIns="45720" rtlCol="0" anchor="ctr">
+            <a:normAutofit/>
+          </a:bodyPr>
+          <a:lstStyle>
+            <a:lvl1pPr algn="l" defTabSz="914400" rtl="0" eaLnBrk="1" latinLnBrk="0" hangingPunct="1">
+              <a:lnSpc>
+                <a:spcPct val="90000"/>
+              </a:lnSpc>
+              <a:spcBef>
+                <a:spcPct val="0"/>
+              </a:spcBef>
+              <a:buNone/>
+              <a:defRPr sz="4400" kern="1200">
+                <a:solidFill>
+                  <a:schemeClr val="tx1"/>
+                </a:solidFill>
+                <a:latin typeface="+mj-lt"/>
+                <a:ea typeface="+mj-ea"/>
+                <a:cs typeface="+mj-cs"/>
+              </a:defRPr>
+            </a:lvl1pPr>
+          </a:lstStyle>
+          <a:p>
+            <a:r>
+              <a:rPr lang="fr-CA" dirty="0">
+                <a:solidFill>
+                  <a:schemeClr val="bg1"/>
+                </a:solidFill>
+                <a:cs typeface="Courier New" panose="02070309020205020404" pitchFamily="49" charset="0"/>
+              </a:rPr>
+              <a:t>Coding </a:t>
+            </a:r>
+            <a:r>
+              <a:rPr lang="fr-CA" dirty="0" err="1">
+                <a:solidFill>
+                  <a:schemeClr val="bg1"/>
+                </a:solidFill>
+                <a:cs typeface="Courier New" panose="02070309020205020404" pitchFamily="49" charset="0"/>
+              </a:rPr>
+              <a:t>models</a:t>
+            </a:r>
+            <a:r>
+              <a:rPr lang="fr-CA" dirty="0">
+                <a:solidFill>
+                  <a:schemeClr val="bg1"/>
+                </a:solidFill>
+                <a:cs typeface="Courier New" panose="02070309020205020404" pitchFamily="49" charset="0"/>
+              </a:rPr>
+              <a:t> in </a:t>
+            </a:r>
+            <a:r>
+              <a:rPr lang="fr-CA" dirty="0">
+                <a:solidFill>
+                  <a:schemeClr val="bg1"/>
+                </a:solidFill>
+                <a:latin typeface="Courier New" panose="02070309020205020404" pitchFamily="49" charset="0"/>
+                <a:cs typeface="Courier New" panose="02070309020205020404" pitchFamily="49" charset="0"/>
+              </a:rPr>
+              <a:t>Stan</a:t>
+            </a:r>
+            <a:endParaRPr lang="en-CA" dirty="0">
+              <a:solidFill>
+                <a:schemeClr val="bg1"/>
+              </a:solidFill>
+            </a:endParaRPr>
+          </a:p>
+        </p:txBody>
+      </p:sp>
+      <p:pic>
+        <p:nvPicPr>
+          <p:cNvPr id="5" name="Picture 4">
+            <a:extLst>
+              <a:ext uri="{FF2B5EF4-FFF2-40B4-BE49-F238E27FC236}">
+                <a16:creationId xmlns:a16="http://schemas.microsoft.com/office/drawing/2014/main" id="{69804B15-DD60-4A25-8121-93B40FFA3FDE}"/>
+              </a:ext>
+            </a:extLst>
+          </p:cNvPr>
+          <p:cNvPicPr>
+            <a:picLocks noChangeAspect="1"/>
+          </p:cNvPicPr>
+          <p:nvPr/>
+        </p:nvPicPr>
+        <p:blipFill>
+          <a:blip r:embed="rId2"/>
+          <a:stretch>
+            <a:fillRect/>
+          </a:stretch>
+        </p:blipFill>
+        <p:spPr>
+          <a:xfrm>
+            <a:off x="397878" y="1645550"/>
+            <a:ext cx="11396244" cy="3566899"/>
+          </a:xfrm>
+          <a:prstGeom prst="rect">
+            <a:avLst/>
+          </a:prstGeom>
+        </p:spPr>
+      </p:pic>
+    </p:spTree>
+    <p:extLst>
+      <p:ext uri="{BB962C8B-B14F-4D97-AF65-F5344CB8AC3E}">
+        <p14:creationId xmlns:p14="http://schemas.microsoft.com/office/powerpoint/2010/main" val="2626999534"/>
+      </p:ext>
+    </p:extLst>
+  </p:cSld>
+  <p:clrMapOvr>
+    <a:masterClrMapping/>
+  </p:clrMapOvr>
+</p:sld>
+</file>
+
+<file path=ppt/slides/slide21.xml><?xml version="1.0" encoding="utf-8"?>
+<p:sld xmlns:a="http://schemas.openxmlformats.org/drawingml/2006/main" xmlns:r="http://schemas.openxmlformats.org/officeDocument/2006/relationships" xmlns:p="http://schemas.openxmlformats.org/presentationml/2006/main">
+  <p:cSld>
+    <p:spTree>
+      <p:nvGrpSpPr>
+        <p:cNvPr id="1" name=""/>
+        <p:cNvGrpSpPr/>
+        <p:nvPr/>
+      </p:nvGrpSpPr>
+      <p:grpSpPr>
+        <a:xfrm>
+          <a:off x="0" y="0"/>
+          <a:ext cx="0" cy="0"/>
+          <a:chOff x="0" y="0"/>
+          <a:chExt cx="0" cy="0"/>
+        </a:xfrm>
+      </p:grpSpPr>
+      <p:sp>
+        <p:nvSpPr>
+          <p:cNvPr id="4" name="Title 1">
+            <a:extLst>
+              <a:ext uri="{FF2B5EF4-FFF2-40B4-BE49-F238E27FC236}">
+                <a16:creationId xmlns:a16="http://schemas.microsoft.com/office/drawing/2014/main" id="{44D85C8F-E9EA-4A38-B87E-D333A00C491D}"/>
+              </a:ext>
+            </a:extLst>
+          </p:cNvPr>
+          <p:cNvSpPr txBox="1">
+            <a:spLocks/>
+          </p:cNvSpPr>
+          <p:nvPr/>
+        </p:nvSpPr>
+        <p:spPr>
+          <a:xfrm>
+            <a:off x="0" y="158923"/>
+            <a:ext cx="12192000" cy="789796"/>
+          </a:xfrm>
+          <a:prstGeom prst="rect">
+            <a:avLst/>
+          </a:prstGeom>
+          <a:solidFill>
+            <a:schemeClr val="accent1"/>
+          </a:solidFill>
+        </p:spPr>
+        <p:txBody>
+          <a:bodyPr vert="horz" lIns="91440" tIns="45720" rIns="91440" bIns="45720" rtlCol="0" anchor="ctr">
+            <a:normAutofit/>
+          </a:bodyPr>
+          <a:lstStyle>
+            <a:lvl1pPr algn="l" defTabSz="914400" rtl="0" eaLnBrk="1" latinLnBrk="0" hangingPunct="1">
+              <a:lnSpc>
+                <a:spcPct val="90000"/>
+              </a:lnSpc>
+              <a:spcBef>
+                <a:spcPct val="0"/>
+              </a:spcBef>
+              <a:buNone/>
+              <a:defRPr sz="4400" kern="1200">
+                <a:solidFill>
+                  <a:schemeClr val="tx1"/>
+                </a:solidFill>
+                <a:latin typeface="+mj-lt"/>
+                <a:ea typeface="+mj-ea"/>
+                <a:cs typeface="+mj-cs"/>
+              </a:defRPr>
+            </a:lvl1pPr>
+          </a:lstStyle>
+          <a:p>
+            <a:r>
+              <a:rPr lang="fr-CA" dirty="0">
+                <a:solidFill>
+                  <a:schemeClr val="bg1"/>
+                </a:solidFill>
+                <a:cs typeface="Courier New" panose="02070309020205020404" pitchFamily="49" charset="0"/>
+              </a:rPr>
+              <a:t>Run </a:t>
+            </a:r>
+            <a:r>
+              <a:rPr lang="fr-CA" dirty="0" err="1">
+                <a:solidFill>
+                  <a:schemeClr val="bg1"/>
+                </a:solidFill>
+                <a:cs typeface="Courier New" panose="02070309020205020404" pitchFamily="49" charset="0"/>
+              </a:rPr>
+              <a:t>your</a:t>
+            </a:r>
+            <a:r>
+              <a:rPr lang="fr-CA" dirty="0">
+                <a:solidFill>
+                  <a:schemeClr val="bg1"/>
+                </a:solidFill>
+                <a:cs typeface="Courier New" panose="02070309020205020404" pitchFamily="49" charset="0"/>
+              </a:rPr>
+              <a:t> </a:t>
+            </a:r>
+            <a:r>
+              <a:rPr lang="fr-CA" dirty="0">
+                <a:solidFill>
+                  <a:schemeClr val="bg1"/>
+                </a:solidFill>
+                <a:latin typeface="Courier New" panose="02070309020205020404" pitchFamily="49" charset="0"/>
+                <a:cs typeface="Courier New" panose="02070309020205020404" pitchFamily="49" charset="0"/>
+              </a:rPr>
+              <a:t>Stan</a:t>
+            </a:r>
+            <a:r>
+              <a:rPr lang="fr-CA" dirty="0">
+                <a:solidFill>
+                  <a:schemeClr val="bg1"/>
+                </a:solidFill>
+                <a:cs typeface="Courier New" panose="02070309020205020404" pitchFamily="49" charset="0"/>
+              </a:rPr>
+              <a:t> model in R</a:t>
+            </a:r>
+            <a:endParaRPr lang="en-CA" dirty="0">
+              <a:solidFill>
+                <a:schemeClr val="bg1"/>
+              </a:solidFill>
+            </a:endParaRPr>
+          </a:p>
+        </p:txBody>
+      </p:sp>
+      <p:pic>
+        <p:nvPicPr>
+          <p:cNvPr id="7" name="Picture 6">
+            <a:extLst>
+              <a:ext uri="{FF2B5EF4-FFF2-40B4-BE49-F238E27FC236}">
+                <a16:creationId xmlns:a16="http://schemas.microsoft.com/office/drawing/2014/main" id="{8BA7A46E-9C0C-4C5D-A672-621B80987477}"/>
+              </a:ext>
+            </a:extLst>
+          </p:cNvPr>
+          <p:cNvPicPr>
+            <a:picLocks noChangeAspect="1"/>
+          </p:cNvPicPr>
+          <p:nvPr/>
+        </p:nvPicPr>
+        <p:blipFill>
+          <a:blip r:embed="rId2"/>
+          <a:stretch>
+            <a:fillRect/>
+          </a:stretch>
+        </p:blipFill>
+        <p:spPr>
+          <a:xfrm>
+            <a:off x="549898" y="1890346"/>
+            <a:ext cx="11092203" cy="2322430"/>
+          </a:xfrm>
+          <a:prstGeom prst="rect">
+            <a:avLst/>
+          </a:prstGeom>
+        </p:spPr>
+      </p:pic>
+    </p:spTree>
+    <p:extLst>
+      <p:ext uri="{BB962C8B-B14F-4D97-AF65-F5344CB8AC3E}">
+        <p14:creationId xmlns:p14="http://schemas.microsoft.com/office/powerpoint/2010/main" val="1674838956"/>
+      </p:ext>
+    </p:extLst>
+  </p:cSld>
+  <p:clrMapOvr>
+    <a:masterClrMapping/>
+  </p:clrMapOvr>
+</p:sld>
+</file>
+
 <file path=ppt/slides/slide3.xml><?xml version="1.0" encoding="utf-8"?>
 <p:sld xmlns:a="http://schemas.openxmlformats.org/drawingml/2006/main" xmlns:r="http://schemas.openxmlformats.org/officeDocument/2006/relationships" xmlns:p="http://schemas.openxmlformats.org/presentationml/2006/main">
   <p:cSld>
@@ -11351,8 +19131,8 @@
           </a:p>
         </p:txBody>
       </p:sp>
-      <mc:AlternateContent xmlns:mc="http://schemas.openxmlformats.org/markup-compatibility/2006">
-        <mc:Choice xmlns:a14="http://schemas.microsoft.com/office/drawing/2010/main" Requires="a14">
+      <mc:AlternateContent xmlns:mc="http://schemas.openxmlformats.org/markup-compatibility/2006" xmlns:a14="http://schemas.microsoft.com/office/drawing/2010/main">
+        <mc:Choice Requires="a14">
           <p:sp>
             <p:nvSpPr>
               <p:cNvPr id="3" name="Content Placeholder 2">
@@ -11886,7 +19666,7 @@
             </p:txBody>
           </p:sp>
         </mc:Choice>
-        <mc:Fallback>
+        <mc:Fallback xmlns="">
           <p:sp>
             <p:nvSpPr>
               <p:cNvPr id="3" name="Content Placeholder 2">
@@ -11930,8 +19710,8 @@
           </p:sp>
         </mc:Fallback>
       </mc:AlternateContent>
-      <mc:AlternateContent xmlns:mc="http://schemas.openxmlformats.org/markup-compatibility/2006">
-        <mc:Choice xmlns:a14="http://schemas.microsoft.com/office/drawing/2010/main" Requires="a14">
+      <mc:AlternateContent xmlns:mc="http://schemas.openxmlformats.org/markup-compatibility/2006" xmlns:a14="http://schemas.microsoft.com/office/drawing/2010/main">
+        <mc:Choice Requires="a14">
           <p:sp>
             <p:nvSpPr>
               <p:cNvPr id="4" name="TextBox 3">
@@ -12131,7 +19911,7 @@
             </p:txBody>
           </p:sp>
         </mc:Choice>
-        <mc:Fallback>
+        <mc:Fallback xmlns="">
           <p:sp>
             <p:nvSpPr>
               <p:cNvPr id="4" name="TextBox 3">
@@ -12561,8 +20341,8 @@
           </a:fontRef>
         </p:style>
       </p:cxnSp>
-      <mc:AlternateContent xmlns:mc="http://schemas.openxmlformats.org/markup-compatibility/2006">
-        <mc:Choice xmlns:a14="http://schemas.microsoft.com/office/drawing/2010/main" Requires="a14">
+      <mc:AlternateContent xmlns:mc="http://schemas.openxmlformats.org/markup-compatibility/2006" xmlns:a14="http://schemas.microsoft.com/office/drawing/2010/main">
+        <mc:Choice Requires="a14">
           <p:sp>
             <p:nvSpPr>
               <p:cNvPr id="13" name="TextBox 12">
@@ -12649,7 +20429,7 @@
             </p:txBody>
           </p:sp>
         </mc:Choice>
-        <mc:Fallback>
+        <mc:Fallback xmlns="">
           <p:sp>
             <p:nvSpPr>
               <p:cNvPr id="13" name="TextBox 12">
@@ -12694,8 +20474,8 @@
           </p:sp>
         </mc:Fallback>
       </mc:AlternateContent>
-      <mc:AlternateContent xmlns:mc="http://schemas.openxmlformats.org/markup-compatibility/2006">
-        <mc:Choice xmlns:a14="http://schemas.microsoft.com/office/drawing/2010/main" Requires="a14">
+      <mc:AlternateContent xmlns:mc="http://schemas.openxmlformats.org/markup-compatibility/2006" xmlns:a14="http://schemas.microsoft.com/office/drawing/2010/main">
+        <mc:Choice Requires="a14">
           <p:sp>
             <p:nvSpPr>
               <p:cNvPr id="15" name="TextBox 14">
@@ -12795,7 +20575,7 @@
             </p:txBody>
           </p:sp>
         </mc:Choice>
-        <mc:Fallback>
+        <mc:Fallback xmlns="">
           <p:sp>
             <p:nvSpPr>
               <p:cNvPr id="15" name="TextBox 14">
@@ -13280,795 +21060,8 @@
           </a:p>
         </p:txBody>
       </p:sp>
-      <mc:AlternateContent xmlns:mc="http://schemas.openxmlformats.org/markup-compatibility/2006">
-        <mc:Choice xmlns:a14="http://schemas.microsoft.com/office/drawing/2010/main" Requires="a14">
-          <p:sp>
-            <p:nvSpPr>
-              <p:cNvPr id="3" name="Content Placeholder 2">
-                <a:extLst>
-                  <a:ext uri="{FF2B5EF4-FFF2-40B4-BE49-F238E27FC236}">
-                    <a16:creationId xmlns:a16="http://schemas.microsoft.com/office/drawing/2014/main" id="{9FD1E03E-EE07-4F22-AF0B-ADB3D83D4A85}"/>
-                  </a:ext>
-                </a:extLst>
-              </p:cNvPr>
-              <p:cNvSpPr>
-                <a:spLocks noGrp="1"/>
-              </p:cNvSpPr>
-              <p:nvPr>
-                <p:ph idx="1"/>
-              </p:nvPr>
-            </p:nvSpPr>
-            <p:spPr>
-              <a:xfrm>
-                <a:off x="3497870" y="982225"/>
-                <a:ext cx="4964724" cy="1131068"/>
-              </a:xfrm>
-            </p:spPr>
-            <p:txBody>
-              <a:bodyPr>
-                <a:normAutofit fontScale="25000" lnSpcReduction="20000"/>
-              </a:bodyPr>
-              <a:lstStyle/>
-              <a:p>
-                <a:pPr marL="0" indent="0" algn="ctr">
-                  <a:buNone/>
-                </a:pPr>
-                <a:r>
-                  <a:rPr lang="fr-CA" dirty="0"/>
-                  <a:t>Joint </a:t>
-                </a:r>
-                <a:r>
-                  <a:rPr lang="fr-CA" dirty="0" err="1"/>
-                  <a:t>probability</a:t>
-                </a:r>
-                <a:r>
-                  <a:rPr lang="fr-CA" dirty="0"/>
-                  <a:t> can </a:t>
-                </a:r>
-                <a:r>
-                  <a:rPr lang="fr-CA" dirty="0" err="1"/>
-                  <a:t>be</a:t>
-                </a:r>
-                <a:r>
-                  <a:rPr lang="fr-CA" dirty="0"/>
-                  <a:t> </a:t>
-                </a:r>
-                <a:r>
-                  <a:rPr lang="fr-CA" dirty="0" err="1"/>
-                  <a:t>becomes</a:t>
-                </a:r>
-                <a:r>
-                  <a:rPr lang="fr-CA" dirty="0"/>
-                  <a:t> Bayes </a:t>
-                </a:r>
-                <a:r>
-                  <a:rPr lang="fr-CA" dirty="0" err="1"/>
-                  <a:t>theorem</a:t>
-                </a:r>
-                <a:r>
-                  <a:rPr lang="fr-CA" dirty="0"/>
-                  <a:t> by </a:t>
-                </a:r>
-                <a:r>
-                  <a:rPr lang="fr-CA" dirty="0" err="1"/>
-                  <a:t>spli</a:t>
-                </a:r>
-                <a:endParaRPr lang="fr-CA" dirty="0"/>
-              </a:p>
-              <a:p>
-                <a:pPr marL="0" indent="0" algn="ctr">
-                  <a:buNone/>
-                </a:pPr>
-                <a:endParaRPr lang="fr-CA" dirty="0"/>
-              </a:p>
-              <a:p>
-                <a:pPr marL="0" indent="0" algn="ctr">
-                  <a:buNone/>
-                </a:pPr>
-                <a:endParaRPr lang="fr-CA" dirty="0"/>
-              </a:p>
-              <a:p>
-                <a:pPr marL="0" indent="0" algn="ctr">
-                  <a:buNone/>
-                </a:pPr>
-                <a:endParaRPr lang="fr-CA" dirty="0"/>
-              </a:p>
-              <a:p>
-                <a:pPr marL="0" indent="0" algn="ctr">
-                  <a:buNone/>
-                </a:pPr>
-                <a:endParaRPr lang="fr-CA" dirty="0"/>
-              </a:p>
-              <a:p>
-                <a:pPr marL="0" indent="0" algn="ctr">
-                  <a:buNone/>
-                </a:pPr>
-                <a:endParaRPr lang="fr-CA" dirty="0"/>
-              </a:p>
-              <a:p>
-                <a:pPr marL="0" indent="0" algn="ctr">
-                  <a:buNone/>
-                </a:pPr>
-                <a:endParaRPr lang="fr-CA" dirty="0"/>
-              </a:p>
-              <a:p>
-                <a:pPr marL="0" indent="0" algn="ctr">
-                  <a:buNone/>
-                </a:pPr>
-                <a:endParaRPr lang="fr-CA" dirty="0"/>
-              </a:p>
-              <a:p>
-                <a:pPr marL="0" indent="0" algn="ctr">
-                  <a:buNone/>
-                </a:pPr>
-                <a:endParaRPr lang="fr-CA" dirty="0"/>
-              </a:p>
-              <a:p>
-                <a:pPr marL="0" indent="0" algn="ctr">
-                  <a:buNone/>
-                </a:pPr>
-                <a:endParaRPr lang="fr-CA" dirty="0"/>
-              </a:p>
-              <a:p>
-                <a:pPr marL="0" indent="0" algn="ctr">
-                  <a:buNone/>
-                </a:pPr>
-                <a:endParaRPr lang="fr-CA" dirty="0"/>
-              </a:p>
-              <a:p>
-                <a:pPr marL="0" indent="0" algn="ctr">
-                  <a:buNone/>
-                </a:pPr>
-                <a:endParaRPr lang="fr-CA" dirty="0"/>
-              </a:p>
-              <a:p>
-                <a:pPr marL="0" indent="0" algn="ctr">
-                  <a:buNone/>
-                </a:pPr>
-                <a:endParaRPr lang="fr-CA" dirty="0"/>
-              </a:p>
-              <a:p>
-                <a:pPr marL="0" indent="0" algn="ctr">
-                  <a:buNone/>
-                </a:pPr>
-                <a:endParaRPr lang="fr-CA" dirty="0"/>
-              </a:p>
-              <a:p>
-                <a:pPr marL="0" indent="0" algn="ctr">
-                  <a:buNone/>
-                </a:pPr>
-                <a:endParaRPr lang="fr-CA" dirty="0"/>
-              </a:p>
-              <a:p>
-                <a:pPr marL="0" indent="0" algn="ctr">
-                  <a:buNone/>
-                </a:pPr>
-                <a:endParaRPr lang="fr-CA" dirty="0"/>
-              </a:p>
-              <a:p>
-                <a:pPr marL="0" indent="0" algn="ctr">
-                  <a:buNone/>
-                </a:pPr>
-                <a:endParaRPr lang="fr-CA" dirty="0"/>
-              </a:p>
-              <a:p>
-                <a:pPr marL="0" indent="0" algn="ctr">
-                  <a:buNone/>
-                </a:pPr>
-                <a:endParaRPr lang="fr-CA" dirty="0"/>
-              </a:p>
-              <a:p>
-                <a:pPr marL="0" indent="0" algn="ctr">
-                  <a:buNone/>
-                </a:pPr>
-                <a:endParaRPr lang="fr-CA" dirty="0"/>
-              </a:p>
-              <a:p>
-                <a:pPr marL="0" indent="0" algn="ctr">
-                  <a:buNone/>
-                </a:pPr>
-                <a:endParaRPr lang="fr-CA" dirty="0"/>
-              </a:p>
-              <a:p>
-                <a:pPr marL="0" indent="0" algn="ctr">
-                  <a:buNone/>
-                </a:pPr>
-                <a:endParaRPr lang="fr-CA" dirty="0"/>
-              </a:p>
-              <a:p>
-                <a:pPr marL="0" indent="0" algn="ctr">
-                  <a:buNone/>
-                </a:pPr>
-                <a:endParaRPr lang="fr-CA" dirty="0"/>
-              </a:p>
-              <a:p>
-                <a:pPr marL="0" indent="0" algn="ctr">
-                  <a:buNone/>
-                </a:pPr>
-                <a:endParaRPr lang="fr-CA" dirty="0"/>
-              </a:p>
-              <a:p>
-                <a:pPr marL="0" indent="0" algn="ctr">
-                  <a:buNone/>
-                </a:pPr>
-                <a:endParaRPr lang="fr-CA" dirty="0"/>
-              </a:p>
-              <a:p>
-                <a:pPr marL="0" indent="0" algn="ctr">
-                  <a:buNone/>
-                </a:pPr>
-                <a:endParaRPr lang="fr-CA" dirty="0"/>
-              </a:p>
-              <a:p>
-                <a:pPr marL="0" indent="0" algn="ctr">
-                  <a:buNone/>
-                </a:pPr>
-                <a:endParaRPr lang="fr-CA" dirty="0"/>
-              </a:p>
-              <a:p>
-                <a:pPr marL="0" indent="0" algn="ctr">
-                  <a:buNone/>
-                </a:pPr>
-                <a:endParaRPr lang="fr-CA" dirty="0"/>
-              </a:p>
-              <a:p>
-                <a:pPr marL="0" indent="0" algn="ctr">
-                  <a:buNone/>
-                </a:pPr>
-                <a:endParaRPr lang="fr-CA" dirty="0"/>
-              </a:p>
-              <a:p>
-                <a:pPr marL="0" indent="0" algn="ctr">
-                  <a:buNone/>
-                </a:pPr>
-                <a:endParaRPr lang="fr-CA" dirty="0"/>
-              </a:p>
-              <a:p>
-                <a:pPr marL="0" indent="0" algn="ctr">
-                  <a:buNone/>
-                </a:pPr>
-                <a:endParaRPr lang="fr-CA" dirty="0"/>
-              </a:p>
-              <a:p>
-                <a:pPr marL="0" indent="0" algn="ctr">
-                  <a:buNone/>
-                </a:pPr>
-                <a:endParaRPr lang="fr-CA" dirty="0"/>
-              </a:p>
-              <a:p>
-                <a:pPr marL="0" indent="0" algn="ctr">
-                  <a:buNone/>
-                </a:pPr>
-                <a:endParaRPr lang="fr-CA" dirty="0"/>
-              </a:p>
-              <a:p>
-                <a:pPr marL="0" indent="0" algn="ctr">
-                  <a:buNone/>
-                </a:pPr>
-                <a:endParaRPr lang="fr-CA" dirty="0"/>
-              </a:p>
-              <a:p>
-                <a:pPr marL="0" indent="0" algn="ctr">
-                  <a:buNone/>
-                </a:pPr>
-                <a:endParaRPr lang="fr-CA" dirty="0"/>
-              </a:p>
-              <a:p>
-                <a:pPr marL="0" indent="0" algn="ctr">
-                  <a:buNone/>
-                </a:pPr>
-                <a:endParaRPr lang="fr-CA" dirty="0"/>
-              </a:p>
-              <a:p>
-                <a:pPr marL="0" indent="0" algn="ctr">
-                  <a:buNone/>
-                </a:pPr>
-                <a:endParaRPr lang="fr-CA" dirty="0"/>
-              </a:p>
-              <a:p>
-                <a:pPr marL="0" indent="0" algn="ctr">
-                  <a:buNone/>
-                </a:pPr>
-                <a:endParaRPr lang="fr-CA" dirty="0"/>
-              </a:p>
-              <a:p>
-                <a:pPr marL="0" indent="0" algn="ctr">
-                  <a:buNone/>
-                </a:pPr>
-                <a:endParaRPr lang="fr-CA" dirty="0"/>
-              </a:p>
-              <a:p>
-                <a:pPr marL="0" indent="0" algn="ctr">
-                  <a:buNone/>
-                </a:pPr>
-                <a:endParaRPr lang="fr-CA" dirty="0"/>
-              </a:p>
-              <a:p>
-                <a:pPr marL="0" indent="0" algn="ctr">
-                  <a:buNone/>
-                </a:pPr>
-                <a:endParaRPr lang="fr-CA" dirty="0"/>
-              </a:p>
-              <a:p>
-                <a:pPr marL="0" indent="0" algn="ctr">
-                  <a:buNone/>
-                </a:pPr>
-                <a:endParaRPr lang="fr-CA" dirty="0"/>
-              </a:p>
-              <a:p>
-                <a:pPr marL="0" indent="0" algn="ctr">
-                  <a:buNone/>
-                </a:pPr>
-                <a:endParaRPr lang="fr-CA" dirty="0"/>
-              </a:p>
-              <a:p>
-                <a:pPr marL="0" indent="0" algn="ctr">
-                  <a:buNone/>
-                </a:pPr>
-                <a:endParaRPr lang="fr-CA" dirty="0"/>
-              </a:p>
-              <a:p>
-                <a:pPr marL="0" indent="0" algn="ctr">
-                  <a:buNone/>
-                </a:pPr>
-                <a:endParaRPr lang="fr-CA" dirty="0"/>
-              </a:p>
-              <a:p>
-                <a:pPr marL="0" indent="0" algn="ctr">
-                  <a:buNone/>
-                </a:pPr>
-                <a:endParaRPr lang="fr-CA" dirty="0"/>
-              </a:p>
-              <a:p>
-                <a:pPr marL="0" indent="0" algn="ctr">
-                  <a:buNone/>
-                </a:pPr>
-                <a:endParaRPr lang="fr-CA" dirty="0"/>
-              </a:p>
-              <a:p>
-                <a:pPr marL="0" indent="0" algn="ctr">
-                  <a:buNone/>
-                </a:pPr>
-                <a:endParaRPr lang="fr-CA" dirty="0"/>
-              </a:p>
-              <a:p>
-                <a:pPr marL="0" indent="0" algn="ctr">
-                  <a:buNone/>
-                </a:pPr>
-                <a:endParaRPr lang="fr-CA" dirty="0"/>
-              </a:p>
-              <a:p>
-                <a:pPr marL="0" indent="0" algn="ctr">
-                  <a:buNone/>
-                </a:pPr>
-                <a:endParaRPr lang="fr-CA" dirty="0"/>
-              </a:p>
-              <a:p>
-                <a:pPr marL="0" indent="0" algn="ctr">
-                  <a:buNone/>
-                </a:pPr>
-                <a:endParaRPr lang="fr-CA" dirty="0"/>
-              </a:p>
-              <a:p>
-                <a:pPr marL="0" indent="0" algn="ctr">
-                  <a:buNone/>
-                </a:pPr>
-                <a:endParaRPr lang="fr-CA" dirty="0"/>
-              </a:p>
-              <a:p>
-                <a:pPr marL="0" indent="0" algn="ctr">
-                  <a:buNone/>
-                </a:pPr>
-                <a:endParaRPr lang="fr-CA" dirty="0"/>
-              </a:p>
-              <a:p>
-                <a:pPr marL="0" indent="0" algn="ctr">
-                  <a:buNone/>
-                </a:pPr>
-                <a:endParaRPr lang="fr-CA" dirty="0"/>
-              </a:p>
-              <a:p>
-                <a:pPr marL="0" indent="0" algn="ctr">
-                  <a:buNone/>
-                </a:pPr>
-                <a:endParaRPr lang="fr-CA" dirty="0"/>
-              </a:p>
-              <a:p>
-                <a:pPr marL="0" indent="0" algn="ctr">
-                  <a:buNone/>
-                </a:pPr>
-                <a:endParaRPr lang="fr-CA" dirty="0"/>
-              </a:p>
-              <a:p>
-                <a:pPr marL="0" indent="0" algn="ctr">
-                  <a:buNone/>
-                </a:pPr>
-                <a:endParaRPr lang="fr-CA" dirty="0"/>
-              </a:p>
-              <a:p>
-                <a:pPr marL="0" indent="0" algn="ctr">
-                  <a:buNone/>
-                </a:pPr>
-                <a:endParaRPr lang="fr-CA" dirty="0"/>
-              </a:p>
-              <a:p>
-                <a:pPr marL="0" indent="0" algn="ctr">
-                  <a:buNone/>
-                </a:pPr>
-                <a:endParaRPr lang="fr-CA" dirty="0"/>
-              </a:p>
-              <a:p>
-                <a:pPr marL="0" indent="0" algn="ctr">
-                  <a:buNone/>
-                </a:pPr>
-                <a:endParaRPr lang="fr-CA" dirty="0"/>
-              </a:p>
-              <a:p>
-                <a:pPr marL="0" indent="0" algn="ctr">
-                  <a:buNone/>
-                </a:pPr>
-                <a:endParaRPr lang="fr-CA" dirty="0"/>
-              </a:p>
-              <a:p>
-                <a:pPr marL="0" indent="0" algn="ctr">
-                  <a:buNone/>
-                </a:pPr>
-                <a:endParaRPr lang="fr-CA" dirty="0"/>
-              </a:p>
-              <a:p>
-                <a:pPr marL="0" indent="0" algn="ctr">
-                  <a:buNone/>
-                </a:pPr>
-                <a:endParaRPr lang="fr-CA" dirty="0"/>
-              </a:p>
-              <a:p>
-                <a:pPr marL="0" indent="0" algn="ctr">
-                  <a:buNone/>
-                </a:pPr>
-                <a:endParaRPr lang="fr-CA" dirty="0"/>
-              </a:p>
-              <a:p>
-                <a:pPr marL="0" indent="0" algn="ctr">
-                  <a:buNone/>
-                </a:pPr>
-                <a:endParaRPr lang="fr-CA" dirty="0"/>
-              </a:p>
-              <a:p>
-                <a:pPr marL="0" indent="0" algn="ctr">
-                  <a:buNone/>
-                </a:pPr>
-                <a:endParaRPr lang="fr-CA" dirty="0"/>
-              </a:p>
-              <a:p>
-                <a:pPr marL="0" indent="0" algn="ctr">
-                  <a:buNone/>
-                </a:pPr>
-                <a:endParaRPr lang="fr-CA" dirty="0"/>
-              </a:p>
-              <a:p>
-                <a:pPr marL="0" indent="0" algn="ctr">
-                  <a:buNone/>
-                </a:pPr>
-                <a:endParaRPr lang="fr-CA" dirty="0"/>
-              </a:p>
-              <a:p>
-                <a:pPr marL="0" indent="0" algn="ctr">
-                  <a:buNone/>
-                </a:pPr>
-                <a:endParaRPr lang="fr-CA" dirty="0"/>
-              </a:p>
-              <a:p>
-                <a:pPr marL="0" indent="0" algn="ctr">
-                  <a:buNone/>
-                </a:pPr>
-                <a:endParaRPr lang="fr-CA" dirty="0"/>
-              </a:p>
-              <a:p>
-                <a:pPr marL="0" indent="0" algn="ctr">
-                  <a:buNone/>
-                </a:pPr>
-                <a:endParaRPr lang="fr-CA" dirty="0"/>
-              </a:p>
-              <a:p>
-                <a:pPr marL="0" indent="0" algn="ctr">
-                  <a:buNone/>
-                </a:pPr>
-                <a:endParaRPr lang="fr-CA" dirty="0"/>
-              </a:p>
-              <a:p>
-                <a:pPr marL="0" indent="0" algn="ctr">
-                  <a:buNone/>
-                </a:pPr>
-                <a:endParaRPr lang="fr-CA" dirty="0"/>
-              </a:p>
-              <a:p>
-                <a:pPr marL="0" indent="0" algn="ctr">
-                  <a:buNone/>
-                </a:pPr>
-                <a:r>
-                  <a:rPr lang="fr-CA" dirty="0" err="1"/>
-                  <a:t>tting</a:t>
-                </a:r>
-                <a:r>
-                  <a:rPr lang="fr-CA" dirty="0"/>
-                  <a:t> the </a:t>
-                </a:r>
-                <a:r>
-                  <a:rPr lang="fr-CA" dirty="0" err="1"/>
-                  <a:t>two</a:t>
-                </a:r>
-                <a:r>
-                  <a:rPr lang="fr-CA" dirty="0"/>
-                  <a:t> right parts by</a:t>
-                </a:r>
-                <a14:m>
-                  <m:oMath xmlns:m="http://schemas.openxmlformats.org/officeDocument/2006/math">
-                    <m:r>
-                      <a:rPr lang="fr-CA" b="0" i="0" smtClean="0">
-                        <a:latin typeface="Cambria Math" panose="02040503050406030204" pitchFamily="18" charset="0"/>
-                      </a:rPr>
-                      <m:t> </m:t>
-                    </m:r>
-                    <m:r>
-                      <a:rPr lang="fr-CA" i="1">
-                        <a:latin typeface="Cambria Math" panose="02040503050406030204" pitchFamily="18" charset="0"/>
-                      </a:rPr>
-                      <m:t>𝑝</m:t>
-                    </m:r>
-                    <m:d>
-                      <m:dPr>
-                        <m:ctrlPr>
-                          <a:rPr lang="fr-CA" i="1">
-                            <a:latin typeface="Cambria Math" panose="02040503050406030204" pitchFamily="18" charset="0"/>
-                          </a:rPr>
-                        </m:ctrlPr>
-                      </m:dPr>
-                      <m:e>
-                        <m:r>
-                          <a:rPr lang="fr-CA" i="1">
-                            <a:latin typeface="Cambria Math" panose="02040503050406030204" pitchFamily="18" charset="0"/>
-                          </a:rPr>
-                          <m:t>𝑦</m:t>
-                        </m:r>
-                      </m:e>
-                    </m:d>
-                  </m:oMath>
-                </a14:m>
-                <a:r>
-                  <a:rPr lang="fr-CA" dirty="0">
-                    <a:latin typeface="Cambria Math" panose="02040503050406030204" pitchFamily="18" charset="0"/>
-                  </a:rPr>
-                  <a:t>; </a:t>
-                </a:r>
-              </a:p>
-              <a:p>
-                <a:pPr marL="0" indent="0" algn="ctr">
-                  <a:buNone/>
-                </a:pPr>
-                <a14:m>
-                  <m:oMath xmlns:m="http://schemas.openxmlformats.org/officeDocument/2006/math">
-                    <m:r>
-                      <a:rPr lang="fr-CA" i="1">
-                        <a:latin typeface="Cambria Math" panose="02040503050406030204" pitchFamily="18" charset="0"/>
-                      </a:rPr>
-                      <m:t>𝑝</m:t>
-                    </m:r>
-                    <m:d>
-                      <m:dPr>
-                        <m:ctrlPr>
-                          <a:rPr lang="fr-CA" i="1">
-                            <a:latin typeface="Cambria Math" panose="02040503050406030204" pitchFamily="18" charset="0"/>
-                          </a:rPr>
-                        </m:ctrlPr>
-                      </m:dPr>
-                      <m:e>
-                        <m:r>
-                          <a:rPr lang="fr-CA" i="1">
-                            <a:latin typeface="Cambria Math" panose="02040503050406030204" pitchFamily="18" charset="0"/>
-                          </a:rPr>
-                          <m:t>𝑥</m:t>
-                        </m:r>
-                        <m:r>
-                          <a:rPr lang="fr-CA" i="1">
-                            <a:latin typeface="Cambria Math" panose="02040503050406030204" pitchFamily="18" charset="0"/>
-                          </a:rPr>
-                          <m:t>,</m:t>
-                        </m:r>
-                        <m:r>
-                          <a:rPr lang="fr-CA" i="1">
-                            <a:latin typeface="Cambria Math" panose="02040503050406030204" pitchFamily="18" charset="0"/>
-                          </a:rPr>
-                          <m:t>𝑦</m:t>
-                        </m:r>
-                      </m:e>
-                    </m:d>
-                    <m:r>
-                      <a:rPr lang="fr-CA" i="1">
-                        <a:latin typeface="Cambria Math" panose="02040503050406030204" pitchFamily="18" charset="0"/>
-                      </a:rPr>
-                      <m:t>=</m:t>
-                    </m:r>
-                    <m:r>
-                      <a:rPr lang="fr-CA" i="1">
-                        <a:latin typeface="Cambria Math" panose="02040503050406030204" pitchFamily="18" charset="0"/>
-                      </a:rPr>
-                      <m:t>𝑝</m:t>
-                    </m:r>
-                    <m:d>
-                      <m:dPr>
-                        <m:ctrlPr>
-                          <a:rPr lang="fr-CA" i="1">
-                            <a:latin typeface="Cambria Math" panose="02040503050406030204" pitchFamily="18" charset="0"/>
-                          </a:rPr>
-                        </m:ctrlPr>
-                      </m:dPr>
-                      <m:e>
-                        <m:r>
-                          <a:rPr lang="fr-CA" i="1">
-                            <a:latin typeface="Cambria Math" panose="02040503050406030204" pitchFamily="18" charset="0"/>
-                          </a:rPr>
-                          <m:t>𝑥</m:t>
-                        </m:r>
-                      </m:e>
-                    </m:d>
-                    <m:r>
-                      <a:rPr lang="fr-CA" i="1">
-                        <a:latin typeface="Cambria Math" panose="02040503050406030204" pitchFamily="18" charset="0"/>
-                      </a:rPr>
-                      <m:t>𝑝</m:t>
-                    </m:r>
-                    <m:d>
-                      <m:dPr>
-                        <m:ctrlPr>
-                          <a:rPr lang="fr-CA" i="1">
-                            <a:latin typeface="Cambria Math" panose="02040503050406030204" pitchFamily="18" charset="0"/>
-                          </a:rPr>
-                        </m:ctrlPr>
-                      </m:dPr>
-                      <m:e>
-                        <m:r>
-                          <a:rPr lang="fr-CA" i="1">
-                            <a:latin typeface="Cambria Math" panose="02040503050406030204" pitchFamily="18" charset="0"/>
-                          </a:rPr>
-                          <m:t>𝑦</m:t>
-                        </m:r>
-                      </m:e>
-                      <m:e>
-                        <m:r>
-                          <a:rPr lang="fr-CA" i="1">
-                            <a:latin typeface="Cambria Math" panose="02040503050406030204" pitchFamily="18" charset="0"/>
-                          </a:rPr>
-                          <m:t>𝑥</m:t>
-                        </m:r>
-                      </m:e>
-                    </m:d>
-                    <m:r>
-                      <a:rPr lang="fr-CA" i="1">
-                        <a:latin typeface="Cambria Math" panose="02040503050406030204" pitchFamily="18" charset="0"/>
-                      </a:rPr>
-                      <m:t>=</m:t>
-                    </m:r>
-                    <m:r>
-                      <a:rPr lang="fr-CA" i="1">
-                        <a:latin typeface="Cambria Math" panose="02040503050406030204" pitchFamily="18" charset="0"/>
-                      </a:rPr>
-                      <m:t>𝑝</m:t>
-                    </m:r>
-                    <m:d>
-                      <m:dPr>
-                        <m:ctrlPr>
-                          <a:rPr lang="fr-CA" i="1">
-                            <a:latin typeface="Cambria Math" panose="02040503050406030204" pitchFamily="18" charset="0"/>
-                          </a:rPr>
-                        </m:ctrlPr>
-                      </m:dPr>
-                      <m:e>
-                        <m:r>
-                          <a:rPr lang="fr-CA" i="1">
-                            <a:latin typeface="Cambria Math" panose="02040503050406030204" pitchFamily="18" charset="0"/>
-                          </a:rPr>
-                          <m:t>𝑦</m:t>
-                        </m:r>
-                      </m:e>
-                    </m:d>
-                    <m:r>
-                      <a:rPr lang="fr-CA" i="1">
-                        <a:latin typeface="Cambria Math" panose="02040503050406030204" pitchFamily="18" charset="0"/>
-                      </a:rPr>
-                      <m:t>𝑝</m:t>
-                    </m:r>
-                    <m:r>
-                      <a:rPr lang="fr-CA" i="1">
-                        <a:latin typeface="Cambria Math" panose="02040503050406030204" pitchFamily="18" charset="0"/>
-                      </a:rPr>
-                      <m:t>(</m:t>
-                    </m:r>
-                    <m:r>
-                      <a:rPr lang="fr-CA" i="1">
-                        <a:latin typeface="Cambria Math" panose="02040503050406030204" pitchFamily="18" charset="0"/>
-                      </a:rPr>
-                      <m:t>𝑥</m:t>
-                    </m:r>
-                    <m:r>
-                      <a:rPr lang="fr-CA" i="1">
-                        <a:latin typeface="Cambria Math" panose="02040503050406030204" pitchFamily="18" charset="0"/>
-                      </a:rPr>
-                      <m:t>|</m:t>
-                    </m:r>
-                    <m:r>
-                      <a:rPr lang="fr-CA" i="1">
-                        <a:latin typeface="Cambria Math" panose="02040503050406030204" pitchFamily="18" charset="0"/>
-                      </a:rPr>
-                      <m:t>𝑦</m:t>
-                    </m:r>
-                    <m:r>
-                      <a:rPr lang="fr-CA" i="1">
-                        <a:latin typeface="Cambria Math" panose="02040503050406030204" pitchFamily="18" charset="0"/>
-                      </a:rPr>
-                      <m:t>)</m:t>
-                    </m:r>
-                  </m:oMath>
-                </a14:m>
-                <a:r>
-                  <a:rPr lang="en-CA" dirty="0"/>
-                  <a:t> becomes </a:t>
-                </a:r>
-              </a:p>
-              <a:p>
-                <a:pPr marL="0" indent="0">
-                  <a:buNone/>
-                </a:pPr>
-                <a:endParaRPr lang="en-CA" dirty="0"/>
-              </a:p>
-            </p:txBody>
-          </p:sp>
-        </mc:Choice>
-        <mc:Fallback>
-          <p:sp>
-            <p:nvSpPr>
-              <p:cNvPr id="3" name="Content Placeholder 2">
-                <a:extLst>
-                  <a:ext uri="{FF2B5EF4-FFF2-40B4-BE49-F238E27FC236}">
-                    <a16:creationId xmlns:a16="http://schemas.microsoft.com/office/drawing/2014/main" id="{9FD1E03E-EE07-4F22-AF0B-ADB3D83D4A85}"/>
-                  </a:ext>
-                </a:extLst>
-              </p:cNvPr>
-              <p:cNvSpPr>
-                <a:spLocks noGrp="1" noRot="1" noChangeAspect="1" noMove="1" noResize="1" noEditPoints="1" noAdjustHandles="1" noChangeArrowheads="1" noChangeShapeType="1" noTextEdit="1"/>
-              </p:cNvSpPr>
-              <p:nvPr>
-                <p:ph idx="1"/>
-              </p:nvPr>
-            </p:nvSpPr>
-            <p:spPr>
-              <a:xfrm>
-                <a:off x="3497870" y="982225"/>
-                <a:ext cx="4964724" cy="1131068"/>
-              </a:xfrm>
-              <a:blipFill>
-                <a:blip r:embed="rId4"/>
-                <a:stretch>
-                  <a:fillRect t="-1075" b="-1214516"/>
-                </a:stretch>
-              </a:blipFill>
-            </p:spPr>
-            <p:txBody>
-              <a:bodyPr/>
-              <a:lstStyle/>
-              <a:p>
-                <a:r>
-                  <a:rPr lang="en-CA">
-                    <a:noFill/>
-                  </a:rPr>
-                  <a:t> </a:t>
-                </a:r>
-              </a:p>
-            </p:txBody>
-          </p:sp>
-        </mc:Fallback>
-      </mc:AlternateContent>
-      <mc:AlternateContent xmlns:mc="http://schemas.openxmlformats.org/markup-compatibility/2006">
-        <mc:Choice xmlns:a14="http://schemas.microsoft.com/office/drawing/2010/main" Requires="a14">
+      <mc:AlternateContent xmlns:mc="http://schemas.openxmlformats.org/markup-compatibility/2006" xmlns:a14="http://schemas.microsoft.com/office/drawing/2010/main">
+        <mc:Choice Requires="a14">
           <p:sp>
             <p:nvSpPr>
               <p:cNvPr id="9" name="TextBox 8">
@@ -14251,7 +21244,7 @@
             </p:txBody>
           </p:sp>
         </mc:Choice>
-        <mc:Fallback>
+        <mc:Fallback xmlns="">
           <p:sp>
             <p:nvSpPr>
               <p:cNvPr id="9" name="TextBox 8">
@@ -15142,8 +22135,8 @@
           </a:p>
         </p:txBody>
       </p:sp>
-      <mc:AlternateContent xmlns:mc="http://schemas.openxmlformats.org/markup-compatibility/2006">
-        <mc:Choice xmlns:a14="http://schemas.microsoft.com/office/drawing/2010/main" Requires="a14">
+      <mc:AlternateContent xmlns:mc="http://schemas.openxmlformats.org/markup-compatibility/2006" xmlns:a14="http://schemas.microsoft.com/office/drawing/2010/main">
+        <mc:Choice Requires="a14">
           <p:sp>
             <p:nvSpPr>
               <p:cNvPr id="9" name="TextBox 8">
@@ -15326,7 +22319,7 @@
             </p:txBody>
           </p:sp>
         </mc:Choice>
-        <mc:Fallback>
+        <mc:Fallback xmlns="">
           <p:sp>
             <p:nvSpPr>
               <p:cNvPr id="9" name="TextBox 8">
@@ -16020,8 +23013,8 @@
           </a:p>
         </p:txBody>
       </p:sp>
-      <mc:AlternateContent xmlns:mc="http://schemas.openxmlformats.org/markup-compatibility/2006">
-        <mc:Choice xmlns:a14="http://schemas.microsoft.com/office/drawing/2010/main" Requires="a14">
+      <mc:AlternateContent xmlns:mc="http://schemas.openxmlformats.org/markup-compatibility/2006" xmlns:a14="http://schemas.microsoft.com/office/drawing/2010/main">
+        <mc:Choice Requires="a14">
           <p:sp>
             <p:nvSpPr>
               <p:cNvPr id="3" name="Content Placeholder 2">
@@ -16327,7 +23320,7 @@
             </p:txBody>
           </p:sp>
         </mc:Choice>
-        <mc:Fallback>
+        <mc:Fallback xmlns="">
           <p:sp>
             <p:nvSpPr>
               <p:cNvPr id="3" name="Content Placeholder 2">
@@ -16371,8 +23364,8 @@
           </p:sp>
         </mc:Fallback>
       </mc:AlternateContent>
-      <mc:AlternateContent xmlns:mc="http://schemas.openxmlformats.org/markup-compatibility/2006">
-        <mc:Choice xmlns:a14="http://schemas.microsoft.com/office/drawing/2010/main" Requires="a14">
+      <mc:AlternateContent xmlns:mc="http://schemas.openxmlformats.org/markup-compatibility/2006" xmlns:a14="http://schemas.microsoft.com/office/drawing/2010/main">
+        <mc:Choice Requires="a14">
           <p:sp>
             <p:nvSpPr>
               <p:cNvPr id="9" name="TextBox 8">
@@ -16555,7 +23548,7 @@
             </p:txBody>
           </p:sp>
         </mc:Choice>
-        <mc:Fallback>
+        <mc:Fallback xmlns="">
           <p:sp>
             <p:nvSpPr>
               <p:cNvPr id="9" name="TextBox 8">
@@ -16600,8 +23593,8 @@
           </p:sp>
         </mc:Fallback>
       </mc:AlternateContent>
-      <mc:AlternateContent xmlns:mc="http://schemas.openxmlformats.org/markup-compatibility/2006">
-        <mc:Choice xmlns:a14="http://schemas.microsoft.com/office/drawing/2010/main" Requires="a14">
+      <mc:AlternateContent xmlns:mc="http://schemas.openxmlformats.org/markup-compatibility/2006" xmlns:a14="http://schemas.microsoft.com/office/drawing/2010/main">
+        <mc:Choice Requires="a14">
           <p:sp>
             <p:nvSpPr>
               <p:cNvPr id="10" name="TextBox 9">
@@ -16851,7 +23844,7 @@
             </p:txBody>
           </p:sp>
         </mc:Choice>
-        <mc:Fallback>
+        <mc:Fallback xmlns="">
           <p:sp>
             <p:nvSpPr>
               <p:cNvPr id="10" name="TextBox 9">

--- a/Intro_to_bayesian/bayesian_stats_with_stan_and_brms.pptx
+++ b/Intro_to_bayesian/bayesian_stats_with_stan_and_brms.pptx
@@ -217,7 +217,7 @@
           <a:p>
             <a:fld id="{10206B14-C106-4050-83BE-9A8C8E3A5B74}" type="datetimeFigureOut">
               <a:rPr lang="en-CA" smtClean="0"/>
-              <a:t>2020-12-06</a:t>
+              <a:t>2020-12-08</a:t>
             </a:fld>
             <a:endParaRPr lang="en-CA"/>
           </a:p>
@@ -634,7 +634,7 @@
           <a:p>
             <a:fld id="{E36824C5-7D88-455F-9FDA-5633A04D0815}" type="datetimeFigureOut">
               <a:rPr lang="en-CA" smtClean="0"/>
-              <a:t>2020-12-06</a:t>
+              <a:t>2020-12-08</a:t>
             </a:fld>
             <a:endParaRPr lang="en-CA"/>
           </a:p>
@@ -834,7 +834,7 @@
           <a:p>
             <a:fld id="{E36824C5-7D88-455F-9FDA-5633A04D0815}" type="datetimeFigureOut">
               <a:rPr lang="en-CA" smtClean="0"/>
-              <a:t>2020-12-06</a:t>
+              <a:t>2020-12-08</a:t>
             </a:fld>
             <a:endParaRPr lang="en-CA"/>
           </a:p>
@@ -1044,7 +1044,7 @@
           <a:p>
             <a:fld id="{E36824C5-7D88-455F-9FDA-5633A04D0815}" type="datetimeFigureOut">
               <a:rPr lang="en-CA" smtClean="0"/>
-              <a:t>2020-12-06</a:t>
+              <a:t>2020-12-08</a:t>
             </a:fld>
             <a:endParaRPr lang="en-CA"/>
           </a:p>
@@ -1244,7 +1244,7 @@
           <a:p>
             <a:fld id="{E36824C5-7D88-455F-9FDA-5633A04D0815}" type="datetimeFigureOut">
               <a:rPr lang="en-CA" smtClean="0"/>
-              <a:t>2020-12-06</a:t>
+              <a:t>2020-12-08</a:t>
             </a:fld>
             <a:endParaRPr lang="en-CA"/>
           </a:p>
@@ -1520,7 +1520,7 @@
           <a:p>
             <a:fld id="{E36824C5-7D88-455F-9FDA-5633A04D0815}" type="datetimeFigureOut">
               <a:rPr lang="en-CA" smtClean="0"/>
-              <a:t>2020-12-06</a:t>
+              <a:t>2020-12-08</a:t>
             </a:fld>
             <a:endParaRPr lang="en-CA"/>
           </a:p>
@@ -1788,7 +1788,7 @@
           <a:p>
             <a:fld id="{E36824C5-7D88-455F-9FDA-5633A04D0815}" type="datetimeFigureOut">
               <a:rPr lang="en-CA" smtClean="0"/>
-              <a:t>2020-12-06</a:t>
+              <a:t>2020-12-08</a:t>
             </a:fld>
             <a:endParaRPr lang="en-CA"/>
           </a:p>
@@ -2203,7 +2203,7 @@
           <a:p>
             <a:fld id="{E36824C5-7D88-455F-9FDA-5633A04D0815}" type="datetimeFigureOut">
               <a:rPr lang="en-CA" smtClean="0"/>
-              <a:t>2020-12-06</a:t>
+              <a:t>2020-12-08</a:t>
             </a:fld>
             <a:endParaRPr lang="en-CA"/>
           </a:p>
@@ -2345,7 +2345,7 @@
           <a:p>
             <a:fld id="{E36824C5-7D88-455F-9FDA-5633A04D0815}" type="datetimeFigureOut">
               <a:rPr lang="en-CA" smtClean="0"/>
-              <a:t>2020-12-06</a:t>
+              <a:t>2020-12-08</a:t>
             </a:fld>
             <a:endParaRPr lang="en-CA"/>
           </a:p>
@@ -2458,7 +2458,7 @@
           <a:p>
             <a:fld id="{E36824C5-7D88-455F-9FDA-5633A04D0815}" type="datetimeFigureOut">
               <a:rPr lang="en-CA" smtClean="0"/>
-              <a:t>2020-12-06</a:t>
+              <a:t>2020-12-08</a:t>
             </a:fld>
             <a:endParaRPr lang="en-CA"/>
           </a:p>
@@ -2771,7 +2771,7 @@
           <a:p>
             <a:fld id="{E36824C5-7D88-455F-9FDA-5633A04D0815}" type="datetimeFigureOut">
               <a:rPr lang="en-CA" smtClean="0"/>
-              <a:t>2020-12-06</a:t>
+              <a:t>2020-12-08</a:t>
             </a:fld>
             <a:endParaRPr lang="en-CA"/>
           </a:p>
@@ -3060,7 +3060,7 @@
           <a:p>
             <a:fld id="{E36824C5-7D88-455F-9FDA-5633A04D0815}" type="datetimeFigureOut">
               <a:rPr lang="en-CA" smtClean="0"/>
-              <a:t>2020-12-06</a:t>
+              <a:t>2020-12-08</a:t>
             </a:fld>
             <a:endParaRPr lang="en-CA"/>
           </a:p>
@@ -3303,7 +3303,7 @@
           <a:p>
             <a:fld id="{E36824C5-7D88-455F-9FDA-5633A04D0815}" type="datetimeFigureOut">
               <a:rPr lang="en-CA" smtClean="0"/>
-              <a:t>2020-12-06</a:t>
+              <a:t>2020-12-08</a:t>
             </a:fld>
             <a:endParaRPr lang="en-CA"/>
           </a:p>
@@ -6408,8 +6408,8 @@
           </a:p>
         </p:txBody>
       </p:sp>
-      <mc:AlternateContent xmlns:mc="http://schemas.openxmlformats.org/markup-compatibility/2006">
-        <mc:Choice xmlns:a14="http://schemas.microsoft.com/office/drawing/2010/main" Requires="a14">
+      <mc:AlternateContent xmlns:mc="http://schemas.openxmlformats.org/markup-compatibility/2006" xmlns:a14="http://schemas.microsoft.com/office/drawing/2010/main">
+        <mc:Choice Requires="a14">
           <p:sp>
             <p:nvSpPr>
               <p:cNvPr id="3" name="Content Placeholder 2">
@@ -6716,7 +6716,7 @@
             </p:txBody>
           </p:sp>
         </mc:Choice>
-        <mc:Fallback>
+        <mc:Fallback xmlns="">
           <p:sp>
             <p:nvSpPr>
               <p:cNvPr id="3" name="Content Placeholder 2">
@@ -8310,15 +8310,7 @@
             </a:pPr>
             <a:r>
               <a:rPr lang="en-US" dirty="0"/>
-              <a:t>Where to </a:t>
-            </a:r>
-            <a:r>
-              <a:rPr lang="en-US" dirty="0" err="1"/>
-              <a:t>clic</a:t>
-            </a:r>
-            <a:r>
-              <a:rPr lang="en-US" dirty="0"/>
-              <a:t> if you have trouble coding in Stan</a:t>
+              <a:t>Where to click if you have trouble coding in Stan</a:t>
             </a:r>
           </a:p>
         </p:txBody>
@@ -8562,7 +8554,7 @@
             </a:pPr>
             <a:r>
               <a:rPr lang="en-US" dirty="0"/>
-              <a:t>Use two forward slashes instead of a pound when you want to write text and not code</a:t>
+              <a:t>Use two forward slashes instead of a pound (#) when you want to write text and not code</a:t>
             </a:r>
           </a:p>
         </p:txBody>
@@ -11295,8 +11287,8 @@
           </a:p>
         </p:txBody>
       </p:sp>
-      <mc:AlternateContent xmlns:mc="http://schemas.openxmlformats.org/markup-compatibility/2006">
-        <mc:Choice xmlns:a14="http://schemas.microsoft.com/office/drawing/2010/main" Requires="a14">
+      <mc:AlternateContent xmlns:mc="http://schemas.openxmlformats.org/markup-compatibility/2006" xmlns:a14="http://schemas.microsoft.com/office/drawing/2010/main">
+        <mc:Choice Requires="a14">
           <p:sp>
             <p:nvSpPr>
               <p:cNvPr id="2" name="TextBox 1">
@@ -11325,6 +11317,7 @@
               </a:bodyPr>
               <a:lstStyle/>
               <a:p>
+                <a:pPr/>
                 <a14:m>
                   <m:oMathPara xmlns:m="http://schemas.openxmlformats.org/officeDocument/2006/math">
                     <m:oMathParaPr>
@@ -11514,7 +11507,7 @@
             </p:txBody>
           </p:sp>
         </mc:Choice>
-        <mc:Fallback>
+        <mc:Fallback xmlns="">
           <p:sp>
             <p:nvSpPr>
               <p:cNvPr id="2" name="TextBox 1">
@@ -12527,8 +12520,8 @@
           </a:fontRef>
         </p:style>
       </p:cxnSp>
-      <mc:AlternateContent xmlns:mc="http://schemas.openxmlformats.org/markup-compatibility/2006">
-        <mc:Choice xmlns:a14="http://schemas.microsoft.com/office/drawing/2010/main" Requires="a14">
+      <mc:AlternateContent xmlns:mc="http://schemas.openxmlformats.org/markup-compatibility/2006" xmlns:a14="http://schemas.microsoft.com/office/drawing/2010/main">
+        <mc:Choice Requires="a14">
           <p:sp>
             <p:nvSpPr>
               <p:cNvPr id="21" name="TextBox 20">
@@ -12557,6 +12550,7 @@
               </a:bodyPr>
               <a:lstStyle/>
               <a:p>
+                <a:pPr/>
                 <a14:m>
                   <m:oMathPara xmlns:m="http://schemas.openxmlformats.org/officeDocument/2006/math">
                     <m:oMathParaPr>
@@ -12601,7 +12595,7 @@
             </p:txBody>
           </p:sp>
         </mc:Choice>
-        <mc:Fallback>
+        <mc:Fallback xmlns="">
           <p:sp>
             <p:nvSpPr>
               <p:cNvPr id="21" name="TextBox 20">
@@ -12646,8 +12640,8 @@
           </p:sp>
         </mc:Fallback>
       </mc:AlternateContent>
-      <mc:AlternateContent xmlns:mc="http://schemas.openxmlformats.org/markup-compatibility/2006">
-        <mc:Choice xmlns:a14="http://schemas.microsoft.com/office/drawing/2010/main" Requires="a14">
+      <mc:AlternateContent xmlns:mc="http://schemas.openxmlformats.org/markup-compatibility/2006" xmlns:a14="http://schemas.microsoft.com/office/drawing/2010/main">
+        <mc:Choice Requires="a14">
           <p:sp>
             <p:nvSpPr>
               <p:cNvPr id="22" name="TextBox 21">
@@ -12676,6 +12670,7 @@
               </a:bodyPr>
               <a:lstStyle/>
               <a:p>
+                <a:pPr/>
                 <a14:m>
                   <m:oMathPara xmlns:m="http://schemas.openxmlformats.org/officeDocument/2006/math">
                     <m:oMathParaPr>
@@ -12738,7 +12733,7 @@
             </p:txBody>
           </p:sp>
         </mc:Choice>
-        <mc:Fallback>
+        <mc:Fallback xmlns="">
           <p:sp>
             <p:nvSpPr>
               <p:cNvPr id="22" name="TextBox 21">
@@ -12783,8 +12778,8 @@
           </p:sp>
         </mc:Fallback>
       </mc:AlternateContent>
-      <mc:AlternateContent xmlns:mc="http://schemas.openxmlformats.org/markup-compatibility/2006">
-        <mc:Choice xmlns:a14="http://schemas.microsoft.com/office/drawing/2010/main" Requires="a14">
+      <mc:AlternateContent xmlns:mc="http://schemas.openxmlformats.org/markup-compatibility/2006" xmlns:a14="http://schemas.microsoft.com/office/drawing/2010/main">
+        <mc:Choice Requires="a14">
           <p:sp>
             <p:nvSpPr>
               <p:cNvPr id="23" name="TextBox 22">
@@ -12813,6 +12808,7 @@
               </a:bodyPr>
               <a:lstStyle/>
               <a:p>
+                <a:pPr/>
                 <a14:m>
                   <m:oMathPara xmlns:m="http://schemas.openxmlformats.org/officeDocument/2006/math">
                     <m:oMathParaPr>
@@ -12936,7 +12932,7 @@
             </p:txBody>
           </p:sp>
         </mc:Choice>
-        <mc:Fallback>
+        <mc:Fallback xmlns="">
           <p:sp>
             <p:nvSpPr>
               <p:cNvPr id="23" name="TextBox 22">
@@ -12981,8 +12977,8 @@
           </p:sp>
         </mc:Fallback>
       </mc:AlternateContent>
-      <mc:AlternateContent xmlns:mc="http://schemas.openxmlformats.org/markup-compatibility/2006">
-        <mc:Choice xmlns:a14="http://schemas.microsoft.com/office/drawing/2010/main" Requires="a14">
+      <mc:AlternateContent xmlns:mc="http://schemas.openxmlformats.org/markup-compatibility/2006" xmlns:a14="http://schemas.microsoft.com/office/drawing/2010/main">
+        <mc:Choice Requires="a14">
           <p:sp>
             <p:nvSpPr>
               <p:cNvPr id="24" name="TextBox 23">
@@ -13011,6 +13007,7 @@
               </a:bodyPr>
               <a:lstStyle/>
               <a:p>
+                <a:pPr/>
                 <a14:m>
                   <m:oMathPara xmlns:m="http://schemas.openxmlformats.org/officeDocument/2006/math">
                     <m:oMathParaPr>
@@ -13156,7 +13153,7 @@
             </p:txBody>
           </p:sp>
         </mc:Choice>
-        <mc:Fallback>
+        <mc:Fallback xmlns="">
           <p:sp>
             <p:nvSpPr>
               <p:cNvPr id="24" name="TextBox 23">
@@ -13201,8 +13198,8 @@
           </p:sp>
         </mc:Fallback>
       </mc:AlternateContent>
-      <mc:AlternateContent xmlns:mc="http://schemas.openxmlformats.org/markup-compatibility/2006">
-        <mc:Choice xmlns:a14="http://schemas.microsoft.com/office/drawing/2010/main" Requires="a14">
+      <mc:AlternateContent xmlns:mc="http://schemas.openxmlformats.org/markup-compatibility/2006" xmlns:a14="http://schemas.microsoft.com/office/drawing/2010/main">
+        <mc:Choice Requires="a14">
           <p:sp>
             <p:nvSpPr>
               <p:cNvPr id="25" name="TextBox 24">
@@ -13231,6 +13228,7 @@
               </a:bodyPr>
               <a:lstStyle/>
               <a:p>
+                <a:pPr/>
                 <a14:m>
                   <m:oMathPara xmlns:m="http://schemas.openxmlformats.org/officeDocument/2006/math">
                     <m:oMathParaPr>
@@ -13363,7 +13361,7 @@
             </p:txBody>
           </p:sp>
         </mc:Choice>
-        <mc:Fallback>
+        <mc:Fallback xmlns="">
           <p:sp>
             <p:nvSpPr>
               <p:cNvPr id="25" name="TextBox 24">
@@ -23013,8 +23011,8 @@
           </a:p>
         </p:txBody>
       </p:sp>
-      <mc:AlternateContent xmlns:mc="http://schemas.openxmlformats.org/markup-compatibility/2006" xmlns:a14="http://schemas.microsoft.com/office/drawing/2010/main">
-        <mc:Choice Requires="a14">
+      <mc:AlternateContent xmlns:mc="http://schemas.openxmlformats.org/markup-compatibility/2006">
+        <mc:Choice xmlns:a14="http://schemas.microsoft.com/office/drawing/2010/main" Requires="a14">
           <p:sp>
             <p:nvSpPr>
               <p:cNvPr id="3" name="Content Placeholder 2">
@@ -23039,7 +23037,7 @@
             </p:spPr>
             <p:txBody>
               <a:bodyPr>
-                <a:normAutofit fontScale="62500" lnSpcReduction="20000"/>
+                <a:normAutofit fontScale="70000" lnSpcReduction="20000"/>
               </a:bodyPr>
               <a:lstStyle/>
               <a:p>
@@ -23057,14 +23055,6 @@
                 <a:r>
                   <a:rPr lang="fr-CA" dirty="0"/>
                   <a:t> can </a:t>
-                </a:r>
-                <a:r>
-                  <a:rPr lang="fr-CA" dirty="0" err="1"/>
-                  <a:t>be</a:t>
-                </a:r>
-                <a:r>
-                  <a:rPr lang="fr-CA" dirty="0"/>
-                  <a:t> </a:t>
                 </a:r>
                 <a:r>
                   <a:rPr lang="fr-CA" dirty="0" err="1"/>
@@ -23320,7 +23310,7 @@
             </p:txBody>
           </p:sp>
         </mc:Choice>
-        <mc:Fallback xmlns="">
+        <mc:Fallback>
           <p:sp>
             <p:nvSpPr>
               <p:cNvPr id="3" name="Content Placeholder 2">
@@ -23345,7 +23335,7 @@
               <a:blipFill>
                 <a:blip r:embed="rId4"/>
                 <a:stretch>
-                  <a:fillRect l="-1106" t="-8602" r="-1843"/>
+                  <a:fillRect l="-369" t="-9677" r="-246" b="-5376"/>
                 </a:stretch>
               </a:blipFill>
             </p:spPr>
